--- a/presentations/0828.pptx
+++ b/presentations/0828.pptx
@@ -4,17 +4,26 @@
   <p:sldMasterIdLst>
     <p:sldMasterId id="2147483648" r:id="rId1"/>
   </p:sldMasterIdLst>
+  <p:notesMasterIdLst>
+    <p:notesMasterId r:id="rId18"/>
+  </p:notesMasterIdLst>
   <p:sldIdLst>
     <p:sldId id="256" r:id="rId2"/>
-    <p:sldId id="261" r:id="rId3"/>
-    <p:sldId id="258" r:id="rId4"/>
-    <p:sldId id="259" r:id="rId5"/>
-    <p:sldId id="260" r:id="rId6"/>
-    <p:sldId id="262" r:id="rId7"/>
-    <p:sldId id="263" r:id="rId8"/>
-    <p:sldId id="264" r:id="rId9"/>
-    <p:sldId id="267" r:id="rId10"/>
-    <p:sldId id="265" r:id="rId11"/>
+    <p:sldId id="268" r:id="rId3"/>
+    <p:sldId id="269" r:id="rId4"/>
+    <p:sldId id="271" r:id="rId5"/>
+    <p:sldId id="270" r:id="rId6"/>
+    <p:sldId id="272" r:id="rId7"/>
+    <p:sldId id="261" r:id="rId8"/>
+    <p:sldId id="275" r:id="rId9"/>
+    <p:sldId id="273" r:id="rId10"/>
+    <p:sldId id="274" r:id="rId11"/>
+    <p:sldId id="276" r:id="rId12"/>
+    <p:sldId id="280" r:id="rId13"/>
+    <p:sldId id="277" r:id="rId14"/>
+    <p:sldId id="278" r:id="rId15"/>
+    <p:sldId id="279" r:id="rId16"/>
+    <p:sldId id="281" r:id="rId17"/>
   </p:sldIdLst>
   <p:sldSz cx="12192000" cy="6858000"/>
   <p:notesSz cx="6858000" cy="9144000"/>
@@ -113,7 +122,1421 @@
       </a:defRPr>
     </a:lvl9pPr>
   </p:defaultTextStyle>
+  <p:extLst>
+    <p:ext uri="{521415D9-36F7-43E2-AB2F-B90AF26B5E84}">
+      <p14:sectionLst xmlns:p14="http://schemas.microsoft.com/office/powerpoint/2010/main">
+        <p14:section name="Default Section" id="{50B55D6A-C1CE-4D52-843A-6F1E7021F327}">
+          <p14:sldIdLst>
+            <p14:sldId id="256"/>
+            <p14:sldId id="268"/>
+            <p14:sldId id="269"/>
+            <p14:sldId id="271"/>
+            <p14:sldId id="270"/>
+            <p14:sldId id="272"/>
+            <p14:sldId id="261"/>
+            <p14:sldId id="275"/>
+            <p14:sldId id="273"/>
+            <p14:sldId id="274"/>
+            <p14:sldId id="276"/>
+            <p14:sldId id="280"/>
+            <p14:sldId id="277"/>
+            <p14:sldId id="278"/>
+            <p14:sldId id="279"/>
+            <p14:sldId id="281"/>
+          </p14:sldIdLst>
+        </p14:section>
+      </p14:sectionLst>
+    </p:ext>
+    <p:ext uri="{EFAFB233-063F-42B5-8137-9DF3F51BA10A}">
+      <p15:sldGuideLst xmlns:p15="http://schemas.microsoft.com/office/powerpoint/2012/main"/>
+    </p:ext>
+  </p:extLst>
 </p:presentation>
+</file>
+
+<file path=ppt/notesMasters/notesMaster1.xml><?xml version="1.0" encoding="utf-8"?>
+<p:notesMaster xmlns:a="http://schemas.openxmlformats.org/drawingml/2006/main" xmlns:r="http://schemas.openxmlformats.org/officeDocument/2006/relationships" xmlns:p="http://schemas.openxmlformats.org/presentationml/2006/main">
+  <p:cSld>
+    <p:bg>
+      <p:bgRef idx="1001">
+        <a:schemeClr val="bg1"/>
+      </p:bgRef>
+    </p:bg>
+    <p:spTree>
+      <p:nvGrpSpPr>
+        <p:cNvPr id="1" name=""/>
+        <p:cNvGrpSpPr/>
+        <p:nvPr/>
+      </p:nvGrpSpPr>
+      <p:grpSpPr>
+        <a:xfrm>
+          <a:off x="0" y="0"/>
+          <a:ext cx="0" cy="0"/>
+          <a:chOff x="0" y="0"/>
+          <a:chExt cx="0" cy="0"/>
+        </a:xfrm>
+      </p:grpSpPr>
+      <p:sp>
+        <p:nvSpPr>
+          <p:cNvPr id="2" name="Header Placeholder 1"/>
+          <p:cNvSpPr>
+            <a:spLocks noGrp="1"/>
+          </p:cNvSpPr>
+          <p:nvPr>
+            <p:ph type="hdr" sz="quarter"/>
+          </p:nvPr>
+        </p:nvSpPr>
+        <p:spPr>
+          <a:xfrm>
+            <a:off x="0" y="0"/>
+            <a:ext cx="2971800" cy="458788"/>
+          </a:xfrm>
+          <a:prstGeom prst="rect">
+            <a:avLst/>
+          </a:prstGeom>
+        </p:spPr>
+        <p:txBody>
+          <a:bodyPr vert="horz" lIns="91440" tIns="45720" rIns="91440" bIns="45720" rtlCol="0"/>
+          <a:lstStyle>
+            <a:lvl1pPr algn="l">
+              <a:defRPr sz="1200"/>
+            </a:lvl1pPr>
+          </a:lstStyle>
+          <a:p>
+            <a:endParaRPr lang="en-US"/>
+          </a:p>
+        </p:txBody>
+      </p:sp>
+      <p:sp>
+        <p:nvSpPr>
+          <p:cNvPr id="3" name="Date Placeholder 2"/>
+          <p:cNvSpPr>
+            <a:spLocks noGrp="1"/>
+          </p:cNvSpPr>
+          <p:nvPr>
+            <p:ph type="dt" idx="1"/>
+          </p:nvPr>
+        </p:nvSpPr>
+        <p:spPr>
+          <a:xfrm>
+            <a:off x="3884613" y="0"/>
+            <a:ext cx="2971800" cy="458788"/>
+          </a:xfrm>
+          <a:prstGeom prst="rect">
+            <a:avLst/>
+          </a:prstGeom>
+        </p:spPr>
+        <p:txBody>
+          <a:bodyPr vert="horz" lIns="91440" tIns="45720" rIns="91440" bIns="45720" rtlCol="0"/>
+          <a:lstStyle>
+            <a:lvl1pPr algn="r">
+              <a:defRPr sz="1200"/>
+            </a:lvl1pPr>
+          </a:lstStyle>
+          <a:p>
+            <a:fld id="{0C25377B-82A1-4B9C-BC69-100F257E038F}" type="datetimeFigureOut">
+              <a:rPr lang="en-US" smtClean="0"/>
+              <a:t>7/27/2025</a:t>
+            </a:fld>
+            <a:endParaRPr lang="en-US"/>
+          </a:p>
+        </p:txBody>
+      </p:sp>
+      <p:sp>
+        <p:nvSpPr>
+          <p:cNvPr id="4" name="Slide Image Placeholder 3"/>
+          <p:cNvSpPr>
+            <a:spLocks noGrp="1" noRot="1" noChangeAspect="1"/>
+          </p:cNvSpPr>
+          <p:nvPr>
+            <p:ph type="sldImg" idx="2"/>
+          </p:nvPr>
+        </p:nvSpPr>
+        <p:spPr>
+          <a:xfrm>
+            <a:off x="685800" y="1143000"/>
+            <a:ext cx="5486400" cy="3086100"/>
+          </a:xfrm>
+          <a:prstGeom prst="rect">
+            <a:avLst/>
+          </a:prstGeom>
+          <a:noFill/>
+          <a:ln w="12700">
+            <a:solidFill>
+              <a:prstClr val="black"/>
+            </a:solidFill>
+          </a:ln>
+        </p:spPr>
+        <p:txBody>
+          <a:bodyPr vert="horz" lIns="91440" tIns="45720" rIns="91440" bIns="45720" rtlCol="0" anchor="ctr"/>
+          <a:lstStyle/>
+          <a:p>
+            <a:endParaRPr lang="en-US"/>
+          </a:p>
+        </p:txBody>
+      </p:sp>
+      <p:sp>
+        <p:nvSpPr>
+          <p:cNvPr id="5" name="Notes Placeholder 4"/>
+          <p:cNvSpPr>
+            <a:spLocks noGrp="1"/>
+          </p:cNvSpPr>
+          <p:nvPr>
+            <p:ph type="body" sz="quarter" idx="3"/>
+          </p:nvPr>
+        </p:nvSpPr>
+        <p:spPr>
+          <a:xfrm>
+            <a:off x="685800" y="4400550"/>
+            <a:ext cx="5486400" cy="3600450"/>
+          </a:xfrm>
+          <a:prstGeom prst="rect">
+            <a:avLst/>
+          </a:prstGeom>
+        </p:spPr>
+        <p:txBody>
+          <a:bodyPr vert="horz" lIns="91440" tIns="45720" rIns="91440" bIns="45720" rtlCol="0"/>
+          <a:lstStyle/>
+          <a:p>
+            <a:pPr lvl="0"/>
+            <a:r>
+              <a:rPr lang="en-US"/>
+              <a:t>Click to edit Master text styles</a:t>
+            </a:r>
+          </a:p>
+          <a:p>
+            <a:pPr lvl="1"/>
+            <a:r>
+              <a:rPr lang="en-US"/>
+              <a:t>Second level</a:t>
+            </a:r>
+          </a:p>
+          <a:p>
+            <a:pPr lvl="2"/>
+            <a:r>
+              <a:rPr lang="en-US"/>
+              <a:t>Third level</a:t>
+            </a:r>
+          </a:p>
+          <a:p>
+            <a:pPr lvl="3"/>
+            <a:r>
+              <a:rPr lang="en-US"/>
+              <a:t>Fourth level</a:t>
+            </a:r>
+          </a:p>
+          <a:p>
+            <a:pPr lvl="4"/>
+            <a:r>
+              <a:rPr lang="en-US"/>
+              <a:t>Fifth level</a:t>
+            </a:r>
+          </a:p>
+        </p:txBody>
+      </p:sp>
+      <p:sp>
+        <p:nvSpPr>
+          <p:cNvPr id="6" name="Footer Placeholder 5"/>
+          <p:cNvSpPr>
+            <a:spLocks noGrp="1"/>
+          </p:cNvSpPr>
+          <p:nvPr>
+            <p:ph type="ftr" sz="quarter" idx="4"/>
+          </p:nvPr>
+        </p:nvSpPr>
+        <p:spPr>
+          <a:xfrm>
+            <a:off x="0" y="8685213"/>
+            <a:ext cx="2971800" cy="458787"/>
+          </a:xfrm>
+          <a:prstGeom prst="rect">
+            <a:avLst/>
+          </a:prstGeom>
+        </p:spPr>
+        <p:txBody>
+          <a:bodyPr vert="horz" lIns="91440" tIns="45720" rIns="91440" bIns="45720" rtlCol="0" anchor="b"/>
+          <a:lstStyle>
+            <a:lvl1pPr algn="l">
+              <a:defRPr sz="1200"/>
+            </a:lvl1pPr>
+          </a:lstStyle>
+          <a:p>
+            <a:endParaRPr lang="en-US"/>
+          </a:p>
+        </p:txBody>
+      </p:sp>
+      <p:sp>
+        <p:nvSpPr>
+          <p:cNvPr id="7" name="Slide Number Placeholder 6"/>
+          <p:cNvSpPr>
+            <a:spLocks noGrp="1"/>
+          </p:cNvSpPr>
+          <p:nvPr>
+            <p:ph type="sldNum" sz="quarter" idx="5"/>
+          </p:nvPr>
+        </p:nvSpPr>
+        <p:spPr>
+          <a:xfrm>
+            <a:off x="3884613" y="8685213"/>
+            <a:ext cx="2971800" cy="458787"/>
+          </a:xfrm>
+          <a:prstGeom prst="rect">
+            <a:avLst/>
+          </a:prstGeom>
+        </p:spPr>
+        <p:txBody>
+          <a:bodyPr vert="horz" lIns="91440" tIns="45720" rIns="91440" bIns="45720" rtlCol="0" anchor="b"/>
+          <a:lstStyle>
+            <a:lvl1pPr algn="r">
+              <a:defRPr sz="1200"/>
+            </a:lvl1pPr>
+          </a:lstStyle>
+          <a:p>
+            <a:fld id="{7E8CCD7C-35CF-4779-AD7B-59735EB46BAB}" type="slidenum">
+              <a:rPr lang="en-US" smtClean="0"/>
+              <a:t>‹#›</a:t>
+            </a:fld>
+            <a:endParaRPr lang="en-US"/>
+          </a:p>
+        </p:txBody>
+      </p:sp>
+    </p:spTree>
+    <p:extLst>
+      <p:ext uri="{BB962C8B-B14F-4D97-AF65-F5344CB8AC3E}">
+        <p14:creationId xmlns:p14="http://schemas.microsoft.com/office/powerpoint/2010/main" val="1155821356"/>
+      </p:ext>
+    </p:extLst>
+  </p:cSld>
+  <p:clrMap bg1="lt1" tx1="dk1" bg2="lt2" tx2="dk2" accent1="accent1" accent2="accent2" accent3="accent3" accent4="accent4" accent5="accent5" accent6="accent6" hlink="hlink" folHlink="folHlink"/>
+  <p:notesStyle>
+    <a:lvl1pPr marL="0" algn="l" defTabSz="914400" rtl="0" eaLnBrk="1" latinLnBrk="0" hangingPunct="1">
+      <a:defRPr sz="1200" kern="1200">
+        <a:solidFill>
+          <a:schemeClr val="tx1"/>
+        </a:solidFill>
+        <a:latin typeface="+mn-lt"/>
+        <a:ea typeface="+mn-ea"/>
+        <a:cs typeface="+mn-cs"/>
+      </a:defRPr>
+    </a:lvl1pPr>
+    <a:lvl2pPr marL="457200" algn="l" defTabSz="914400" rtl="0" eaLnBrk="1" latinLnBrk="0" hangingPunct="1">
+      <a:defRPr sz="1200" kern="1200">
+        <a:solidFill>
+          <a:schemeClr val="tx1"/>
+        </a:solidFill>
+        <a:latin typeface="+mn-lt"/>
+        <a:ea typeface="+mn-ea"/>
+        <a:cs typeface="+mn-cs"/>
+      </a:defRPr>
+    </a:lvl2pPr>
+    <a:lvl3pPr marL="914400" algn="l" defTabSz="914400" rtl="0" eaLnBrk="1" latinLnBrk="0" hangingPunct="1">
+      <a:defRPr sz="1200" kern="1200">
+        <a:solidFill>
+          <a:schemeClr val="tx1"/>
+        </a:solidFill>
+        <a:latin typeface="+mn-lt"/>
+        <a:ea typeface="+mn-ea"/>
+        <a:cs typeface="+mn-cs"/>
+      </a:defRPr>
+    </a:lvl3pPr>
+    <a:lvl4pPr marL="1371600" algn="l" defTabSz="914400" rtl="0" eaLnBrk="1" latinLnBrk="0" hangingPunct="1">
+      <a:defRPr sz="1200" kern="1200">
+        <a:solidFill>
+          <a:schemeClr val="tx1"/>
+        </a:solidFill>
+        <a:latin typeface="+mn-lt"/>
+        <a:ea typeface="+mn-ea"/>
+        <a:cs typeface="+mn-cs"/>
+      </a:defRPr>
+    </a:lvl4pPr>
+    <a:lvl5pPr marL="1828800" algn="l" defTabSz="914400" rtl="0" eaLnBrk="1" latinLnBrk="0" hangingPunct="1">
+      <a:defRPr sz="1200" kern="1200">
+        <a:solidFill>
+          <a:schemeClr val="tx1"/>
+        </a:solidFill>
+        <a:latin typeface="+mn-lt"/>
+        <a:ea typeface="+mn-ea"/>
+        <a:cs typeface="+mn-cs"/>
+      </a:defRPr>
+    </a:lvl5pPr>
+    <a:lvl6pPr marL="2286000" algn="l" defTabSz="914400" rtl="0" eaLnBrk="1" latinLnBrk="0" hangingPunct="1">
+      <a:defRPr sz="1200" kern="1200">
+        <a:solidFill>
+          <a:schemeClr val="tx1"/>
+        </a:solidFill>
+        <a:latin typeface="+mn-lt"/>
+        <a:ea typeface="+mn-ea"/>
+        <a:cs typeface="+mn-cs"/>
+      </a:defRPr>
+    </a:lvl6pPr>
+    <a:lvl7pPr marL="2743200" algn="l" defTabSz="914400" rtl="0" eaLnBrk="1" latinLnBrk="0" hangingPunct="1">
+      <a:defRPr sz="1200" kern="1200">
+        <a:solidFill>
+          <a:schemeClr val="tx1"/>
+        </a:solidFill>
+        <a:latin typeface="+mn-lt"/>
+        <a:ea typeface="+mn-ea"/>
+        <a:cs typeface="+mn-cs"/>
+      </a:defRPr>
+    </a:lvl7pPr>
+    <a:lvl8pPr marL="3200400" algn="l" defTabSz="914400" rtl="0" eaLnBrk="1" latinLnBrk="0" hangingPunct="1">
+      <a:defRPr sz="1200" kern="1200">
+        <a:solidFill>
+          <a:schemeClr val="tx1"/>
+        </a:solidFill>
+        <a:latin typeface="+mn-lt"/>
+        <a:ea typeface="+mn-ea"/>
+        <a:cs typeface="+mn-cs"/>
+      </a:defRPr>
+    </a:lvl8pPr>
+    <a:lvl9pPr marL="3657600" algn="l" defTabSz="914400" rtl="0" eaLnBrk="1" latinLnBrk="0" hangingPunct="1">
+      <a:defRPr sz="1200" kern="1200">
+        <a:solidFill>
+          <a:schemeClr val="tx1"/>
+        </a:solidFill>
+        <a:latin typeface="+mn-lt"/>
+        <a:ea typeface="+mn-ea"/>
+        <a:cs typeface="+mn-cs"/>
+      </a:defRPr>
+    </a:lvl9pPr>
+  </p:notesStyle>
+</p:notesMaster>
+</file>
+
+<file path=ppt/notesSlides/notesSlide1.xml><?xml version="1.0" encoding="utf-8"?>
+<p:notes xmlns:a="http://schemas.openxmlformats.org/drawingml/2006/main" xmlns:r="http://schemas.openxmlformats.org/officeDocument/2006/relationships" xmlns:p="http://schemas.openxmlformats.org/presentationml/2006/main">
+  <p:cSld>
+    <p:spTree>
+      <p:nvGrpSpPr>
+        <p:cNvPr id="1" name=""/>
+        <p:cNvGrpSpPr/>
+        <p:nvPr/>
+      </p:nvGrpSpPr>
+      <p:grpSpPr>
+        <a:xfrm>
+          <a:off x="0" y="0"/>
+          <a:ext cx="0" cy="0"/>
+          <a:chOff x="0" y="0"/>
+          <a:chExt cx="0" cy="0"/>
+        </a:xfrm>
+      </p:grpSpPr>
+      <p:sp>
+        <p:nvSpPr>
+          <p:cNvPr id="2" name="Slide Image Placeholder 1"/>
+          <p:cNvSpPr>
+            <a:spLocks noGrp="1" noRot="1" noChangeAspect="1"/>
+          </p:cNvSpPr>
+          <p:nvPr>
+            <p:ph type="sldImg"/>
+          </p:nvPr>
+        </p:nvSpPr>
+        <p:spPr/>
+      </p:sp>
+      <p:sp>
+        <p:nvSpPr>
+          <p:cNvPr id="3" name="Notes Placeholder 2"/>
+          <p:cNvSpPr>
+            <a:spLocks noGrp="1"/>
+          </p:cNvSpPr>
+          <p:nvPr>
+            <p:ph type="body" idx="1"/>
+          </p:nvPr>
+        </p:nvSpPr>
+        <p:spPr/>
+        <p:txBody>
+          <a:bodyPr/>
+          <a:lstStyle/>
+          <a:p>
+            <a:r>
+              <a:rPr lang="fr-FR" dirty="0" err="1"/>
+              <a:t>Connectance</a:t>
+            </a:r>
+            <a:r>
+              <a:rPr lang="fr-FR" dirty="0"/>
+              <a:t> </a:t>
+            </a:r>
+            <a:r>
+              <a:rPr lang="fr-FR" dirty="0" err="1"/>
+              <a:t>decreasing</a:t>
+            </a:r>
+            <a:r>
+              <a:rPr lang="fr-FR" dirty="0"/>
+              <a:t> in </a:t>
+            </a:r>
+            <a:r>
+              <a:rPr lang="fr-FR" dirty="0" err="1"/>
+              <a:t>both</a:t>
+            </a:r>
+            <a:r>
+              <a:rPr lang="fr-FR" dirty="0"/>
+              <a:t> US and France, but </a:t>
+            </a:r>
+            <a:r>
+              <a:rPr lang="fr-FR" dirty="0" err="1"/>
+              <a:t>overral</a:t>
+            </a:r>
+            <a:r>
+              <a:rPr lang="fr-FR" dirty="0"/>
+              <a:t> values in France are at least 5 times </a:t>
+            </a:r>
+            <a:r>
+              <a:rPr lang="fr-FR" dirty="0" err="1"/>
+              <a:t>greater</a:t>
+            </a:r>
+            <a:r>
+              <a:rPr lang="fr-FR" dirty="0"/>
+              <a:t> </a:t>
+            </a:r>
+            <a:r>
+              <a:rPr lang="fr-FR" dirty="0" err="1"/>
+              <a:t>than</a:t>
+            </a:r>
+            <a:r>
+              <a:rPr lang="fr-FR" dirty="0"/>
+              <a:t> US</a:t>
+            </a:r>
+          </a:p>
+          <a:p>
+            <a:r>
+              <a:rPr lang="fr-FR" dirty="0" err="1"/>
+              <a:t>Nestedness</a:t>
+            </a:r>
+            <a:r>
+              <a:rPr lang="fr-FR" dirty="0"/>
+              <a:t> </a:t>
+            </a:r>
+            <a:r>
+              <a:rPr lang="fr-FR" dirty="0" err="1"/>
+              <a:t>decreasing</a:t>
+            </a:r>
+            <a:r>
+              <a:rPr lang="fr-FR" dirty="0"/>
+              <a:t> in </a:t>
+            </a:r>
+            <a:r>
+              <a:rPr lang="fr-FR" dirty="0" err="1"/>
+              <a:t>both</a:t>
+            </a:r>
+            <a:r>
+              <a:rPr lang="fr-FR" dirty="0"/>
+              <a:t> US and France, France </a:t>
+            </a:r>
+            <a:r>
+              <a:rPr lang="fr-FR" dirty="0" err="1"/>
+              <a:t>from</a:t>
+            </a:r>
+            <a:r>
+              <a:rPr lang="fr-FR" dirty="0"/>
+              <a:t> 20 to 10 (</a:t>
+            </a:r>
+            <a:r>
+              <a:rPr lang="fr-FR" dirty="0" err="1"/>
+              <a:t>half</a:t>
+            </a:r>
+            <a:r>
+              <a:rPr lang="fr-FR" dirty="0"/>
+              <a:t>) in 8 </a:t>
+            </a:r>
+            <a:r>
+              <a:rPr lang="fr-FR" dirty="0" err="1"/>
+              <a:t>years</a:t>
+            </a:r>
+            <a:r>
+              <a:rPr lang="fr-FR" dirty="0"/>
+              <a:t>, US </a:t>
+            </a:r>
+            <a:r>
+              <a:rPr lang="fr-FR" dirty="0" err="1"/>
+              <a:t>from</a:t>
+            </a:r>
+            <a:r>
+              <a:rPr lang="fr-FR" dirty="0"/>
+              <a:t> 9 to 4 (</a:t>
+            </a:r>
+            <a:r>
+              <a:rPr lang="fr-FR" dirty="0" err="1"/>
+              <a:t>half</a:t>
+            </a:r>
+            <a:r>
+              <a:rPr lang="fr-FR" dirty="0"/>
+              <a:t>) in </a:t>
+            </a:r>
+            <a:r>
+              <a:rPr lang="fr-FR" dirty="0" err="1"/>
+              <a:t>same</a:t>
+            </a:r>
+            <a:r>
+              <a:rPr lang="fr-FR" dirty="0"/>
+              <a:t> </a:t>
+            </a:r>
+            <a:r>
+              <a:rPr lang="fr-FR" dirty="0" err="1"/>
+              <a:t>period</a:t>
+            </a:r>
+            <a:endParaRPr lang="fr-FR" dirty="0"/>
+          </a:p>
+          <a:p>
+            <a:r>
+              <a:rPr lang="fr-FR" dirty="0" err="1"/>
+              <a:t>Modularity</a:t>
+            </a:r>
+            <a:r>
+              <a:rPr lang="fr-FR" dirty="0"/>
+              <a:t> in U format, </a:t>
+            </a:r>
+            <a:r>
+              <a:rPr lang="fr-FR" dirty="0" err="1"/>
+              <a:t>decreasing</a:t>
+            </a:r>
+            <a:r>
+              <a:rPr lang="fr-FR" dirty="0"/>
+              <a:t> in France </a:t>
+            </a:r>
+            <a:r>
+              <a:rPr lang="fr-FR" dirty="0" err="1"/>
+              <a:t>until</a:t>
+            </a:r>
+            <a:r>
+              <a:rPr lang="fr-FR" dirty="0"/>
+              <a:t> 2017, </a:t>
+            </a:r>
+            <a:r>
+              <a:rPr lang="fr-FR" dirty="0" err="1"/>
+              <a:t>then</a:t>
+            </a:r>
+            <a:r>
+              <a:rPr lang="fr-FR" dirty="0"/>
+              <a:t> </a:t>
+            </a:r>
+            <a:r>
+              <a:rPr lang="fr-FR" dirty="0" err="1"/>
+              <a:t>increasing</a:t>
+            </a:r>
+            <a:r>
+              <a:rPr lang="fr-FR" dirty="0"/>
+              <a:t>, and in US </a:t>
+            </a:r>
+            <a:r>
+              <a:rPr lang="fr-FR" dirty="0" err="1"/>
+              <a:t>dreseasing</a:t>
+            </a:r>
+            <a:r>
+              <a:rPr lang="fr-FR" dirty="0"/>
+              <a:t> </a:t>
+            </a:r>
+            <a:r>
+              <a:rPr lang="fr-FR" dirty="0" err="1"/>
+              <a:t>until</a:t>
+            </a:r>
+            <a:r>
+              <a:rPr lang="fr-FR" dirty="0"/>
+              <a:t> 2021 </a:t>
+            </a:r>
+            <a:r>
+              <a:rPr lang="fr-FR" dirty="0" err="1"/>
+              <a:t>then</a:t>
+            </a:r>
+            <a:r>
+              <a:rPr lang="fr-FR" dirty="0"/>
+              <a:t> </a:t>
+            </a:r>
+            <a:r>
+              <a:rPr lang="fr-FR" dirty="0" err="1"/>
+              <a:t>increasing</a:t>
+            </a:r>
+            <a:r>
+              <a:rPr lang="fr-FR" dirty="0"/>
+              <a:t>. </a:t>
+            </a:r>
+            <a:r>
+              <a:rPr lang="fr-FR" dirty="0" err="1"/>
+              <a:t>Interesting</a:t>
+            </a:r>
+            <a:r>
+              <a:rPr lang="fr-FR" dirty="0"/>
+              <a:t> </a:t>
+            </a:r>
+            <a:r>
+              <a:rPr lang="fr-FR" dirty="0" err="1"/>
+              <a:t>that</a:t>
+            </a:r>
+            <a:r>
+              <a:rPr lang="fr-FR" dirty="0"/>
+              <a:t> </a:t>
+            </a:r>
+            <a:r>
+              <a:rPr lang="fr-FR" dirty="0" err="1"/>
+              <a:t>modularity</a:t>
+            </a:r>
+            <a:r>
+              <a:rPr lang="fr-FR" dirty="0"/>
+              <a:t> have </a:t>
+            </a:r>
+            <a:r>
+              <a:rPr lang="fr-FR" dirty="0" err="1"/>
+              <a:t>similar</a:t>
+            </a:r>
+            <a:r>
+              <a:rPr lang="fr-FR" dirty="0"/>
+              <a:t> amplitudes in </a:t>
+            </a:r>
+            <a:r>
+              <a:rPr lang="fr-FR" dirty="0" err="1"/>
+              <a:t>both</a:t>
+            </a:r>
+            <a:r>
+              <a:rPr lang="fr-FR" dirty="0"/>
+              <a:t> countries (0.4 to 0.3)</a:t>
+            </a:r>
+          </a:p>
+          <a:p>
+            <a:r>
+              <a:rPr lang="fr-FR" dirty="0"/>
+              <a:t>Network </a:t>
+            </a:r>
+            <a:r>
+              <a:rPr lang="fr-FR" dirty="0" err="1"/>
+              <a:t>nodes</a:t>
+            </a:r>
+            <a:r>
+              <a:rPr lang="fr-FR" dirty="0"/>
+              <a:t> and </a:t>
+            </a:r>
+            <a:r>
+              <a:rPr lang="fr-FR" dirty="0" err="1"/>
+              <a:t>edges</a:t>
+            </a:r>
+            <a:r>
+              <a:rPr lang="fr-FR" dirty="0"/>
+              <a:t> </a:t>
+            </a:r>
+            <a:r>
+              <a:rPr lang="fr-FR" dirty="0" err="1"/>
+              <a:t>were</a:t>
+            </a:r>
+            <a:r>
+              <a:rPr lang="fr-FR" dirty="0"/>
+              <a:t> </a:t>
+            </a:r>
+            <a:r>
+              <a:rPr lang="fr-FR" dirty="0" err="1"/>
+              <a:t>increasing</a:t>
+            </a:r>
+            <a:r>
+              <a:rPr lang="fr-FR" dirty="0"/>
+              <a:t> </a:t>
+            </a:r>
+            <a:r>
+              <a:rPr lang="fr-FR" dirty="0" err="1"/>
+              <a:t>until</a:t>
+            </a:r>
+            <a:r>
+              <a:rPr lang="fr-FR" dirty="0"/>
+              <a:t> 2021, </a:t>
+            </a:r>
+            <a:r>
+              <a:rPr lang="fr-FR" dirty="0" err="1"/>
+              <a:t>then</a:t>
+            </a:r>
+            <a:r>
+              <a:rPr lang="fr-FR" dirty="0"/>
+              <a:t> </a:t>
+            </a:r>
+            <a:r>
+              <a:rPr lang="fr-FR" dirty="0" err="1"/>
+              <a:t>decreasing</a:t>
+            </a:r>
+            <a:r>
+              <a:rPr lang="fr-FR" dirty="0"/>
+              <a:t>, for </a:t>
+            </a:r>
+            <a:r>
+              <a:rPr lang="fr-FR" dirty="0" err="1"/>
+              <a:t>both</a:t>
+            </a:r>
+            <a:r>
+              <a:rPr lang="fr-FR" dirty="0"/>
+              <a:t> US and France, but US </a:t>
+            </a:r>
+            <a:r>
+              <a:rPr lang="fr-FR" dirty="0" err="1"/>
+              <a:t>is</a:t>
+            </a:r>
+            <a:r>
+              <a:rPr lang="fr-FR" dirty="0"/>
+              <a:t> </a:t>
+            </a:r>
+            <a:r>
+              <a:rPr lang="fr-FR" dirty="0" err="1"/>
+              <a:t>way</a:t>
+            </a:r>
+            <a:r>
+              <a:rPr lang="fr-FR" dirty="0"/>
+              <a:t> </a:t>
+            </a:r>
+            <a:r>
+              <a:rPr lang="fr-FR" dirty="0" err="1"/>
+              <a:t>bigger</a:t>
+            </a:r>
+            <a:r>
+              <a:rPr lang="fr-FR" dirty="0"/>
+              <a:t> (6000 </a:t>
+            </a:r>
+            <a:r>
+              <a:rPr lang="fr-FR" dirty="0" err="1"/>
+              <a:t>edges</a:t>
+            </a:r>
+            <a:r>
+              <a:rPr lang="fr-FR" dirty="0"/>
+              <a:t> and 3000 </a:t>
+            </a:r>
+            <a:r>
+              <a:rPr lang="fr-FR" dirty="0" err="1"/>
+              <a:t>nodes</a:t>
+            </a:r>
+            <a:r>
+              <a:rPr lang="fr-FR" dirty="0"/>
+              <a:t> in the </a:t>
+            </a:r>
+            <a:r>
+              <a:rPr lang="fr-FR" dirty="0" err="1"/>
+              <a:t>highest</a:t>
+            </a:r>
+            <a:r>
+              <a:rPr lang="fr-FR" dirty="0"/>
+              <a:t> volume </a:t>
+            </a:r>
+            <a:r>
+              <a:rPr lang="fr-FR" dirty="0" err="1"/>
+              <a:t>year</a:t>
+            </a:r>
+            <a:r>
+              <a:rPr lang="fr-FR" dirty="0"/>
+              <a:t> in US vs. 250 </a:t>
+            </a:r>
+            <a:r>
+              <a:rPr lang="fr-FR" dirty="0" err="1"/>
+              <a:t>egdes</a:t>
+            </a:r>
+            <a:r>
+              <a:rPr lang="fr-FR" dirty="0"/>
+              <a:t> and 200 </a:t>
+            </a:r>
+            <a:r>
+              <a:rPr lang="fr-FR" dirty="0" err="1"/>
+              <a:t>nodes</a:t>
+            </a:r>
+            <a:r>
+              <a:rPr lang="fr-FR" dirty="0"/>
+              <a:t> in </a:t>
+            </a:r>
+            <a:r>
+              <a:rPr lang="fr-FR" dirty="0" err="1"/>
+              <a:t>france</a:t>
+            </a:r>
+            <a:endParaRPr lang="fr-FR" dirty="0"/>
+          </a:p>
+          <a:p>
+            <a:r>
+              <a:rPr lang="fr-FR" dirty="0" err="1"/>
+              <a:t>Number</a:t>
+            </a:r>
+            <a:r>
+              <a:rPr lang="fr-FR" dirty="0"/>
+              <a:t> of </a:t>
+            </a:r>
+            <a:r>
+              <a:rPr lang="fr-FR" dirty="0" err="1"/>
+              <a:t>ACCs</a:t>
+            </a:r>
+            <a:r>
+              <a:rPr lang="fr-FR" dirty="0"/>
+              <a:t> and </a:t>
+            </a:r>
+            <a:r>
+              <a:rPr lang="fr-FR" dirty="0" err="1"/>
+              <a:t>VCs</a:t>
+            </a:r>
+            <a:r>
+              <a:rPr lang="fr-FR" dirty="0"/>
+              <a:t> </a:t>
+            </a:r>
+            <a:r>
+              <a:rPr lang="fr-FR" dirty="0" err="1"/>
+              <a:t>increasing</a:t>
+            </a:r>
+            <a:r>
+              <a:rPr lang="fr-FR" dirty="0"/>
+              <a:t> </a:t>
+            </a:r>
+            <a:r>
+              <a:rPr lang="fr-FR" dirty="0" err="1"/>
+              <a:t>until</a:t>
+            </a:r>
+            <a:r>
+              <a:rPr lang="fr-FR" dirty="0"/>
+              <a:t> 2021, </a:t>
+            </a:r>
+            <a:r>
+              <a:rPr lang="fr-FR" dirty="0" err="1"/>
+              <a:t>then</a:t>
+            </a:r>
+            <a:r>
+              <a:rPr lang="fr-FR" dirty="0"/>
+              <a:t> </a:t>
+            </a:r>
+            <a:r>
+              <a:rPr lang="fr-FR" dirty="0" err="1"/>
+              <a:t>decreasing</a:t>
+            </a:r>
+            <a:r>
+              <a:rPr lang="fr-FR" dirty="0"/>
+              <a:t>. </a:t>
+            </a:r>
+            <a:r>
+              <a:rPr lang="fr-FR" dirty="0" err="1"/>
+              <a:t>Quantities</a:t>
+            </a:r>
+            <a:r>
+              <a:rPr lang="fr-FR" dirty="0"/>
+              <a:t> </a:t>
+            </a:r>
+            <a:r>
+              <a:rPr lang="fr-FR" dirty="0" err="1"/>
+              <a:t>equamy</a:t>
+            </a:r>
+            <a:r>
+              <a:rPr lang="fr-FR" dirty="0"/>
+              <a:t> </a:t>
+            </a:r>
+            <a:r>
+              <a:rPr lang="fr-FR" dirty="0" err="1"/>
+              <a:t>different</a:t>
+            </a:r>
+            <a:r>
+              <a:rPr lang="fr-FR" dirty="0"/>
+              <a:t> in countries</a:t>
+            </a:r>
+            <a:endParaRPr lang="en-US" dirty="0"/>
+          </a:p>
+        </p:txBody>
+      </p:sp>
+      <p:sp>
+        <p:nvSpPr>
+          <p:cNvPr id="4" name="Slide Number Placeholder 3"/>
+          <p:cNvSpPr>
+            <a:spLocks noGrp="1"/>
+          </p:cNvSpPr>
+          <p:nvPr>
+            <p:ph type="sldNum" sz="quarter" idx="5"/>
+          </p:nvPr>
+        </p:nvSpPr>
+        <p:spPr/>
+        <p:txBody>
+          <a:bodyPr/>
+          <a:lstStyle/>
+          <a:p>
+            <a:fld id="{7E8CCD7C-35CF-4779-AD7B-59735EB46BAB}" type="slidenum">
+              <a:rPr lang="en-US" smtClean="0"/>
+              <a:t>9</a:t>
+            </a:fld>
+            <a:endParaRPr lang="en-US"/>
+          </a:p>
+        </p:txBody>
+      </p:sp>
+    </p:spTree>
+    <p:extLst>
+      <p:ext uri="{BB962C8B-B14F-4D97-AF65-F5344CB8AC3E}">
+        <p14:creationId xmlns:p14="http://schemas.microsoft.com/office/powerpoint/2010/main" val="3126673001"/>
+      </p:ext>
+    </p:extLst>
+  </p:cSld>
+  <p:clrMapOvr>
+    <a:masterClrMapping/>
+  </p:clrMapOvr>
+</p:notes>
+</file>
+
+<file path=ppt/notesSlides/notesSlide2.xml><?xml version="1.0" encoding="utf-8"?>
+<p:notes xmlns:a="http://schemas.openxmlformats.org/drawingml/2006/main" xmlns:r="http://schemas.openxmlformats.org/officeDocument/2006/relationships" xmlns:p="http://schemas.openxmlformats.org/presentationml/2006/main">
+  <p:cSld>
+    <p:spTree>
+      <p:nvGrpSpPr>
+        <p:cNvPr id="1" name=""/>
+        <p:cNvGrpSpPr/>
+        <p:nvPr/>
+      </p:nvGrpSpPr>
+      <p:grpSpPr>
+        <a:xfrm>
+          <a:off x="0" y="0"/>
+          <a:ext cx="0" cy="0"/>
+          <a:chOff x="0" y="0"/>
+          <a:chExt cx="0" cy="0"/>
+        </a:xfrm>
+      </p:grpSpPr>
+      <p:sp>
+        <p:nvSpPr>
+          <p:cNvPr id="2" name="Slide Image Placeholder 1"/>
+          <p:cNvSpPr>
+            <a:spLocks noGrp="1" noRot="1" noChangeAspect="1"/>
+          </p:cNvSpPr>
+          <p:nvPr>
+            <p:ph type="sldImg"/>
+          </p:nvPr>
+        </p:nvSpPr>
+        <p:spPr/>
+      </p:sp>
+      <p:sp>
+        <p:nvSpPr>
+          <p:cNvPr id="3" name="Notes Placeholder 2"/>
+          <p:cNvSpPr>
+            <a:spLocks noGrp="1"/>
+          </p:cNvSpPr>
+          <p:nvPr>
+            <p:ph type="body" idx="1"/>
+          </p:nvPr>
+        </p:nvSpPr>
+        <p:spPr/>
+        <p:txBody>
+          <a:bodyPr/>
+          <a:lstStyle/>
+          <a:p>
+            <a:r>
+              <a:rPr lang="fr-FR" dirty="0"/>
+              <a:t>Stable </a:t>
+            </a:r>
+            <a:r>
+              <a:rPr lang="fr-FR" dirty="0" err="1"/>
+              <a:t>connectance</a:t>
+            </a:r>
+            <a:r>
+              <a:rPr lang="fr-FR" dirty="0"/>
+              <a:t> over </a:t>
+            </a:r>
+            <a:r>
+              <a:rPr lang="fr-FR" dirty="0" err="1"/>
+              <a:t>year</a:t>
+            </a:r>
+            <a:r>
+              <a:rPr lang="fr-FR" dirty="0"/>
+              <a:t> in </a:t>
+            </a:r>
+            <a:r>
+              <a:rPr lang="fr-FR" dirty="0" err="1"/>
+              <a:t>both</a:t>
+            </a:r>
+            <a:r>
+              <a:rPr lang="fr-FR" dirty="0"/>
+              <a:t> countries, </a:t>
+            </a:r>
+            <a:r>
+              <a:rPr lang="fr-FR" dirty="0" err="1"/>
+              <a:t>then</a:t>
+            </a:r>
+            <a:r>
+              <a:rPr lang="fr-FR" dirty="0"/>
+              <a:t> </a:t>
+            </a:r>
+            <a:r>
+              <a:rPr lang="fr-FR" dirty="0" err="1"/>
+              <a:t>it</a:t>
+            </a:r>
+            <a:r>
+              <a:rPr lang="fr-FR" dirty="0"/>
+              <a:t> starts </a:t>
+            </a:r>
+            <a:r>
+              <a:rPr lang="fr-FR" dirty="0" err="1"/>
+              <a:t>incresing</a:t>
+            </a:r>
+            <a:r>
+              <a:rPr lang="fr-FR" dirty="0"/>
+              <a:t> </a:t>
+            </a:r>
+            <a:r>
+              <a:rPr lang="fr-FR" dirty="0" err="1"/>
+              <a:t>from</a:t>
+            </a:r>
+            <a:r>
+              <a:rPr lang="fr-FR" dirty="0"/>
+              <a:t> 2020 on. France </a:t>
+            </a:r>
+            <a:r>
+              <a:rPr lang="fr-FR" dirty="0" err="1"/>
+              <a:t>is</a:t>
+            </a:r>
+            <a:r>
+              <a:rPr lang="fr-FR" dirty="0"/>
+              <a:t> at least 4 or 5 times more </a:t>
+            </a:r>
+            <a:r>
+              <a:rPr lang="fr-FR" dirty="0" err="1"/>
+              <a:t>connected</a:t>
+            </a:r>
+            <a:r>
+              <a:rPr lang="fr-FR" dirty="0"/>
+              <a:t> (0.02 to 0.03 in France </a:t>
+            </a:r>
+            <a:r>
+              <a:rPr lang="fr-FR" dirty="0" err="1"/>
+              <a:t>vc</a:t>
+            </a:r>
+            <a:r>
+              <a:rPr lang="fr-FR" dirty="0"/>
+              <a:t> 0.0045 to 0.0055 in US)</a:t>
+            </a:r>
+          </a:p>
+          <a:p>
+            <a:r>
+              <a:rPr lang="fr-FR" dirty="0" err="1"/>
+              <a:t>Nestedness</a:t>
+            </a:r>
+            <a:r>
+              <a:rPr lang="fr-FR" dirty="0"/>
+              <a:t> </a:t>
+            </a:r>
+            <a:r>
+              <a:rPr lang="fr-FR" dirty="0" err="1"/>
+              <a:t>decreasing</a:t>
+            </a:r>
+            <a:r>
+              <a:rPr lang="fr-FR" dirty="0"/>
+              <a:t> in </a:t>
+            </a:r>
+            <a:r>
+              <a:rPr lang="fr-FR" dirty="0" err="1"/>
+              <a:t>both</a:t>
+            </a:r>
+            <a:r>
+              <a:rPr lang="fr-FR" dirty="0"/>
+              <a:t> countries, in France </a:t>
+            </a:r>
+            <a:r>
+              <a:rPr lang="fr-FR" dirty="0" err="1"/>
+              <a:t>from</a:t>
+            </a:r>
+            <a:r>
+              <a:rPr lang="fr-FR" dirty="0"/>
+              <a:t> 12 to 8, in US </a:t>
+            </a:r>
+            <a:r>
+              <a:rPr lang="fr-FR" dirty="0" err="1"/>
+              <a:t>frol</a:t>
+            </a:r>
+            <a:r>
+              <a:rPr lang="fr-FR" dirty="0"/>
+              <a:t> 7 to 4</a:t>
+            </a:r>
+          </a:p>
+          <a:p>
+            <a:r>
+              <a:rPr lang="fr-FR" dirty="0" err="1"/>
+              <a:t>Modularity</a:t>
+            </a:r>
+            <a:r>
+              <a:rPr lang="fr-FR" dirty="0"/>
+              <a:t> </a:t>
+            </a:r>
+            <a:r>
+              <a:rPr lang="fr-FR" dirty="0" err="1"/>
+              <a:t>increasing</a:t>
+            </a:r>
+            <a:r>
+              <a:rPr lang="fr-FR" dirty="0"/>
+              <a:t> in </a:t>
+            </a:r>
+            <a:r>
+              <a:rPr lang="fr-FR" dirty="0" err="1"/>
+              <a:t>both</a:t>
+            </a:r>
+            <a:r>
+              <a:rPr lang="fr-FR" dirty="0"/>
+              <a:t> countries in </a:t>
+            </a:r>
+            <a:r>
+              <a:rPr lang="fr-FR" dirty="0" err="1"/>
+              <a:t>similar</a:t>
+            </a:r>
+            <a:r>
+              <a:rPr lang="fr-FR" dirty="0"/>
+              <a:t> </a:t>
+            </a:r>
+            <a:r>
+              <a:rPr lang="fr-FR" dirty="0" err="1"/>
+              <a:t>order</a:t>
+            </a:r>
+            <a:r>
+              <a:rPr lang="fr-FR" dirty="0"/>
+              <a:t> of values (0.25 to 0.4)</a:t>
+            </a:r>
+          </a:p>
+          <a:p>
+            <a:r>
+              <a:rPr lang="fr-FR" dirty="0"/>
+              <a:t>Network size </a:t>
+            </a:r>
+            <a:r>
+              <a:rPr lang="fr-FR" dirty="0" err="1"/>
+              <a:t>decreasing</a:t>
+            </a:r>
+            <a:r>
+              <a:rPr lang="fr-FR" dirty="0"/>
+              <a:t> in </a:t>
+            </a:r>
+            <a:r>
+              <a:rPr lang="fr-FR" dirty="0" err="1"/>
+              <a:t>both</a:t>
+            </a:r>
+            <a:r>
+              <a:rPr lang="fr-FR" dirty="0"/>
+              <a:t> countries, as </a:t>
+            </a:r>
+            <a:r>
+              <a:rPr lang="fr-FR" dirty="0" err="1"/>
+              <a:t>well</a:t>
+            </a:r>
+            <a:r>
+              <a:rPr lang="fr-FR" dirty="0"/>
+              <a:t> as </a:t>
+            </a:r>
+            <a:r>
+              <a:rPr lang="fr-FR" dirty="0" err="1"/>
+              <a:t>number</a:t>
+            </a:r>
+            <a:r>
+              <a:rPr lang="fr-FR" dirty="0"/>
+              <a:t> of </a:t>
+            </a:r>
+            <a:r>
+              <a:rPr lang="fr-FR" dirty="0" err="1"/>
+              <a:t>ACCs</a:t>
+            </a:r>
+            <a:r>
+              <a:rPr lang="fr-FR" dirty="0"/>
+              <a:t> and </a:t>
+            </a:r>
+            <a:r>
+              <a:rPr lang="fr-FR" dirty="0" err="1"/>
+              <a:t>VCs</a:t>
+            </a:r>
+            <a:endParaRPr lang="en-US" dirty="0"/>
+          </a:p>
+        </p:txBody>
+      </p:sp>
+      <p:sp>
+        <p:nvSpPr>
+          <p:cNvPr id="4" name="Slide Number Placeholder 3"/>
+          <p:cNvSpPr>
+            <a:spLocks noGrp="1"/>
+          </p:cNvSpPr>
+          <p:nvPr>
+            <p:ph type="sldNum" sz="quarter" idx="5"/>
+          </p:nvPr>
+        </p:nvSpPr>
+        <p:spPr/>
+        <p:txBody>
+          <a:bodyPr/>
+          <a:lstStyle/>
+          <a:p>
+            <a:fld id="{7E8CCD7C-35CF-4779-AD7B-59735EB46BAB}" type="slidenum">
+              <a:rPr lang="en-US" smtClean="0"/>
+              <a:t>10</a:t>
+            </a:fld>
+            <a:endParaRPr lang="en-US"/>
+          </a:p>
+        </p:txBody>
+      </p:sp>
+    </p:spTree>
+    <p:extLst>
+      <p:ext uri="{BB962C8B-B14F-4D97-AF65-F5344CB8AC3E}">
+        <p14:creationId xmlns:p14="http://schemas.microsoft.com/office/powerpoint/2010/main" val="2003545810"/>
+      </p:ext>
+    </p:extLst>
+  </p:cSld>
+  <p:clrMapOvr>
+    <a:masterClrMapping/>
+  </p:clrMapOvr>
+</p:notes>
+</file>
+
+<file path=ppt/notesSlides/notesSlide3.xml><?xml version="1.0" encoding="utf-8"?>
+<p:notes xmlns:a="http://schemas.openxmlformats.org/drawingml/2006/main" xmlns:r="http://schemas.openxmlformats.org/officeDocument/2006/relationships" xmlns:p="http://schemas.openxmlformats.org/presentationml/2006/main">
+  <p:cSld>
+    <p:spTree>
+      <p:nvGrpSpPr>
+        <p:cNvPr id="1" name=""/>
+        <p:cNvGrpSpPr/>
+        <p:nvPr/>
+      </p:nvGrpSpPr>
+      <p:grpSpPr>
+        <a:xfrm>
+          <a:off x="0" y="0"/>
+          <a:ext cx="0" cy="0"/>
+          <a:chOff x="0" y="0"/>
+          <a:chExt cx="0" cy="0"/>
+        </a:xfrm>
+      </p:grpSpPr>
+      <p:sp>
+        <p:nvSpPr>
+          <p:cNvPr id="2" name="Slide Image Placeholder 1"/>
+          <p:cNvSpPr>
+            <a:spLocks noGrp="1" noRot="1" noChangeAspect="1"/>
+          </p:cNvSpPr>
+          <p:nvPr>
+            <p:ph type="sldImg"/>
+          </p:nvPr>
+        </p:nvSpPr>
+        <p:spPr/>
+      </p:sp>
+      <p:sp>
+        <p:nvSpPr>
+          <p:cNvPr id="3" name="Notes Placeholder 2"/>
+          <p:cNvSpPr>
+            <a:spLocks noGrp="1"/>
+          </p:cNvSpPr>
+          <p:nvPr>
+            <p:ph type="body" idx="1"/>
+          </p:nvPr>
+        </p:nvSpPr>
+        <p:spPr/>
+        <p:txBody>
+          <a:bodyPr/>
+          <a:lstStyle/>
+          <a:p>
+            <a:r>
+              <a:rPr lang="fr-FR" dirty="0" err="1"/>
+              <a:t>Modularity</a:t>
+            </a:r>
+            <a:r>
+              <a:rPr lang="fr-FR" dirty="0"/>
+              <a:t> in ACC-VC </a:t>
+            </a:r>
+            <a:r>
+              <a:rPr lang="fr-FR" dirty="0" err="1"/>
+              <a:t>between</a:t>
+            </a:r>
+            <a:r>
+              <a:rPr lang="fr-FR" dirty="0"/>
+              <a:t> countries </a:t>
+            </a:r>
+            <a:r>
+              <a:rPr lang="fr-FR" dirty="0" err="1"/>
+              <a:t>is</a:t>
+            </a:r>
+            <a:r>
+              <a:rPr lang="fr-FR" dirty="0"/>
+              <a:t> </a:t>
+            </a:r>
+            <a:r>
+              <a:rPr lang="fr-FR" dirty="0" err="1"/>
+              <a:t>similar</a:t>
+            </a:r>
+            <a:r>
+              <a:rPr lang="fr-FR" dirty="0"/>
+              <a:t>, but in VC-VC </a:t>
+            </a:r>
+            <a:r>
+              <a:rPr lang="fr-FR" dirty="0" err="1"/>
+              <a:t>this</a:t>
+            </a:r>
+            <a:r>
+              <a:rPr lang="fr-FR" dirty="0"/>
+              <a:t> </a:t>
+            </a:r>
+            <a:r>
+              <a:rPr lang="fr-FR" dirty="0" err="1"/>
+              <a:t>is</a:t>
+            </a:r>
+            <a:r>
+              <a:rPr lang="fr-FR" dirty="0"/>
+              <a:t> not </a:t>
+            </a:r>
+            <a:r>
+              <a:rPr lang="fr-FR" dirty="0" err="1"/>
+              <a:t>true</a:t>
+            </a:r>
+            <a:r>
+              <a:rPr lang="fr-FR" dirty="0"/>
+              <a:t>, US </a:t>
+            </a:r>
+            <a:r>
+              <a:rPr lang="fr-FR" dirty="0" err="1"/>
+              <a:t>is</a:t>
+            </a:r>
+            <a:r>
+              <a:rPr lang="fr-FR" dirty="0"/>
+              <a:t> more </a:t>
+            </a:r>
+            <a:r>
+              <a:rPr lang="fr-FR" dirty="0" err="1"/>
+              <a:t>modular</a:t>
+            </a:r>
+            <a:r>
+              <a:rPr lang="fr-FR" dirty="0"/>
+              <a:t> (</a:t>
+            </a:r>
+            <a:r>
+              <a:rPr lang="fr-FR" dirty="0" err="1"/>
+              <a:t>separate</a:t>
+            </a:r>
+            <a:r>
+              <a:rPr lang="fr-FR" dirty="0"/>
+              <a:t> cluster) </a:t>
+            </a:r>
+            <a:r>
+              <a:rPr lang="fr-FR" dirty="0" err="1"/>
+              <a:t>than</a:t>
+            </a:r>
+            <a:r>
+              <a:rPr lang="fr-FR" dirty="0"/>
+              <a:t> France in </a:t>
+            </a:r>
+            <a:r>
+              <a:rPr lang="fr-FR" dirty="0" err="1"/>
+              <a:t>this</a:t>
+            </a:r>
+            <a:r>
+              <a:rPr lang="fr-FR" dirty="0"/>
+              <a:t> network</a:t>
+            </a:r>
+            <a:endParaRPr lang="en-US" dirty="0"/>
+          </a:p>
+        </p:txBody>
+      </p:sp>
+      <p:sp>
+        <p:nvSpPr>
+          <p:cNvPr id="4" name="Slide Number Placeholder 3"/>
+          <p:cNvSpPr>
+            <a:spLocks noGrp="1"/>
+          </p:cNvSpPr>
+          <p:nvPr>
+            <p:ph type="sldNum" sz="quarter" idx="5"/>
+          </p:nvPr>
+        </p:nvSpPr>
+        <p:spPr/>
+        <p:txBody>
+          <a:bodyPr/>
+          <a:lstStyle/>
+          <a:p>
+            <a:fld id="{7E8CCD7C-35CF-4779-AD7B-59735EB46BAB}" type="slidenum">
+              <a:rPr lang="en-US" smtClean="0"/>
+              <a:t>16</a:t>
+            </a:fld>
+            <a:endParaRPr lang="en-US"/>
+          </a:p>
+        </p:txBody>
+      </p:sp>
+    </p:spTree>
+    <p:extLst>
+      <p:ext uri="{BB962C8B-B14F-4D97-AF65-F5344CB8AC3E}">
+        <p14:creationId xmlns:p14="http://schemas.microsoft.com/office/powerpoint/2010/main" val="3410409310"/>
+      </p:ext>
+    </p:extLst>
+  </p:cSld>
+  <p:clrMapOvr>
+    <a:masterClrMapping/>
+  </p:clrMapOvr>
+</p:notes>
 </file>
 
 <file path=ppt/slideLayouts/slideLayout1.xml><?xml version="1.0" encoding="utf-8"?>
@@ -263,7 +1686,7 @@
           <a:p>
             <a:fld id="{FDB95200-6BB3-42FE-8E69-4684BB407013}" type="datetimeFigureOut">
               <a:rPr lang="en-US" smtClean="0"/>
-              <a:t>7/26/2025</a:t>
+              <a:t>7/27/2025</a:t>
             </a:fld>
             <a:endParaRPr lang="en-US"/>
           </a:p>
@@ -461,7 +1884,7 @@
           <a:p>
             <a:fld id="{FDB95200-6BB3-42FE-8E69-4684BB407013}" type="datetimeFigureOut">
               <a:rPr lang="en-US" smtClean="0"/>
-              <a:t>7/26/2025</a:t>
+              <a:t>7/27/2025</a:t>
             </a:fld>
             <a:endParaRPr lang="en-US"/>
           </a:p>
@@ -669,7 +2092,7 @@
           <a:p>
             <a:fld id="{FDB95200-6BB3-42FE-8E69-4684BB407013}" type="datetimeFigureOut">
               <a:rPr lang="en-US" smtClean="0"/>
-              <a:t>7/26/2025</a:t>
+              <a:t>7/27/2025</a:t>
             </a:fld>
             <a:endParaRPr lang="en-US"/>
           </a:p>
@@ -867,7 +2290,7 @@
           <a:p>
             <a:fld id="{FDB95200-6BB3-42FE-8E69-4684BB407013}" type="datetimeFigureOut">
               <a:rPr lang="en-US" smtClean="0"/>
-              <a:t>7/26/2025</a:t>
+              <a:t>7/27/2025</a:t>
             </a:fld>
             <a:endParaRPr lang="en-US"/>
           </a:p>
@@ -1142,7 +2565,7 @@
           <a:p>
             <a:fld id="{FDB95200-6BB3-42FE-8E69-4684BB407013}" type="datetimeFigureOut">
               <a:rPr lang="en-US" smtClean="0"/>
-              <a:t>7/26/2025</a:t>
+              <a:t>7/27/2025</a:t>
             </a:fld>
             <a:endParaRPr lang="en-US"/>
           </a:p>
@@ -1407,7 +2830,7 @@
           <a:p>
             <a:fld id="{FDB95200-6BB3-42FE-8E69-4684BB407013}" type="datetimeFigureOut">
               <a:rPr lang="en-US" smtClean="0"/>
-              <a:t>7/26/2025</a:t>
+              <a:t>7/27/2025</a:t>
             </a:fld>
             <a:endParaRPr lang="en-US"/>
           </a:p>
@@ -1819,7 +3242,7 @@
           <a:p>
             <a:fld id="{FDB95200-6BB3-42FE-8E69-4684BB407013}" type="datetimeFigureOut">
               <a:rPr lang="en-US" smtClean="0"/>
-              <a:t>7/26/2025</a:t>
+              <a:t>7/27/2025</a:t>
             </a:fld>
             <a:endParaRPr lang="en-US"/>
           </a:p>
@@ -1960,7 +3383,7 @@
           <a:p>
             <a:fld id="{FDB95200-6BB3-42FE-8E69-4684BB407013}" type="datetimeFigureOut">
               <a:rPr lang="en-US" smtClean="0"/>
-              <a:t>7/26/2025</a:t>
+              <a:t>7/27/2025</a:t>
             </a:fld>
             <a:endParaRPr lang="en-US"/>
           </a:p>
@@ -2073,7 +3496,7 @@
           <a:p>
             <a:fld id="{FDB95200-6BB3-42FE-8E69-4684BB407013}" type="datetimeFigureOut">
               <a:rPr lang="en-US" smtClean="0"/>
-              <a:t>7/26/2025</a:t>
+              <a:t>7/27/2025</a:t>
             </a:fld>
             <a:endParaRPr lang="en-US"/>
           </a:p>
@@ -2384,7 +3807,7 @@
           <a:p>
             <a:fld id="{FDB95200-6BB3-42FE-8E69-4684BB407013}" type="datetimeFigureOut">
               <a:rPr lang="en-US" smtClean="0"/>
-              <a:t>7/26/2025</a:t>
+              <a:t>7/27/2025</a:t>
             </a:fld>
             <a:endParaRPr lang="en-US"/>
           </a:p>
@@ -2672,7 +4095,7 @@
           <a:p>
             <a:fld id="{FDB95200-6BB3-42FE-8E69-4684BB407013}" type="datetimeFigureOut">
               <a:rPr lang="en-US" smtClean="0"/>
-              <a:t>7/26/2025</a:t>
+              <a:t>7/27/2025</a:t>
             </a:fld>
             <a:endParaRPr lang="en-US"/>
           </a:p>
@@ -2913,7 +4336,7 @@
           <a:p>
             <a:fld id="{FDB95200-6BB3-42FE-8E69-4684BB407013}" type="datetimeFigureOut">
               <a:rPr lang="en-US" smtClean="0"/>
-              <a:t>7/26/2025</a:t>
+              <a:t>7/27/2025</a:t>
             </a:fld>
             <a:endParaRPr lang="en-US"/>
           </a:p>
@@ -3346,12 +4769,25 @@
             <p:ph type="ctrTitle"/>
           </p:nvPr>
         </p:nvSpPr>
-        <p:spPr/>
+        <p:spPr>
+          <a:xfrm>
+            <a:off x="1524000" y="1160199"/>
+            <a:ext cx="9144000" cy="2387600"/>
+          </a:xfrm>
+        </p:spPr>
         <p:txBody>
           <a:bodyPr/>
           <a:lstStyle/>
           <a:p>
-            <a:endParaRPr lang="en-US"/>
+            <a:r>
+              <a:rPr lang="fr-FR" dirty="0"/>
+              <a:t>Innovation Networks </a:t>
+            </a:r>
+            <a:r>
+              <a:rPr lang="fr-FR" dirty="0" err="1"/>
+              <a:t>Analysis</a:t>
+            </a:r>
+            <a:endParaRPr lang="en-US" dirty="0"/>
           </a:p>
         </p:txBody>
       </p:sp>
@@ -3371,12 +4807,41 @@
             <p:ph type="subTitle" idx="1"/>
           </p:nvPr>
         </p:nvSpPr>
-        <p:spPr/>
+        <p:spPr>
+          <a:xfrm>
+            <a:off x="1524000" y="3639874"/>
+            <a:ext cx="9144000" cy="1655762"/>
+          </a:xfrm>
+        </p:spPr>
         <p:txBody>
           <a:bodyPr/>
           <a:lstStyle/>
           <a:p>
-            <a:endParaRPr lang="en-US"/>
+            <a:r>
+              <a:rPr lang="fr-FR" dirty="0"/>
+              <a:t>An </a:t>
+            </a:r>
+            <a:r>
+              <a:rPr lang="fr-FR" dirty="0" err="1"/>
+              <a:t>ecological</a:t>
+            </a:r>
+            <a:r>
+              <a:rPr lang="fr-FR" dirty="0"/>
+              <a:t> point of </a:t>
+            </a:r>
+            <a:r>
+              <a:rPr lang="fr-FR" dirty="0" err="1"/>
+              <a:t>view</a:t>
+            </a:r>
+            <a:r>
+              <a:rPr lang="fr-FR" dirty="0"/>
+              <a:t> over social </a:t>
+            </a:r>
+            <a:r>
+              <a:rPr lang="fr-FR" dirty="0" err="1"/>
+              <a:t>phenomena</a:t>
+            </a:r>
+            <a:endParaRPr lang="en-US" dirty="0"/>
           </a:p>
         </p:txBody>
       </p:sp>
@@ -3401,7 +4866,7 @@
         <p:cNvPr id="1" name="">
           <a:extLst>
             <a:ext uri="{FF2B5EF4-FFF2-40B4-BE49-F238E27FC236}">
-              <a16:creationId xmlns:a16="http://schemas.microsoft.com/office/drawing/2014/main" id="{2500E332-1116-8DD5-3C45-6D7056AE45E2}"/>
+              <a16:creationId xmlns:a16="http://schemas.microsoft.com/office/drawing/2014/main" id="{9C252825-CA29-1E26-6A5F-BF40FA6DA429}"/>
             </a:ext>
           </a:extLst>
         </p:cNvPr>
@@ -3416,12 +4881,42 @@
           <a:chExt cx="0" cy="0"/>
         </a:xfrm>
       </p:grpSpPr>
+      <p:pic>
+        <p:nvPicPr>
+          <p:cNvPr id="7" name="Picture 6">
+            <a:extLst>
+              <a:ext uri="{FF2B5EF4-FFF2-40B4-BE49-F238E27FC236}">
+                <a16:creationId xmlns:a16="http://schemas.microsoft.com/office/drawing/2014/main" id="{420908A8-B43D-D90E-8B3A-80FCFABDD4A9}"/>
+              </a:ext>
+            </a:extLst>
+          </p:cNvPr>
+          <p:cNvPicPr>
+            <a:picLocks noChangeAspect="1"/>
+          </p:cNvPicPr>
+          <p:nvPr/>
+        </p:nvPicPr>
+        <p:blipFill>
+          <a:blip r:embed="rId3"/>
+          <a:stretch>
+            <a:fillRect/>
+          </a:stretch>
+        </p:blipFill>
+        <p:spPr>
+          <a:xfrm>
+            <a:off x="6254579" y="307335"/>
+            <a:ext cx="2328184" cy="1960903"/>
+          </a:xfrm>
+          <a:prstGeom prst="rect">
+            <a:avLst/>
+          </a:prstGeom>
+        </p:spPr>
+      </p:pic>
       <p:sp>
         <p:nvSpPr>
           <p:cNvPr id="2" name="Title 1">
             <a:extLst>
               <a:ext uri="{FF2B5EF4-FFF2-40B4-BE49-F238E27FC236}">
-                <a16:creationId xmlns:a16="http://schemas.microsoft.com/office/drawing/2014/main" id="{4539BEC5-79C6-EBE3-FC9F-5DE3193D0911}"/>
+                <a16:creationId xmlns:a16="http://schemas.microsoft.com/office/drawing/2014/main" id="{AA123F9F-9BE9-3F6F-B9A8-55DBADA555C6}"/>
               </a:ext>
             </a:extLst>
           </p:cNvPr>
@@ -3432,48 +4927,2176 @@
             <p:ph type="title"/>
           </p:nvPr>
         </p:nvSpPr>
-        <p:spPr/>
+        <p:spPr>
+          <a:xfrm>
+            <a:off x="649015" y="365125"/>
+            <a:ext cx="10515600" cy="1325563"/>
+          </a:xfrm>
+        </p:spPr>
         <p:txBody>
           <a:bodyPr/>
           <a:lstStyle/>
           <a:p>
             <a:r>
               <a:rPr lang="fr-FR" dirty="0"/>
-              <a:t>VC-VC Network</a:t>
+              <a:t>ACC-VC – Time </a:t>
+            </a:r>
+            <a:r>
+              <a:rPr lang="fr-FR" dirty="0" err="1"/>
+              <a:t>Window</a:t>
+            </a:r>
+            <a:r>
+              <a:rPr lang="fr-FR" dirty="0"/>
+              <a:t> </a:t>
+            </a:r>
+            <a:br>
+              <a:rPr lang="fr-FR" dirty="0"/>
+            </a:br>
+            <a:r>
+              <a:rPr lang="fr-FR" dirty="0"/>
+              <a:t>(5 </a:t>
+            </a:r>
+            <a:r>
+              <a:rPr lang="fr-FR" dirty="0" err="1"/>
+              <a:t>years</a:t>
+            </a:r>
+            <a:r>
+              <a:rPr lang="fr-FR" dirty="0"/>
+              <a:t>)</a:t>
             </a:r>
             <a:endParaRPr lang="en-US" dirty="0"/>
           </a:p>
         </p:txBody>
       </p:sp>
-      <p:sp>
-        <p:nvSpPr>
-          <p:cNvPr id="3" name="Content Placeholder 2">
-            <a:extLst>
-              <a:ext uri="{FF2B5EF4-FFF2-40B4-BE49-F238E27FC236}">
-                <a16:creationId xmlns:a16="http://schemas.microsoft.com/office/drawing/2014/main" id="{BB12A04B-09F1-1A11-6881-507D501FA313}"/>
-              </a:ext>
-            </a:extLst>
-          </p:cNvPr>
-          <p:cNvSpPr>
-            <a:spLocks noGrp="1"/>
-          </p:cNvSpPr>
-          <p:nvPr>
-            <p:ph idx="1"/>
-          </p:nvPr>
-        </p:nvSpPr>
-        <p:spPr/>
-        <p:txBody>
-          <a:bodyPr/>
-          <a:lstStyle/>
-          <a:p>
-            <a:endParaRPr lang="en-US"/>
-          </a:p>
-        </p:txBody>
-      </p:sp>
+      <p:pic>
+        <p:nvPicPr>
+          <p:cNvPr id="3074" name="Picture 2">
+            <a:extLst>
+              <a:ext uri="{FF2B5EF4-FFF2-40B4-BE49-F238E27FC236}">
+                <a16:creationId xmlns:a16="http://schemas.microsoft.com/office/drawing/2014/main" id="{24A5C947-6FE5-668F-0F46-EB5603D2F1CA}"/>
+              </a:ext>
+            </a:extLst>
+          </p:cNvPr>
+          <p:cNvPicPr>
+            <a:picLocks noChangeAspect="1" noChangeArrowheads="1"/>
+          </p:cNvPicPr>
+          <p:nvPr/>
+        </p:nvPicPr>
+        <p:blipFill rotWithShape="1">
+          <a:blip r:embed="rId4">
+            <a:extLst>
+              <a:ext uri="{28A0092B-C50C-407E-A947-70E740481C1C}">
+                <a14:useLocalDpi xmlns:a14="http://schemas.microsoft.com/office/drawing/2010/main" val="0"/>
+              </a:ext>
+            </a:extLst>
+          </a:blip>
+          <a:srcRect b="22310"/>
+          <a:stretch/>
+        </p:blipFill>
+        <p:spPr bwMode="auto">
+          <a:xfrm>
+            <a:off x="838199" y="3330615"/>
+            <a:ext cx="576137" cy="297827"/>
+          </a:xfrm>
+          <a:prstGeom prst="rect">
+            <a:avLst/>
+          </a:prstGeom>
+          <a:noFill/>
+          <a:extLst>
+            <a:ext uri="{909E8E84-426E-40DD-AFC4-6F175D3DCCD1}">
+              <a14:hiddenFill xmlns:a14="http://schemas.microsoft.com/office/drawing/2010/main">
+                <a:solidFill>
+                  <a:srgbClr val="FFFFFF"/>
+                </a:solidFill>
+              </a14:hiddenFill>
+            </a:ext>
+          </a:extLst>
+        </p:spPr>
+      </p:pic>
+      <p:pic>
+        <p:nvPicPr>
+          <p:cNvPr id="3076" name="Picture 4">
+            <a:extLst>
+              <a:ext uri="{FF2B5EF4-FFF2-40B4-BE49-F238E27FC236}">
+                <a16:creationId xmlns:a16="http://schemas.microsoft.com/office/drawing/2014/main" id="{40D0A264-4929-E582-5005-FB5F0512A49F}"/>
+              </a:ext>
+            </a:extLst>
+          </p:cNvPr>
+          <p:cNvPicPr>
+            <a:picLocks noChangeAspect="1" noChangeArrowheads="1"/>
+          </p:cNvPicPr>
+          <p:nvPr/>
+        </p:nvPicPr>
+        <p:blipFill>
+          <a:blip r:embed="rId5">
+            <a:extLst>
+              <a:ext uri="{28A0092B-C50C-407E-A947-70E740481C1C}">
+                <a14:useLocalDpi xmlns:a14="http://schemas.microsoft.com/office/drawing/2010/main" val="0"/>
+              </a:ext>
+            </a:extLst>
+          </a:blip>
+          <a:srcRect/>
+          <a:stretch>
+            <a:fillRect/>
+          </a:stretch>
+        </p:blipFill>
+        <p:spPr bwMode="auto">
+          <a:xfrm>
+            <a:off x="838198" y="5437809"/>
+            <a:ext cx="576137" cy="302969"/>
+          </a:xfrm>
+          <a:prstGeom prst="rect">
+            <a:avLst/>
+          </a:prstGeom>
+          <a:noFill/>
+          <a:extLst>
+            <a:ext uri="{909E8E84-426E-40DD-AFC4-6F175D3DCCD1}">
+              <a14:hiddenFill xmlns:a14="http://schemas.microsoft.com/office/drawing/2010/main">
+                <a:solidFill>
+                  <a:srgbClr val="FFFFFF"/>
+                </a:solidFill>
+              </a14:hiddenFill>
+            </a:ext>
+          </a:extLst>
+        </p:spPr>
+      </p:pic>
+      <p:cxnSp>
+        <p:nvCxnSpPr>
+          <p:cNvPr id="8" name="Straight Connector 7">
+            <a:extLst>
+              <a:ext uri="{FF2B5EF4-FFF2-40B4-BE49-F238E27FC236}">
+                <a16:creationId xmlns:a16="http://schemas.microsoft.com/office/drawing/2014/main" id="{C052EA93-C5B1-3ABA-A122-D8319C124B8F}"/>
+              </a:ext>
+            </a:extLst>
+          </p:cNvPr>
+          <p:cNvCxnSpPr>
+            <a:cxnSpLocks/>
+          </p:cNvCxnSpPr>
+          <p:nvPr/>
+        </p:nvCxnSpPr>
+        <p:spPr>
+          <a:xfrm>
+            <a:off x="825503" y="4536713"/>
+            <a:ext cx="10354697" cy="0"/>
+          </a:xfrm>
+          <a:prstGeom prst="line">
+            <a:avLst/>
+          </a:prstGeom>
+          <a:ln w="3175">
+            <a:prstDash val="lgDashDot"/>
+          </a:ln>
+        </p:spPr>
+        <p:style>
+          <a:lnRef idx="2">
+            <a:schemeClr val="accent1"/>
+          </a:lnRef>
+          <a:fillRef idx="0">
+            <a:schemeClr val="accent1"/>
+          </a:fillRef>
+          <a:effectRef idx="1">
+            <a:schemeClr val="accent1"/>
+          </a:effectRef>
+          <a:fontRef idx="minor">
+            <a:schemeClr val="tx1"/>
+          </a:fontRef>
+        </p:style>
+      </p:cxnSp>
+      <p:pic>
+        <p:nvPicPr>
+          <p:cNvPr id="5" name="Picture 4">
+            <a:extLst>
+              <a:ext uri="{FF2B5EF4-FFF2-40B4-BE49-F238E27FC236}">
+                <a16:creationId xmlns:a16="http://schemas.microsoft.com/office/drawing/2014/main" id="{23BED1EA-DC14-51B0-7FE1-41060FC58BFB}"/>
+              </a:ext>
+            </a:extLst>
+          </p:cNvPr>
+          <p:cNvPicPr>
+            <a:picLocks noChangeAspect="1"/>
+          </p:cNvPicPr>
+          <p:nvPr/>
+        </p:nvPicPr>
+        <p:blipFill>
+          <a:blip r:embed="rId6">
+            <a:extLst>
+              <a:ext uri="{28A0092B-C50C-407E-A947-70E740481C1C}">
+                <a14:useLocalDpi xmlns:a14="http://schemas.microsoft.com/office/drawing/2010/main" val="0"/>
+              </a:ext>
+            </a:extLst>
+          </a:blip>
+          <a:srcRect/>
+          <a:stretch/>
+        </p:blipFill>
+        <p:spPr>
+          <a:xfrm>
+            <a:off x="1557589" y="2500668"/>
+            <a:ext cx="9519185" cy="1896175"/>
+          </a:xfrm>
+          <a:prstGeom prst="rect">
+            <a:avLst/>
+          </a:prstGeom>
+        </p:spPr>
+      </p:pic>
+      <p:pic>
+        <p:nvPicPr>
+          <p:cNvPr id="6" name="Picture 5">
+            <a:extLst>
+              <a:ext uri="{FF2B5EF4-FFF2-40B4-BE49-F238E27FC236}">
+                <a16:creationId xmlns:a16="http://schemas.microsoft.com/office/drawing/2014/main" id="{8E81CA3A-8911-72A8-1DC8-477CA08A675D}"/>
+              </a:ext>
+            </a:extLst>
+          </p:cNvPr>
+          <p:cNvPicPr>
+            <a:picLocks noChangeAspect="1"/>
+          </p:cNvPicPr>
+          <p:nvPr/>
+        </p:nvPicPr>
+        <p:blipFill>
+          <a:blip r:embed="rId7">
+            <a:extLst>
+              <a:ext uri="{28A0092B-C50C-407E-A947-70E740481C1C}">
+                <a14:useLocalDpi xmlns:a14="http://schemas.microsoft.com/office/drawing/2010/main" val="0"/>
+              </a:ext>
+            </a:extLst>
+          </a:blip>
+          <a:srcRect/>
+          <a:stretch/>
+        </p:blipFill>
+        <p:spPr>
+          <a:xfrm>
+            <a:off x="1557591" y="4800674"/>
+            <a:ext cx="9519182" cy="1577237"/>
+          </a:xfrm>
+          <a:prstGeom prst="rect">
+            <a:avLst/>
+          </a:prstGeom>
+        </p:spPr>
+      </p:pic>
+      <p:pic>
+        <p:nvPicPr>
+          <p:cNvPr id="9" name="Picture 8">
+            <a:extLst>
+              <a:ext uri="{FF2B5EF4-FFF2-40B4-BE49-F238E27FC236}">
+                <a16:creationId xmlns:a16="http://schemas.microsoft.com/office/drawing/2014/main" id="{9DDFD1E5-D25C-3FC8-D1F1-D763370A56A0}"/>
+              </a:ext>
+            </a:extLst>
+          </p:cNvPr>
+          <p:cNvPicPr>
+            <a:picLocks noChangeAspect="1"/>
+          </p:cNvPicPr>
+          <p:nvPr/>
+        </p:nvPicPr>
+        <p:blipFill>
+          <a:blip r:embed="rId8">
+            <a:extLst>
+              <a:ext uri="{28A0092B-C50C-407E-A947-70E740481C1C}">
+                <a14:useLocalDpi xmlns:a14="http://schemas.microsoft.com/office/drawing/2010/main" val="0"/>
+              </a:ext>
+            </a:extLst>
+          </a:blip>
+          <a:srcRect/>
+          <a:stretch/>
+        </p:blipFill>
+        <p:spPr>
+          <a:xfrm>
+            <a:off x="8936160" y="290086"/>
+            <a:ext cx="2372213" cy="1997986"/>
+          </a:xfrm>
+          <a:prstGeom prst="rect">
+            <a:avLst/>
+          </a:prstGeom>
+        </p:spPr>
+      </p:pic>
+      <p:pic>
+        <p:nvPicPr>
+          <p:cNvPr id="10" name="Picture 2">
+            <a:extLst>
+              <a:ext uri="{FF2B5EF4-FFF2-40B4-BE49-F238E27FC236}">
+                <a16:creationId xmlns:a16="http://schemas.microsoft.com/office/drawing/2014/main" id="{507837EB-2D8D-3FD0-67E7-DF64D8D20D89}"/>
+              </a:ext>
+            </a:extLst>
+          </p:cNvPr>
+          <p:cNvPicPr>
+            <a:picLocks noChangeAspect="1" noChangeArrowheads="1"/>
+          </p:cNvPicPr>
+          <p:nvPr/>
+        </p:nvPicPr>
+        <p:blipFill rotWithShape="1">
+          <a:blip r:embed="rId4">
+            <a:extLst>
+              <a:ext uri="{28A0092B-C50C-407E-A947-70E740481C1C}">
+                <a14:useLocalDpi xmlns:a14="http://schemas.microsoft.com/office/drawing/2010/main" val="0"/>
+              </a:ext>
+            </a:extLst>
+          </a:blip>
+          <a:srcRect b="22310"/>
+          <a:stretch/>
+        </p:blipFill>
+        <p:spPr bwMode="auto">
+          <a:xfrm>
+            <a:off x="6114918" y="1840255"/>
+            <a:ext cx="576137" cy="297827"/>
+          </a:xfrm>
+          <a:prstGeom prst="rect">
+            <a:avLst/>
+          </a:prstGeom>
+          <a:noFill/>
+          <a:extLst>
+            <a:ext uri="{909E8E84-426E-40DD-AFC4-6F175D3DCCD1}">
+              <a14:hiddenFill xmlns:a14="http://schemas.microsoft.com/office/drawing/2010/main">
+                <a:solidFill>
+                  <a:srgbClr val="FFFFFF"/>
+                </a:solidFill>
+              </a14:hiddenFill>
+            </a:ext>
+          </a:extLst>
+        </p:spPr>
+      </p:pic>
+      <p:pic>
+        <p:nvPicPr>
+          <p:cNvPr id="11" name="Picture 4">
+            <a:extLst>
+              <a:ext uri="{FF2B5EF4-FFF2-40B4-BE49-F238E27FC236}">
+                <a16:creationId xmlns:a16="http://schemas.microsoft.com/office/drawing/2014/main" id="{3860767D-9CC7-56E8-E130-4963CA974C35}"/>
+              </a:ext>
+            </a:extLst>
+          </p:cNvPr>
+          <p:cNvPicPr>
+            <a:picLocks noChangeAspect="1" noChangeArrowheads="1"/>
+          </p:cNvPicPr>
+          <p:nvPr/>
+        </p:nvPicPr>
+        <p:blipFill>
+          <a:blip r:embed="rId5">
+            <a:extLst>
+              <a:ext uri="{28A0092B-C50C-407E-A947-70E740481C1C}">
+                <a14:useLocalDpi xmlns:a14="http://schemas.microsoft.com/office/drawing/2010/main" val="0"/>
+              </a:ext>
+            </a:extLst>
+          </a:blip>
+          <a:srcRect/>
+          <a:stretch>
+            <a:fillRect/>
+          </a:stretch>
+        </p:blipFill>
+        <p:spPr bwMode="auto">
+          <a:xfrm>
+            <a:off x="8796020" y="1847725"/>
+            <a:ext cx="576137" cy="302969"/>
+          </a:xfrm>
+          <a:prstGeom prst="rect">
+            <a:avLst/>
+          </a:prstGeom>
+          <a:noFill/>
+          <a:extLst>
+            <a:ext uri="{909E8E84-426E-40DD-AFC4-6F175D3DCCD1}">
+              <a14:hiddenFill xmlns:a14="http://schemas.microsoft.com/office/drawing/2010/main">
+                <a:solidFill>
+                  <a:srgbClr val="FFFFFF"/>
+                </a:solidFill>
+              </a14:hiddenFill>
+            </a:ext>
+          </a:extLst>
+        </p:spPr>
+      </p:pic>
     </p:spTree>
     <p:extLst>
       <p:ext uri="{BB962C8B-B14F-4D97-AF65-F5344CB8AC3E}">
-        <p14:creationId xmlns:p14="http://schemas.microsoft.com/office/powerpoint/2010/main" val="601237114"/>
+        <p14:creationId xmlns:p14="http://schemas.microsoft.com/office/powerpoint/2010/main" val="1105631906"/>
+      </p:ext>
+    </p:extLst>
+  </p:cSld>
+  <p:clrMapOvr>
+    <a:masterClrMapping/>
+  </p:clrMapOvr>
+</p:sld>
+</file>
+
+<file path=ppt/slides/slide11.xml><?xml version="1.0" encoding="utf-8"?>
+<p:sld xmlns:a="http://schemas.openxmlformats.org/drawingml/2006/main" xmlns:r="http://schemas.openxmlformats.org/officeDocument/2006/relationships" xmlns:p="http://schemas.openxmlformats.org/presentationml/2006/main">
+  <p:cSld>
+    <p:spTree>
+      <p:nvGrpSpPr>
+        <p:cNvPr id="1" name="">
+          <a:extLst>
+            <a:ext uri="{FF2B5EF4-FFF2-40B4-BE49-F238E27FC236}">
+              <a16:creationId xmlns:a16="http://schemas.microsoft.com/office/drawing/2014/main" id="{E71E5625-2577-56BD-DCE2-F161F9596B29}"/>
+            </a:ext>
+          </a:extLst>
+        </p:cNvPr>
+        <p:cNvGrpSpPr/>
+        <p:nvPr/>
+      </p:nvGrpSpPr>
+      <p:grpSpPr>
+        <a:xfrm>
+          <a:off x="0" y="0"/>
+          <a:ext cx="0" cy="0"/>
+          <a:chOff x="0" y="0"/>
+          <a:chExt cx="0" cy="0"/>
+        </a:xfrm>
+      </p:grpSpPr>
+      <p:sp>
+        <p:nvSpPr>
+          <p:cNvPr id="2" name="Title 1">
+            <a:extLst>
+              <a:ext uri="{FF2B5EF4-FFF2-40B4-BE49-F238E27FC236}">
+                <a16:creationId xmlns:a16="http://schemas.microsoft.com/office/drawing/2014/main" id="{D88D1C3F-B663-A36D-3B67-CC3CE693FBE6}"/>
+              </a:ext>
+            </a:extLst>
+          </p:cNvPr>
+          <p:cNvSpPr>
+            <a:spLocks noGrp="1"/>
+          </p:cNvSpPr>
+          <p:nvPr>
+            <p:ph type="title"/>
+          </p:nvPr>
+        </p:nvSpPr>
+        <p:spPr>
+          <a:xfrm>
+            <a:off x="781446" y="365125"/>
+            <a:ext cx="10515600" cy="1325563"/>
+          </a:xfrm>
+        </p:spPr>
+        <p:txBody>
+          <a:bodyPr/>
+          <a:lstStyle/>
+          <a:p>
+            <a:r>
+              <a:rPr lang="fr-FR" dirty="0"/>
+              <a:t>ACC-VC – </a:t>
+            </a:r>
+            <a:r>
+              <a:rPr lang="fr-FR" dirty="0" err="1"/>
+              <a:t>Fully</a:t>
+            </a:r>
+            <a:r>
+              <a:rPr lang="fr-FR" dirty="0"/>
+              <a:t> </a:t>
+            </a:r>
+            <a:r>
+              <a:rPr lang="fr-FR" dirty="0" err="1"/>
+              <a:t>Aggregated</a:t>
+            </a:r>
+            <a:endParaRPr lang="en-US" dirty="0"/>
+          </a:p>
+        </p:txBody>
+      </p:sp>
+      <p:pic>
+        <p:nvPicPr>
+          <p:cNvPr id="3074" name="Picture 2">
+            <a:extLst>
+              <a:ext uri="{FF2B5EF4-FFF2-40B4-BE49-F238E27FC236}">
+                <a16:creationId xmlns:a16="http://schemas.microsoft.com/office/drawing/2014/main" id="{10CEE50F-4381-D886-4551-CC2917413371}"/>
+              </a:ext>
+            </a:extLst>
+          </p:cNvPr>
+          <p:cNvPicPr>
+            <a:picLocks noChangeAspect="1" noChangeArrowheads="1"/>
+          </p:cNvPicPr>
+          <p:nvPr/>
+        </p:nvPicPr>
+        <p:blipFill rotWithShape="1">
+          <a:blip r:embed="rId2">
+            <a:extLst>
+              <a:ext uri="{28A0092B-C50C-407E-A947-70E740481C1C}">
+                <a14:useLocalDpi xmlns:a14="http://schemas.microsoft.com/office/drawing/2010/main" val="0"/>
+              </a:ext>
+            </a:extLst>
+          </a:blip>
+          <a:srcRect b="22310"/>
+          <a:stretch/>
+        </p:blipFill>
+        <p:spPr bwMode="auto">
+          <a:xfrm>
+            <a:off x="3192426" y="2281745"/>
+            <a:ext cx="576137" cy="297827"/>
+          </a:xfrm>
+          <a:prstGeom prst="rect">
+            <a:avLst/>
+          </a:prstGeom>
+          <a:noFill/>
+          <a:extLst>
+            <a:ext uri="{909E8E84-426E-40DD-AFC4-6F175D3DCCD1}">
+              <a14:hiddenFill xmlns:a14="http://schemas.microsoft.com/office/drawing/2010/main">
+                <a:solidFill>
+                  <a:srgbClr val="FFFFFF"/>
+                </a:solidFill>
+              </a14:hiddenFill>
+            </a:ext>
+          </a:extLst>
+        </p:spPr>
+      </p:pic>
+      <p:pic>
+        <p:nvPicPr>
+          <p:cNvPr id="3076" name="Picture 4">
+            <a:extLst>
+              <a:ext uri="{FF2B5EF4-FFF2-40B4-BE49-F238E27FC236}">
+                <a16:creationId xmlns:a16="http://schemas.microsoft.com/office/drawing/2014/main" id="{23616F84-8544-09F3-4225-85FF1C4E0CD7}"/>
+              </a:ext>
+            </a:extLst>
+          </p:cNvPr>
+          <p:cNvPicPr>
+            <a:picLocks noChangeAspect="1" noChangeArrowheads="1"/>
+          </p:cNvPicPr>
+          <p:nvPr/>
+        </p:nvPicPr>
+        <p:blipFill>
+          <a:blip r:embed="rId3">
+            <a:extLst>
+              <a:ext uri="{28A0092B-C50C-407E-A947-70E740481C1C}">
+                <a14:useLocalDpi xmlns:a14="http://schemas.microsoft.com/office/drawing/2010/main" val="0"/>
+              </a:ext>
+            </a:extLst>
+          </a:blip>
+          <a:srcRect/>
+          <a:stretch>
+            <a:fillRect/>
+          </a:stretch>
+        </p:blipFill>
+        <p:spPr bwMode="auto">
+          <a:xfrm>
+            <a:off x="8084458" y="2279173"/>
+            <a:ext cx="576137" cy="302969"/>
+          </a:xfrm>
+          <a:prstGeom prst="rect">
+            <a:avLst/>
+          </a:prstGeom>
+          <a:noFill/>
+          <a:extLst>
+            <a:ext uri="{909E8E84-426E-40DD-AFC4-6F175D3DCCD1}">
+              <a14:hiddenFill xmlns:a14="http://schemas.microsoft.com/office/drawing/2010/main">
+                <a:solidFill>
+                  <a:srgbClr val="FFFFFF"/>
+                </a:solidFill>
+              </a14:hiddenFill>
+            </a:ext>
+          </a:extLst>
+        </p:spPr>
+      </p:pic>
+      <p:sp>
+        <p:nvSpPr>
+          <p:cNvPr id="4" name="TextBox 3">
+            <a:extLst>
+              <a:ext uri="{FF2B5EF4-FFF2-40B4-BE49-F238E27FC236}">
+                <a16:creationId xmlns:a16="http://schemas.microsoft.com/office/drawing/2014/main" id="{46C91D3C-AC54-80DA-1C45-42D8CCE1C8C6}"/>
+              </a:ext>
+            </a:extLst>
+          </p:cNvPr>
+          <p:cNvSpPr txBox="1"/>
+          <p:nvPr/>
+        </p:nvSpPr>
+        <p:spPr>
+          <a:xfrm>
+            <a:off x="1651534" y="2856571"/>
+            <a:ext cx="4085015" cy="2585323"/>
+          </a:xfrm>
+          <a:prstGeom prst="rect">
+            <a:avLst/>
+          </a:prstGeom>
+          <a:noFill/>
+        </p:spPr>
+        <p:txBody>
+          <a:bodyPr wrap="square">
+            <a:spAutoFit/>
+          </a:bodyPr>
+          <a:lstStyle/>
+          <a:p>
+            <a:r>
+              <a:rPr lang="en-US" b="0" i="0" dirty="0">
+                <a:effectLst/>
+                <a:latin typeface="Consolas" panose="020B0609020204030204" pitchFamily="49" charset="0"/>
+              </a:rPr>
+              <a:t>Nodes: </a:t>
+            </a:r>
+            <a:r>
+              <a:rPr lang="en-US" b="1" i="0" dirty="0">
+                <a:effectLst/>
+                <a:latin typeface="Consolas" panose="020B0609020204030204" pitchFamily="49" charset="0"/>
+              </a:rPr>
+              <a:t>744</a:t>
+            </a:r>
+            <a:r>
+              <a:rPr lang="en-US" b="0" i="0" dirty="0">
+                <a:effectLst/>
+                <a:latin typeface="Consolas" panose="020B0609020204030204" pitchFamily="49" charset="0"/>
+              </a:rPr>
+              <a:t> (117 acc + 627 VCs) </a:t>
+            </a:r>
+          </a:p>
+          <a:p>
+            <a:r>
+              <a:rPr lang="en-US" b="0" i="0" dirty="0">
+                <a:effectLst/>
+                <a:latin typeface="Consolas" panose="020B0609020204030204" pitchFamily="49" charset="0"/>
+              </a:rPr>
+              <a:t>Edges: </a:t>
+            </a:r>
+            <a:r>
+              <a:rPr lang="en-US" b="1" i="0" dirty="0">
+                <a:effectLst/>
+                <a:latin typeface="Consolas" panose="020B0609020204030204" pitchFamily="49" charset="0"/>
+              </a:rPr>
+              <a:t>1352</a:t>
+            </a:r>
+            <a:r>
+              <a:rPr lang="en-US" b="0" i="0" dirty="0">
+                <a:effectLst/>
+                <a:latin typeface="Consolas" panose="020B0609020204030204" pitchFamily="49" charset="0"/>
+              </a:rPr>
+              <a:t> </a:t>
+            </a:r>
+          </a:p>
+          <a:p>
+            <a:r>
+              <a:rPr lang="en-US" b="0" i="0" dirty="0">
+                <a:effectLst/>
+                <a:latin typeface="Consolas" panose="020B0609020204030204" pitchFamily="49" charset="0"/>
+              </a:rPr>
+              <a:t>Density: </a:t>
+            </a:r>
+            <a:r>
+              <a:rPr lang="en-US" b="1" i="0" dirty="0">
+                <a:effectLst/>
+                <a:latin typeface="Consolas" panose="020B0609020204030204" pitchFamily="49" charset="0"/>
+              </a:rPr>
+              <a:t>0.018</a:t>
+            </a:r>
+            <a:r>
+              <a:rPr lang="en-US" b="0" i="0" dirty="0">
+                <a:effectLst/>
+                <a:latin typeface="Consolas" panose="020B0609020204030204" pitchFamily="49" charset="0"/>
+              </a:rPr>
+              <a:t> </a:t>
+            </a:r>
+          </a:p>
+          <a:p>
+            <a:r>
+              <a:rPr lang="en-US" b="0" i="0" dirty="0">
+                <a:effectLst/>
+                <a:latin typeface="Consolas" panose="020B0609020204030204" pitchFamily="49" charset="0"/>
+              </a:rPr>
+              <a:t>Components: </a:t>
+            </a:r>
+            <a:r>
+              <a:rPr lang="en-US" b="1" i="0" dirty="0">
+                <a:effectLst/>
+                <a:latin typeface="Consolas" panose="020B0609020204030204" pitchFamily="49" charset="0"/>
+              </a:rPr>
+              <a:t>12</a:t>
+            </a:r>
+            <a:r>
+              <a:rPr lang="en-US" b="0" i="0" dirty="0">
+                <a:effectLst/>
+                <a:latin typeface="Consolas" panose="020B0609020204030204" pitchFamily="49" charset="0"/>
+              </a:rPr>
+              <a:t> </a:t>
+            </a:r>
+          </a:p>
+          <a:p>
+            <a:endParaRPr lang="en-US" dirty="0">
+              <a:latin typeface="Consolas" panose="020B0609020204030204" pitchFamily="49" charset="0"/>
+            </a:endParaRPr>
+          </a:p>
+          <a:p>
+            <a:r>
+              <a:rPr lang="en-US" dirty="0" err="1">
+                <a:latin typeface="Consolas" panose="020B0609020204030204" pitchFamily="49" charset="0"/>
+              </a:rPr>
+              <a:t>Connectance</a:t>
+            </a:r>
+            <a:r>
+              <a:rPr lang="en-US" dirty="0">
+                <a:latin typeface="Consolas" panose="020B0609020204030204" pitchFamily="49" charset="0"/>
+              </a:rPr>
+              <a:t>: </a:t>
+            </a:r>
+            <a:r>
+              <a:rPr lang="en-US" b="1" dirty="0">
+                <a:latin typeface="Consolas" panose="020B0609020204030204" pitchFamily="49" charset="0"/>
+              </a:rPr>
+              <a:t>0.018</a:t>
+            </a:r>
+            <a:r>
+              <a:rPr lang="en-US" dirty="0">
+                <a:latin typeface="Consolas" panose="020B0609020204030204" pitchFamily="49" charset="0"/>
+              </a:rPr>
+              <a:t> </a:t>
+            </a:r>
+          </a:p>
+          <a:p>
+            <a:r>
+              <a:rPr lang="en-US" dirty="0" err="1">
+                <a:latin typeface="Consolas" panose="020B0609020204030204" pitchFamily="49" charset="0"/>
+              </a:rPr>
+              <a:t>Nestedness</a:t>
+            </a:r>
+            <a:r>
+              <a:rPr lang="en-US" dirty="0">
+                <a:latin typeface="Consolas" panose="020B0609020204030204" pitchFamily="49" charset="0"/>
+              </a:rPr>
+              <a:t> (NODF): </a:t>
+            </a:r>
+            <a:r>
+              <a:rPr lang="en-US" b="1" dirty="0">
+                <a:latin typeface="Consolas" panose="020B0609020204030204" pitchFamily="49" charset="0"/>
+              </a:rPr>
+              <a:t>11.0</a:t>
+            </a:r>
+            <a:r>
+              <a:rPr lang="en-US" dirty="0">
+                <a:latin typeface="Consolas" panose="020B0609020204030204" pitchFamily="49" charset="0"/>
+              </a:rPr>
+              <a:t> </a:t>
+            </a:r>
+          </a:p>
+          <a:p>
+            <a:r>
+              <a:rPr lang="en-US" dirty="0">
+                <a:latin typeface="Consolas" panose="020B0609020204030204" pitchFamily="49" charset="0"/>
+              </a:rPr>
+              <a:t>Modularity: </a:t>
+            </a:r>
+            <a:r>
+              <a:rPr lang="en-US" b="1" dirty="0">
+                <a:latin typeface="Consolas" panose="020B0609020204030204" pitchFamily="49" charset="0"/>
+              </a:rPr>
+              <a:t>0.302</a:t>
+            </a:r>
+            <a:endParaRPr lang="en-US" b="1" dirty="0"/>
+          </a:p>
+          <a:p>
+            <a:endParaRPr lang="en-US" b="0" i="0" dirty="0">
+              <a:effectLst/>
+              <a:latin typeface="Consolas" panose="020B0609020204030204" pitchFamily="49" charset="0"/>
+            </a:endParaRPr>
+          </a:p>
+        </p:txBody>
+      </p:sp>
+      <p:sp>
+        <p:nvSpPr>
+          <p:cNvPr id="11" name="TextBox 10">
+            <a:extLst>
+              <a:ext uri="{FF2B5EF4-FFF2-40B4-BE49-F238E27FC236}">
+                <a16:creationId xmlns:a16="http://schemas.microsoft.com/office/drawing/2014/main" id="{86301967-4F37-BDDB-2A46-46C2B9763A45}"/>
+              </a:ext>
+            </a:extLst>
+          </p:cNvPr>
+          <p:cNvSpPr txBox="1"/>
+          <p:nvPr/>
+        </p:nvSpPr>
+        <p:spPr>
+          <a:xfrm>
+            <a:off x="6283331" y="2856571"/>
+            <a:ext cx="4279974" cy="2308324"/>
+          </a:xfrm>
+          <a:prstGeom prst="rect">
+            <a:avLst/>
+          </a:prstGeom>
+          <a:noFill/>
+        </p:spPr>
+        <p:txBody>
+          <a:bodyPr wrap="square">
+            <a:spAutoFit/>
+          </a:bodyPr>
+          <a:lstStyle/>
+          <a:p>
+            <a:r>
+              <a:rPr lang="en-US" b="0" i="0" dirty="0">
+                <a:effectLst/>
+                <a:latin typeface="Consolas" panose="020B0609020204030204" pitchFamily="49" charset="0"/>
+              </a:rPr>
+              <a:t>Nodes: </a:t>
+            </a:r>
+            <a:r>
+              <a:rPr lang="en-US" b="1" i="0" dirty="0">
+                <a:effectLst/>
+                <a:latin typeface="Consolas" panose="020B0609020204030204" pitchFamily="49" charset="0"/>
+              </a:rPr>
+              <a:t>6936</a:t>
+            </a:r>
+            <a:r>
+              <a:rPr lang="en-US" b="0" i="0" dirty="0">
+                <a:effectLst/>
+                <a:latin typeface="Consolas" panose="020B0609020204030204" pitchFamily="49" charset="0"/>
+              </a:rPr>
+              <a:t> (889 acc + 6047 VCs) </a:t>
+            </a:r>
+          </a:p>
+          <a:p>
+            <a:r>
+              <a:rPr lang="en-US" b="0" i="0" dirty="0">
+                <a:effectLst/>
+                <a:latin typeface="Consolas" panose="020B0609020204030204" pitchFamily="49" charset="0"/>
+              </a:rPr>
+              <a:t>Edges: </a:t>
+            </a:r>
+            <a:r>
+              <a:rPr lang="en-US" b="1" i="0" dirty="0">
+                <a:effectLst/>
+                <a:latin typeface="Consolas" panose="020B0609020204030204" pitchFamily="49" charset="0"/>
+              </a:rPr>
+              <a:t>23295</a:t>
+            </a:r>
+            <a:r>
+              <a:rPr lang="en-US" b="0" i="0" dirty="0">
+                <a:effectLst/>
+                <a:latin typeface="Consolas" panose="020B0609020204030204" pitchFamily="49" charset="0"/>
+              </a:rPr>
+              <a:t> </a:t>
+            </a:r>
+          </a:p>
+          <a:p>
+            <a:r>
+              <a:rPr lang="en-US" b="0" i="0" dirty="0">
+                <a:effectLst/>
+                <a:latin typeface="Consolas" panose="020B0609020204030204" pitchFamily="49" charset="0"/>
+              </a:rPr>
+              <a:t>Density: </a:t>
+            </a:r>
+            <a:r>
+              <a:rPr lang="en-US" b="1" i="0" dirty="0">
+                <a:effectLst/>
+                <a:latin typeface="Consolas" panose="020B0609020204030204" pitchFamily="49" charset="0"/>
+              </a:rPr>
+              <a:t>0.004</a:t>
+            </a:r>
+            <a:r>
+              <a:rPr lang="en-US" b="0" i="0" dirty="0">
+                <a:effectLst/>
+                <a:latin typeface="Consolas" panose="020B0609020204030204" pitchFamily="49" charset="0"/>
+              </a:rPr>
+              <a:t> </a:t>
+            </a:r>
+          </a:p>
+          <a:p>
+            <a:r>
+              <a:rPr lang="en-US" b="0" i="0" dirty="0">
+                <a:effectLst/>
+                <a:latin typeface="Consolas" panose="020B0609020204030204" pitchFamily="49" charset="0"/>
+              </a:rPr>
+              <a:t>Components: </a:t>
+            </a:r>
+            <a:r>
+              <a:rPr lang="en-US" b="1" i="0" dirty="0">
+                <a:effectLst/>
+                <a:latin typeface="Consolas" panose="020B0609020204030204" pitchFamily="49" charset="0"/>
+              </a:rPr>
+              <a:t>35</a:t>
+            </a:r>
+            <a:r>
+              <a:rPr lang="en-US" b="0" i="0" dirty="0">
+                <a:effectLst/>
+                <a:latin typeface="Consolas" panose="020B0609020204030204" pitchFamily="49" charset="0"/>
+              </a:rPr>
+              <a:t> </a:t>
+            </a:r>
+          </a:p>
+          <a:p>
+            <a:endParaRPr lang="en-US" dirty="0">
+              <a:latin typeface="Consolas" panose="020B0609020204030204" pitchFamily="49" charset="0"/>
+            </a:endParaRPr>
+          </a:p>
+          <a:p>
+            <a:r>
+              <a:rPr lang="en-US" dirty="0" err="1">
+                <a:latin typeface="Consolas" panose="020B0609020204030204" pitchFamily="49" charset="0"/>
+              </a:rPr>
+              <a:t>Connectance</a:t>
+            </a:r>
+            <a:r>
+              <a:rPr lang="en-US" dirty="0">
+                <a:latin typeface="Consolas" panose="020B0609020204030204" pitchFamily="49" charset="0"/>
+              </a:rPr>
+              <a:t>: </a:t>
+            </a:r>
+            <a:r>
+              <a:rPr lang="en-US" b="1" dirty="0">
+                <a:latin typeface="Consolas" panose="020B0609020204030204" pitchFamily="49" charset="0"/>
+              </a:rPr>
+              <a:t>0.004</a:t>
+            </a:r>
+            <a:r>
+              <a:rPr lang="en-US" dirty="0">
+                <a:latin typeface="Consolas" panose="020B0609020204030204" pitchFamily="49" charset="0"/>
+              </a:rPr>
+              <a:t> </a:t>
+            </a:r>
+          </a:p>
+          <a:p>
+            <a:r>
+              <a:rPr lang="en-US" dirty="0" err="1">
+                <a:latin typeface="Consolas" panose="020B0609020204030204" pitchFamily="49" charset="0"/>
+              </a:rPr>
+              <a:t>Nestedness</a:t>
+            </a:r>
+            <a:r>
+              <a:rPr lang="en-US" dirty="0">
+                <a:latin typeface="Consolas" panose="020B0609020204030204" pitchFamily="49" charset="0"/>
+              </a:rPr>
+              <a:t> (NODF): </a:t>
+            </a:r>
+            <a:r>
+              <a:rPr lang="en-US" b="1" dirty="0">
+                <a:latin typeface="Consolas" panose="020B0609020204030204" pitchFamily="49" charset="0"/>
+              </a:rPr>
+              <a:t>6.6</a:t>
+            </a:r>
+            <a:r>
+              <a:rPr lang="en-US" dirty="0">
+                <a:latin typeface="Consolas" panose="020B0609020204030204" pitchFamily="49" charset="0"/>
+              </a:rPr>
+              <a:t> </a:t>
+            </a:r>
+          </a:p>
+          <a:p>
+            <a:r>
+              <a:rPr lang="en-US" dirty="0">
+                <a:latin typeface="Consolas" panose="020B0609020204030204" pitchFamily="49" charset="0"/>
+              </a:rPr>
+              <a:t>Modularity: </a:t>
+            </a:r>
+            <a:r>
+              <a:rPr lang="en-US" b="1" dirty="0">
+                <a:latin typeface="Consolas" panose="020B0609020204030204" pitchFamily="49" charset="0"/>
+              </a:rPr>
+              <a:t>0.246</a:t>
+            </a:r>
+            <a:endParaRPr lang="en-US" b="1" dirty="0"/>
+          </a:p>
+        </p:txBody>
+      </p:sp>
+    </p:spTree>
+    <p:extLst>
+      <p:ext uri="{BB962C8B-B14F-4D97-AF65-F5344CB8AC3E}">
+        <p14:creationId xmlns:p14="http://schemas.microsoft.com/office/powerpoint/2010/main" val="3359861542"/>
+      </p:ext>
+    </p:extLst>
+  </p:cSld>
+  <p:clrMapOvr>
+    <a:masterClrMapping/>
+  </p:clrMapOvr>
+</p:sld>
+</file>
+
+<file path=ppt/slides/slide12.xml><?xml version="1.0" encoding="utf-8"?>
+<p:sld xmlns:a="http://schemas.openxmlformats.org/drawingml/2006/main" xmlns:r="http://schemas.openxmlformats.org/officeDocument/2006/relationships" xmlns:p="http://schemas.openxmlformats.org/presentationml/2006/main">
+  <p:cSld>
+    <p:spTree>
+      <p:nvGrpSpPr>
+        <p:cNvPr id="1" name="">
+          <a:extLst>
+            <a:ext uri="{FF2B5EF4-FFF2-40B4-BE49-F238E27FC236}">
+              <a16:creationId xmlns:a16="http://schemas.microsoft.com/office/drawing/2014/main" id="{40FBA48C-2C31-BA8C-87B8-D1A865D58F7F}"/>
+            </a:ext>
+          </a:extLst>
+        </p:cNvPr>
+        <p:cNvGrpSpPr/>
+        <p:nvPr/>
+      </p:nvGrpSpPr>
+      <p:grpSpPr>
+        <a:xfrm>
+          <a:off x="0" y="0"/>
+          <a:ext cx="0" cy="0"/>
+          <a:chOff x="0" y="0"/>
+          <a:chExt cx="0" cy="0"/>
+        </a:xfrm>
+      </p:grpSpPr>
+      <p:sp>
+        <p:nvSpPr>
+          <p:cNvPr id="2" name="Title 1">
+            <a:extLst>
+              <a:ext uri="{FF2B5EF4-FFF2-40B4-BE49-F238E27FC236}">
+                <a16:creationId xmlns:a16="http://schemas.microsoft.com/office/drawing/2014/main" id="{6FACAC74-4D45-2BB9-EC61-D5D10209725A}"/>
+              </a:ext>
+            </a:extLst>
+          </p:cNvPr>
+          <p:cNvSpPr>
+            <a:spLocks noGrp="1"/>
+          </p:cNvSpPr>
+          <p:nvPr>
+            <p:ph type="title"/>
+          </p:nvPr>
+        </p:nvSpPr>
+        <p:spPr/>
+        <p:txBody>
+          <a:bodyPr/>
+          <a:lstStyle/>
+          <a:p>
+            <a:r>
+              <a:rPr lang="fr-FR" dirty="0" err="1"/>
+              <a:t>Results</a:t>
+            </a:r>
+            <a:r>
+              <a:rPr lang="fr-FR" dirty="0"/>
+              <a:t> – VC-VC Network</a:t>
+            </a:r>
+            <a:endParaRPr lang="en-US" dirty="0"/>
+          </a:p>
+        </p:txBody>
+      </p:sp>
+    </p:spTree>
+    <p:extLst>
+      <p:ext uri="{BB962C8B-B14F-4D97-AF65-F5344CB8AC3E}">
+        <p14:creationId xmlns:p14="http://schemas.microsoft.com/office/powerpoint/2010/main" val="2262934196"/>
+      </p:ext>
+    </p:extLst>
+  </p:cSld>
+  <p:clrMapOvr>
+    <a:masterClrMapping/>
+  </p:clrMapOvr>
+</p:sld>
+</file>
+
+<file path=ppt/slides/slide13.xml><?xml version="1.0" encoding="utf-8"?>
+<p:sld xmlns:a="http://schemas.openxmlformats.org/drawingml/2006/main" xmlns:r="http://schemas.openxmlformats.org/officeDocument/2006/relationships" xmlns:p="http://schemas.openxmlformats.org/presentationml/2006/main">
+  <p:cSld>
+    <p:spTree>
+      <p:nvGrpSpPr>
+        <p:cNvPr id="1" name="">
+          <a:extLst>
+            <a:ext uri="{FF2B5EF4-FFF2-40B4-BE49-F238E27FC236}">
+              <a16:creationId xmlns:a16="http://schemas.microsoft.com/office/drawing/2014/main" id="{4F564757-70A4-F467-3865-3636EDC91846}"/>
+            </a:ext>
+          </a:extLst>
+        </p:cNvPr>
+        <p:cNvGrpSpPr/>
+        <p:nvPr/>
+      </p:nvGrpSpPr>
+      <p:grpSpPr>
+        <a:xfrm>
+          <a:off x="0" y="0"/>
+          <a:ext cx="0" cy="0"/>
+          <a:chOff x="0" y="0"/>
+          <a:chExt cx="0" cy="0"/>
+        </a:xfrm>
+      </p:grpSpPr>
+      <p:sp>
+        <p:nvSpPr>
+          <p:cNvPr id="2" name="Title 1">
+            <a:extLst>
+              <a:ext uri="{FF2B5EF4-FFF2-40B4-BE49-F238E27FC236}">
+                <a16:creationId xmlns:a16="http://schemas.microsoft.com/office/drawing/2014/main" id="{24777246-4964-834F-3D0C-9D775DEF512D}"/>
+              </a:ext>
+            </a:extLst>
+          </p:cNvPr>
+          <p:cNvSpPr>
+            <a:spLocks noGrp="1"/>
+          </p:cNvSpPr>
+          <p:nvPr>
+            <p:ph type="title"/>
+          </p:nvPr>
+        </p:nvSpPr>
+        <p:spPr>
+          <a:xfrm>
+            <a:off x="768834" y="365125"/>
+            <a:ext cx="10515600" cy="1325563"/>
+          </a:xfrm>
+        </p:spPr>
+        <p:txBody>
+          <a:bodyPr/>
+          <a:lstStyle/>
+          <a:p>
+            <a:r>
+              <a:rPr lang="fr-FR" dirty="0"/>
+              <a:t>VC-VC - Snapshots</a:t>
+            </a:r>
+            <a:endParaRPr lang="en-US" dirty="0"/>
+          </a:p>
+        </p:txBody>
+      </p:sp>
+      <p:pic>
+        <p:nvPicPr>
+          <p:cNvPr id="3074" name="Picture 2">
+            <a:extLst>
+              <a:ext uri="{FF2B5EF4-FFF2-40B4-BE49-F238E27FC236}">
+                <a16:creationId xmlns:a16="http://schemas.microsoft.com/office/drawing/2014/main" id="{4777D5E6-643F-7F56-3BB7-CE5DBB8FDF80}"/>
+              </a:ext>
+            </a:extLst>
+          </p:cNvPr>
+          <p:cNvPicPr>
+            <a:picLocks noChangeAspect="1" noChangeArrowheads="1"/>
+          </p:cNvPicPr>
+          <p:nvPr/>
+        </p:nvPicPr>
+        <p:blipFill rotWithShape="1">
+          <a:blip r:embed="rId2">
+            <a:extLst>
+              <a:ext uri="{28A0092B-C50C-407E-A947-70E740481C1C}">
+                <a14:useLocalDpi xmlns:a14="http://schemas.microsoft.com/office/drawing/2010/main" val="0"/>
+              </a:ext>
+            </a:extLst>
+          </a:blip>
+          <a:srcRect b="22310"/>
+          <a:stretch/>
+        </p:blipFill>
+        <p:spPr bwMode="auto">
+          <a:xfrm>
+            <a:off x="838199" y="2618016"/>
+            <a:ext cx="576137" cy="297827"/>
+          </a:xfrm>
+          <a:prstGeom prst="rect">
+            <a:avLst/>
+          </a:prstGeom>
+          <a:noFill/>
+          <a:extLst>
+            <a:ext uri="{909E8E84-426E-40DD-AFC4-6F175D3DCCD1}">
+              <a14:hiddenFill xmlns:a14="http://schemas.microsoft.com/office/drawing/2010/main">
+                <a:solidFill>
+                  <a:srgbClr val="FFFFFF"/>
+                </a:solidFill>
+              </a14:hiddenFill>
+            </a:ext>
+          </a:extLst>
+        </p:spPr>
+      </p:pic>
+      <p:pic>
+        <p:nvPicPr>
+          <p:cNvPr id="3076" name="Picture 4">
+            <a:extLst>
+              <a:ext uri="{FF2B5EF4-FFF2-40B4-BE49-F238E27FC236}">
+                <a16:creationId xmlns:a16="http://schemas.microsoft.com/office/drawing/2014/main" id="{2E1FA552-1F48-2A15-F4EF-15170872A2B4}"/>
+              </a:ext>
+            </a:extLst>
+          </p:cNvPr>
+          <p:cNvPicPr>
+            <a:picLocks noChangeAspect="1" noChangeArrowheads="1"/>
+          </p:cNvPicPr>
+          <p:nvPr/>
+        </p:nvPicPr>
+        <p:blipFill>
+          <a:blip r:embed="rId3">
+            <a:extLst>
+              <a:ext uri="{28A0092B-C50C-407E-A947-70E740481C1C}">
+                <a14:useLocalDpi xmlns:a14="http://schemas.microsoft.com/office/drawing/2010/main" val="0"/>
+              </a:ext>
+            </a:extLst>
+          </a:blip>
+          <a:srcRect/>
+          <a:stretch>
+            <a:fillRect/>
+          </a:stretch>
+        </p:blipFill>
+        <p:spPr bwMode="auto">
+          <a:xfrm>
+            <a:off x="838198" y="5116193"/>
+            <a:ext cx="576137" cy="302969"/>
+          </a:xfrm>
+          <a:prstGeom prst="rect">
+            <a:avLst/>
+          </a:prstGeom>
+          <a:noFill/>
+          <a:extLst>
+            <a:ext uri="{909E8E84-426E-40DD-AFC4-6F175D3DCCD1}">
+              <a14:hiddenFill xmlns:a14="http://schemas.microsoft.com/office/drawing/2010/main">
+                <a:solidFill>
+                  <a:srgbClr val="FFFFFF"/>
+                </a:solidFill>
+              </a14:hiddenFill>
+            </a:ext>
+          </a:extLst>
+        </p:spPr>
+      </p:pic>
+      <p:cxnSp>
+        <p:nvCxnSpPr>
+          <p:cNvPr id="8" name="Straight Connector 7">
+            <a:extLst>
+              <a:ext uri="{FF2B5EF4-FFF2-40B4-BE49-F238E27FC236}">
+                <a16:creationId xmlns:a16="http://schemas.microsoft.com/office/drawing/2014/main" id="{5AC8AA37-92BA-4B77-42F0-65E280120996}"/>
+              </a:ext>
+            </a:extLst>
+          </p:cNvPr>
+          <p:cNvCxnSpPr>
+            <a:cxnSpLocks/>
+          </p:cNvCxnSpPr>
+          <p:nvPr/>
+        </p:nvCxnSpPr>
+        <p:spPr>
+          <a:xfrm>
+            <a:off x="825503" y="3950238"/>
+            <a:ext cx="10354697" cy="0"/>
+          </a:xfrm>
+          <a:prstGeom prst="line">
+            <a:avLst/>
+          </a:prstGeom>
+          <a:ln w="3175">
+            <a:prstDash val="lgDashDot"/>
+          </a:ln>
+        </p:spPr>
+        <p:style>
+          <a:lnRef idx="2">
+            <a:schemeClr val="accent1"/>
+          </a:lnRef>
+          <a:fillRef idx="0">
+            <a:schemeClr val="accent1"/>
+          </a:fillRef>
+          <a:effectRef idx="1">
+            <a:schemeClr val="accent1"/>
+          </a:effectRef>
+          <a:fontRef idx="minor">
+            <a:schemeClr val="tx1"/>
+          </a:fontRef>
+        </p:style>
+      </p:cxnSp>
+      <p:pic>
+        <p:nvPicPr>
+          <p:cNvPr id="5" name="Picture 4">
+            <a:extLst>
+              <a:ext uri="{FF2B5EF4-FFF2-40B4-BE49-F238E27FC236}">
+                <a16:creationId xmlns:a16="http://schemas.microsoft.com/office/drawing/2014/main" id="{2E020394-67B1-FE29-86A8-C7EF214E5D21}"/>
+              </a:ext>
+            </a:extLst>
+          </p:cNvPr>
+          <p:cNvPicPr>
+            <a:picLocks noChangeAspect="1"/>
+          </p:cNvPicPr>
+          <p:nvPr/>
+        </p:nvPicPr>
+        <p:blipFill>
+          <a:blip r:embed="rId4">
+            <a:extLst>
+              <a:ext uri="{28A0092B-C50C-407E-A947-70E740481C1C}">
+                <a14:useLocalDpi xmlns:a14="http://schemas.microsoft.com/office/drawing/2010/main" val="0"/>
+              </a:ext>
+            </a:extLst>
+          </a:blip>
+          <a:srcRect/>
+          <a:stretch/>
+        </p:blipFill>
+        <p:spPr>
+          <a:xfrm>
+            <a:off x="1780176" y="1780350"/>
+            <a:ext cx="7468681" cy="1861295"/>
+          </a:xfrm>
+          <a:prstGeom prst="rect">
+            <a:avLst/>
+          </a:prstGeom>
+        </p:spPr>
+      </p:pic>
+      <p:pic>
+        <p:nvPicPr>
+          <p:cNvPr id="6" name="Picture 5">
+            <a:extLst>
+              <a:ext uri="{FF2B5EF4-FFF2-40B4-BE49-F238E27FC236}">
+                <a16:creationId xmlns:a16="http://schemas.microsoft.com/office/drawing/2014/main" id="{8697EA1C-1C6E-36D2-A585-09AB20A794E9}"/>
+              </a:ext>
+            </a:extLst>
+          </p:cNvPr>
+          <p:cNvPicPr>
+            <a:picLocks noChangeAspect="1"/>
+          </p:cNvPicPr>
+          <p:nvPr/>
+        </p:nvPicPr>
+        <p:blipFill>
+          <a:blip r:embed="rId5">
+            <a:extLst>
+              <a:ext uri="{28A0092B-C50C-407E-A947-70E740481C1C}">
+                <a14:useLocalDpi xmlns:a14="http://schemas.microsoft.com/office/drawing/2010/main" val="0"/>
+              </a:ext>
+            </a:extLst>
+          </a:blip>
+          <a:srcRect/>
+          <a:stretch/>
+        </p:blipFill>
+        <p:spPr>
+          <a:xfrm>
+            <a:off x="1777827" y="4275220"/>
+            <a:ext cx="7473381" cy="1861295"/>
+          </a:xfrm>
+          <a:prstGeom prst="rect">
+            <a:avLst/>
+          </a:prstGeom>
+        </p:spPr>
+      </p:pic>
+      <p:pic>
+        <p:nvPicPr>
+          <p:cNvPr id="7" name="Picture 6">
+            <a:extLst>
+              <a:ext uri="{FF2B5EF4-FFF2-40B4-BE49-F238E27FC236}">
+                <a16:creationId xmlns:a16="http://schemas.microsoft.com/office/drawing/2014/main" id="{6AB95ACB-2AAA-C8C0-5E83-54BB9D5097F0}"/>
+              </a:ext>
+            </a:extLst>
+          </p:cNvPr>
+          <p:cNvPicPr>
+            <a:picLocks noChangeAspect="1"/>
+          </p:cNvPicPr>
+          <p:nvPr/>
+        </p:nvPicPr>
+        <p:blipFill>
+          <a:blip r:embed="rId6">
+            <a:extLst>
+              <a:ext uri="{28A0092B-C50C-407E-A947-70E740481C1C}">
+                <a14:useLocalDpi xmlns:a14="http://schemas.microsoft.com/office/drawing/2010/main" val="0"/>
+              </a:ext>
+            </a:extLst>
+          </a:blip>
+          <a:srcRect/>
+          <a:stretch/>
+        </p:blipFill>
+        <p:spPr>
+          <a:xfrm>
+            <a:off x="9469193" y="1869554"/>
+            <a:ext cx="2006607" cy="1642617"/>
+          </a:xfrm>
+          <a:prstGeom prst="rect">
+            <a:avLst/>
+          </a:prstGeom>
+        </p:spPr>
+      </p:pic>
+      <p:pic>
+        <p:nvPicPr>
+          <p:cNvPr id="9" name="Picture 8">
+            <a:extLst>
+              <a:ext uri="{FF2B5EF4-FFF2-40B4-BE49-F238E27FC236}">
+                <a16:creationId xmlns:a16="http://schemas.microsoft.com/office/drawing/2014/main" id="{8A546F84-1761-154E-C0FD-4D197E818B85}"/>
+              </a:ext>
+            </a:extLst>
+          </p:cNvPr>
+          <p:cNvPicPr>
+            <a:picLocks noChangeAspect="1"/>
+          </p:cNvPicPr>
+          <p:nvPr/>
+        </p:nvPicPr>
+        <p:blipFill>
+          <a:blip r:embed="rId7">
+            <a:extLst>
+              <a:ext uri="{28A0092B-C50C-407E-A947-70E740481C1C}">
+                <a14:useLocalDpi xmlns:a14="http://schemas.microsoft.com/office/drawing/2010/main" val="0"/>
+              </a:ext>
+            </a:extLst>
+          </a:blip>
+          <a:srcRect/>
+          <a:stretch/>
+        </p:blipFill>
+        <p:spPr>
+          <a:xfrm>
+            <a:off x="9494081" y="4443512"/>
+            <a:ext cx="1981719" cy="1622244"/>
+          </a:xfrm>
+          <a:prstGeom prst="rect">
+            <a:avLst/>
+          </a:prstGeom>
+        </p:spPr>
+      </p:pic>
+    </p:spTree>
+    <p:extLst>
+      <p:ext uri="{BB962C8B-B14F-4D97-AF65-F5344CB8AC3E}">
+        <p14:creationId xmlns:p14="http://schemas.microsoft.com/office/powerpoint/2010/main" val="319585725"/>
+      </p:ext>
+    </p:extLst>
+  </p:cSld>
+  <p:clrMapOvr>
+    <a:masterClrMapping/>
+  </p:clrMapOvr>
+</p:sld>
+</file>
+
+<file path=ppt/slides/slide14.xml><?xml version="1.0" encoding="utf-8"?>
+<p:sld xmlns:a="http://schemas.openxmlformats.org/drawingml/2006/main" xmlns:r="http://schemas.openxmlformats.org/officeDocument/2006/relationships" xmlns:p="http://schemas.openxmlformats.org/presentationml/2006/main">
+  <p:cSld>
+    <p:spTree>
+      <p:nvGrpSpPr>
+        <p:cNvPr id="1" name="">
+          <a:extLst>
+            <a:ext uri="{FF2B5EF4-FFF2-40B4-BE49-F238E27FC236}">
+              <a16:creationId xmlns:a16="http://schemas.microsoft.com/office/drawing/2014/main" id="{5BF692D1-B571-381C-6C72-AFF895E97220}"/>
+            </a:ext>
+          </a:extLst>
+        </p:cNvPr>
+        <p:cNvGrpSpPr/>
+        <p:nvPr/>
+      </p:nvGrpSpPr>
+      <p:grpSpPr>
+        <a:xfrm>
+          <a:off x="0" y="0"/>
+          <a:ext cx="0" cy="0"/>
+          <a:chOff x="0" y="0"/>
+          <a:chExt cx="0" cy="0"/>
+        </a:xfrm>
+      </p:grpSpPr>
+      <p:sp>
+        <p:nvSpPr>
+          <p:cNvPr id="2" name="Title 1">
+            <a:extLst>
+              <a:ext uri="{FF2B5EF4-FFF2-40B4-BE49-F238E27FC236}">
+                <a16:creationId xmlns:a16="http://schemas.microsoft.com/office/drawing/2014/main" id="{825F25A2-A7D3-9884-B4C3-ED5758F81FB0}"/>
+              </a:ext>
+            </a:extLst>
+          </p:cNvPr>
+          <p:cNvSpPr>
+            <a:spLocks noGrp="1"/>
+          </p:cNvSpPr>
+          <p:nvPr>
+            <p:ph type="title"/>
+          </p:nvPr>
+        </p:nvSpPr>
+        <p:spPr>
+          <a:xfrm>
+            <a:off x="768834" y="365125"/>
+            <a:ext cx="10515600" cy="1325563"/>
+          </a:xfrm>
+        </p:spPr>
+        <p:txBody>
+          <a:bodyPr/>
+          <a:lstStyle/>
+          <a:p>
+            <a:r>
+              <a:rPr lang="fr-FR" dirty="0"/>
+              <a:t>VC-VC – Time </a:t>
+            </a:r>
+            <a:r>
+              <a:rPr lang="fr-FR" dirty="0" err="1"/>
+              <a:t>Window</a:t>
+            </a:r>
+            <a:br>
+              <a:rPr lang="fr-FR" dirty="0"/>
+            </a:br>
+            <a:r>
+              <a:rPr lang="fr-FR" dirty="0"/>
+              <a:t>(5 </a:t>
+            </a:r>
+            <a:r>
+              <a:rPr lang="fr-FR" dirty="0" err="1"/>
+              <a:t>years</a:t>
+            </a:r>
+            <a:r>
+              <a:rPr lang="fr-FR" dirty="0"/>
+              <a:t>)</a:t>
+            </a:r>
+            <a:endParaRPr lang="en-US" dirty="0"/>
+          </a:p>
+        </p:txBody>
+      </p:sp>
+      <p:pic>
+        <p:nvPicPr>
+          <p:cNvPr id="3074" name="Picture 2">
+            <a:extLst>
+              <a:ext uri="{FF2B5EF4-FFF2-40B4-BE49-F238E27FC236}">
+                <a16:creationId xmlns:a16="http://schemas.microsoft.com/office/drawing/2014/main" id="{82D66B01-7560-E6DB-80A4-B1A913F08509}"/>
+              </a:ext>
+            </a:extLst>
+          </p:cNvPr>
+          <p:cNvPicPr>
+            <a:picLocks noChangeAspect="1" noChangeArrowheads="1"/>
+          </p:cNvPicPr>
+          <p:nvPr/>
+        </p:nvPicPr>
+        <p:blipFill rotWithShape="1">
+          <a:blip r:embed="rId2">
+            <a:extLst>
+              <a:ext uri="{28A0092B-C50C-407E-A947-70E740481C1C}">
+                <a14:useLocalDpi xmlns:a14="http://schemas.microsoft.com/office/drawing/2010/main" val="0"/>
+              </a:ext>
+            </a:extLst>
+          </a:blip>
+          <a:srcRect b="22310"/>
+          <a:stretch/>
+        </p:blipFill>
+        <p:spPr bwMode="auto">
+          <a:xfrm>
+            <a:off x="838199" y="2636931"/>
+            <a:ext cx="576137" cy="297827"/>
+          </a:xfrm>
+          <a:prstGeom prst="rect">
+            <a:avLst/>
+          </a:prstGeom>
+          <a:noFill/>
+          <a:extLst>
+            <a:ext uri="{909E8E84-426E-40DD-AFC4-6F175D3DCCD1}">
+              <a14:hiddenFill xmlns:a14="http://schemas.microsoft.com/office/drawing/2010/main">
+                <a:solidFill>
+                  <a:srgbClr val="FFFFFF"/>
+                </a:solidFill>
+              </a14:hiddenFill>
+            </a:ext>
+          </a:extLst>
+        </p:spPr>
+      </p:pic>
+      <p:pic>
+        <p:nvPicPr>
+          <p:cNvPr id="3076" name="Picture 4">
+            <a:extLst>
+              <a:ext uri="{FF2B5EF4-FFF2-40B4-BE49-F238E27FC236}">
+                <a16:creationId xmlns:a16="http://schemas.microsoft.com/office/drawing/2014/main" id="{76E70734-D9A3-9C13-025B-ED7C3D29AA76}"/>
+              </a:ext>
+            </a:extLst>
+          </p:cNvPr>
+          <p:cNvPicPr>
+            <a:picLocks noChangeAspect="1" noChangeArrowheads="1"/>
+          </p:cNvPicPr>
+          <p:nvPr/>
+        </p:nvPicPr>
+        <p:blipFill>
+          <a:blip r:embed="rId3">
+            <a:extLst>
+              <a:ext uri="{28A0092B-C50C-407E-A947-70E740481C1C}">
+                <a14:useLocalDpi xmlns:a14="http://schemas.microsoft.com/office/drawing/2010/main" val="0"/>
+              </a:ext>
+            </a:extLst>
+          </a:blip>
+          <a:srcRect/>
+          <a:stretch>
+            <a:fillRect/>
+          </a:stretch>
+        </p:blipFill>
+        <p:spPr bwMode="auto">
+          <a:xfrm>
+            <a:off x="838198" y="5059438"/>
+            <a:ext cx="576137" cy="302969"/>
+          </a:xfrm>
+          <a:prstGeom prst="rect">
+            <a:avLst/>
+          </a:prstGeom>
+          <a:noFill/>
+          <a:extLst>
+            <a:ext uri="{909E8E84-426E-40DD-AFC4-6F175D3DCCD1}">
+              <a14:hiddenFill xmlns:a14="http://schemas.microsoft.com/office/drawing/2010/main">
+                <a:solidFill>
+                  <a:srgbClr val="FFFFFF"/>
+                </a:solidFill>
+              </a14:hiddenFill>
+            </a:ext>
+          </a:extLst>
+        </p:spPr>
+      </p:pic>
+      <p:cxnSp>
+        <p:nvCxnSpPr>
+          <p:cNvPr id="8" name="Straight Connector 7">
+            <a:extLst>
+              <a:ext uri="{FF2B5EF4-FFF2-40B4-BE49-F238E27FC236}">
+                <a16:creationId xmlns:a16="http://schemas.microsoft.com/office/drawing/2014/main" id="{80582531-BB66-C28C-1562-61FBE263D00C}"/>
+              </a:ext>
+            </a:extLst>
+          </p:cNvPr>
+          <p:cNvCxnSpPr>
+            <a:cxnSpLocks/>
+          </p:cNvCxnSpPr>
+          <p:nvPr/>
+        </p:nvCxnSpPr>
+        <p:spPr>
+          <a:xfrm>
+            <a:off x="825503" y="4013297"/>
+            <a:ext cx="10354697" cy="0"/>
+          </a:xfrm>
+          <a:prstGeom prst="line">
+            <a:avLst/>
+          </a:prstGeom>
+          <a:ln w="3175">
+            <a:prstDash val="lgDashDot"/>
+          </a:ln>
+        </p:spPr>
+        <p:style>
+          <a:lnRef idx="2">
+            <a:schemeClr val="accent1"/>
+          </a:lnRef>
+          <a:fillRef idx="0">
+            <a:schemeClr val="accent1"/>
+          </a:fillRef>
+          <a:effectRef idx="1">
+            <a:schemeClr val="accent1"/>
+          </a:effectRef>
+          <a:fontRef idx="minor">
+            <a:schemeClr val="tx1"/>
+          </a:fontRef>
+        </p:style>
+      </p:cxnSp>
+      <p:pic>
+        <p:nvPicPr>
+          <p:cNvPr id="13" name="Picture 12">
+            <a:extLst>
+              <a:ext uri="{FF2B5EF4-FFF2-40B4-BE49-F238E27FC236}">
+                <a16:creationId xmlns:a16="http://schemas.microsoft.com/office/drawing/2014/main" id="{8AB64476-DD70-D2C4-090A-5A61F6861FA5}"/>
+              </a:ext>
+            </a:extLst>
+          </p:cNvPr>
+          <p:cNvPicPr>
+            <a:picLocks noChangeAspect="1"/>
+          </p:cNvPicPr>
+          <p:nvPr/>
+        </p:nvPicPr>
+        <p:blipFill>
+          <a:blip r:embed="rId4">
+            <a:extLst>
+              <a:ext uri="{28A0092B-C50C-407E-A947-70E740481C1C}">
+                <a14:useLocalDpi xmlns:a14="http://schemas.microsoft.com/office/drawing/2010/main" val="0"/>
+              </a:ext>
+            </a:extLst>
+          </a:blip>
+          <a:srcRect/>
+          <a:stretch/>
+        </p:blipFill>
+        <p:spPr>
+          <a:xfrm>
+            <a:off x="1464914" y="1777985"/>
+            <a:ext cx="7911661" cy="1970451"/>
+          </a:xfrm>
+          <a:prstGeom prst="rect">
+            <a:avLst/>
+          </a:prstGeom>
+        </p:spPr>
+      </p:pic>
+      <p:pic>
+        <p:nvPicPr>
+          <p:cNvPr id="15" name="Picture 14">
+            <a:extLst>
+              <a:ext uri="{FF2B5EF4-FFF2-40B4-BE49-F238E27FC236}">
+                <a16:creationId xmlns:a16="http://schemas.microsoft.com/office/drawing/2014/main" id="{1D57E5EF-CC4A-9628-160B-5F37452581E6}"/>
+              </a:ext>
+            </a:extLst>
+          </p:cNvPr>
+          <p:cNvPicPr>
+            <a:picLocks noChangeAspect="1"/>
+          </p:cNvPicPr>
+          <p:nvPr/>
+        </p:nvPicPr>
+        <p:blipFill>
+          <a:blip r:embed="rId5">
+            <a:extLst>
+              <a:ext uri="{28A0092B-C50C-407E-A947-70E740481C1C}">
+                <a14:useLocalDpi xmlns:a14="http://schemas.microsoft.com/office/drawing/2010/main" val="0"/>
+              </a:ext>
+            </a:extLst>
+          </a:blip>
+          <a:srcRect/>
+          <a:stretch/>
+        </p:blipFill>
+        <p:spPr>
+          <a:xfrm>
+            <a:off x="9453001" y="1857915"/>
+            <a:ext cx="2125712" cy="1740117"/>
+          </a:xfrm>
+          <a:prstGeom prst="rect">
+            <a:avLst/>
+          </a:prstGeom>
+        </p:spPr>
+      </p:pic>
+      <p:pic>
+        <p:nvPicPr>
+          <p:cNvPr id="16" name="Picture 15">
+            <a:extLst>
+              <a:ext uri="{FF2B5EF4-FFF2-40B4-BE49-F238E27FC236}">
+                <a16:creationId xmlns:a16="http://schemas.microsoft.com/office/drawing/2014/main" id="{B1453EF8-2647-994E-CBBF-EAE74CE91366}"/>
+              </a:ext>
+            </a:extLst>
+          </p:cNvPr>
+          <p:cNvPicPr>
+            <a:picLocks noChangeAspect="1"/>
+          </p:cNvPicPr>
+          <p:nvPr/>
+        </p:nvPicPr>
+        <p:blipFill>
+          <a:blip r:embed="rId6">
+            <a:extLst>
+              <a:ext uri="{28A0092B-C50C-407E-A947-70E740481C1C}">
+                <a14:useLocalDpi xmlns:a14="http://schemas.microsoft.com/office/drawing/2010/main" val="0"/>
+              </a:ext>
+            </a:extLst>
+          </a:blip>
+          <a:srcRect/>
+          <a:stretch/>
+        </p:blipFill>
+        <p:spPr>
+          <a:xfrm>
+            <a:off x="1541341" y="4173249"/>
+            <a:ext cx="7911659" cy="1970451"/>
+          </a:xfrm>
+          <a:prstGeom prst="rect">
+            <a:avLst/>
+          </a:prstGeom>
+        </p:spPr>
+      </p:pic>
+      <p:pic>
+        <p:nvPicPr>
+          <p:cNvPr id="17" name="Picture 16">
+            <a:extLst>
+              <a:ext uri="{FF2B5EF4-FFF2-40B4-BE49-F238E27FC236}">
+                <a16:creationId xmlns:a16="http://schemas.microsoft.com/office/drawing/2014/main" id="{B2E0E358-CFE6-F356-7B94-ECA7D294270C}"/>
+              </a:ext>
+            </a:extLst>
+          </p:cNvPr>
+          <p:cNvPicPr>
+            <a:picLocks noChangeAspect="1"/>
+          </p:cNvPicPr>
+          <p:nvPr/>
+        </p:nvPicPr>
+        <p:blipFill>
+          <a:blip r:embed="rId7">
+            <a:extLst>
+              <a:ext uri="{28A0092B-C50C-407E-A947-70E740481C1C}">
+                <a14:useLocalDpi xmlns:a14="http://schemas.microsoft.com/office/drawing/2010/main" val="0"/>
+              </a:ext>
+            </a:extLst>
+          </a:blip>
+          <a:srcRect/>
+          <a:stretch/>
+        </p:blipFill>
+        <p:spPr>
+          <a:xfrm>
+            <a:off x="9551792" y="4278158"/>
+            <a:ext cx="2089459" cy="1740118"/>
+          </a:xfrm>
+          <a:prstGeom prst="rect">
+            <a:avLst/>
+          </a:prstGeom>
+        </p:spPr>
+      </p:pic>
+    </p:spTree>
+    <p:extLst>
+      <p:ext uri="{BB962C8B-B14F-4D97-AF65-F5344CB8AC3E}">
+        <p14:creationId xmlns:p14="http://schemas.microsoft.com/office/powerpoint/2010/main" val="2948702807"/>
+      </p:ext>
+    </p:extLst>
+  </p:cSld>
+  <p:clrMapOvr>
+    <a:masterClrMapping/>
+  </p:clrMapOvr>
+</p:sld>
+</file>
+
+<file path=ppt/slides/slide15.xml><?xml version="1.0" encoding="utf-8"?>
+<p:sld xmlns:a="http://schemas.openxmlformats.org/drawingml/2006/main" xmlns:r="http://schemas.openxmlformats.org/officeDocument/2006/relationships" xmlns:p="http://schemas.openxmlformats.org/presentationml/2006/main">
+  <p:cSld>
+    <p:spTree>
+      <p:nvGrpSpPr>
+        <p:cNvPr id="1" name="">
+          <a:extLst>
+            <a:ext uri="{FF2B5EF4-FFF2-40B4-BE49-F238E27FC236}">
+              <a16:creationId xmlns:a16="http://schemas.microsoft.com/office/drawing/2014/main" id="{54AF3B45-3139-32DF-BEC6-39DD24130138}"/>
+            </a:ext>
+          </a:extLst>
+        </p:cNvPr>
+        <p:cNvGrpSpPr/>
+        <p:nvPr/>
+      </p:nvGrpSpPr>
+      <p:grpSpPr>
+        <a:xfrm>
+          <a:off x="0" y="0"/>
+          <a:ext cx="0" cy="0"/>
+          <a:chOff x="0" y="0"/>
+          <a:chExt cx="0" cy="0"/>
+        </a:xfrm>
+      </p:grpSpPr>
+      <p:sp>
+        <p:nvSpPr>
+          <p:cNvPr id="2" name="Title 1">
+            <a:extLst>
+              <a:ext uri="{FF2B5EF4-FFF2-40B4-BE49-F238E27FC236}">
+                <a16:creationId xmlns:a16="http://schemas.microsoft.com/office/drawing/2014/main" id="{B6079406-B7E2-5080-99EE-03F6ABA9DB40}"/>
+              </a:ext>
+            </a:extLst>
+          </p:cNvPr>
+          <p:cNvSpPr>
+            <a:spLocks noGrp="1"/>
+          </p:cNvSpPr>
+          <p:nvPr>
+            <p:ph type="title"/>
+          </p:nvPr>
+        </p:nvSpPr>
+        <p:spPr>
+          <a:xfrm>
+            <a:off x="781446" y="365125"/>
+            <a:ext cx="10515600" cy="1325563"/>
+          </a:xfrm>
+        </p:spPr>
+        <p:txBody>
+          <a:bodyPr/>
+          <a:lstStyle/>
+          <a:p>
+            <a:r>
+              <a:rPr lang="fr-FR" dirty="0"/>
+              <a:t>VC-VC – </a:t>
+            </a:r>
+            <a:r>
+              <a:rPr lang="fr-FR" dirty="0" err="1"/>
+              <a:t>Fully</a:t>
+            </a:r>
+            <a:r>
+              <a:rPr lang="fr-FR" dirty="0"/>
+              <a:t> </a:t>
+            </a:r>
+            <a:r>
+              <a:rPr lang="fr-FR" dirty="0" err="1"/>
+              <a:t>Aggregated</a:t>
+            </a:r>
+            <a:endParaRPr lang="en-US" dirty="0"/>
+          </a:p>
+        </p:txBody>
+      </p:sp>
+      <p:pic>
+        <p:nvPicPr>
+          <p:cNvPr id="3074" name="Picture 2">
+            <a:extLst>
+              <a:ext uri="{FF2B5EF4-FFF2-40B4-BE49-F238E27FC236}">
+                <a16:creationId xmlns:a16="http://schemas.microsoft.com/office/drawing/2014/main" id="{0CA81797-1408-CC67-483A-B4FC4F8E6B0B}"/>
+              </a:ext>
+            </a:extLst>
+          </p:cNvPr>
+          <p:cNvPicPr>
+            <a:picLocks noChangeAspect="1" noChangeArrowheads="1"/>
+          </p:cNvPicPr>
+          <p:nvPr/>
+        </p:nvPicPr>
+        <p:blipFill rotWithShape="1">
+          <a:blip r:embed="rId2">
+            <a:extLst>
+              <a:ext uri="{28A0092B-C50C-407E-A947-70E740481C1C}">
+                <a14:useLocalDpi xmlns:a14="http://schemas.microsoft.com/office/drawing/2010/main" val="0"/>
+              </a:ext>
+            </a:extLst>
+          </a:blip>
+          <a:srcRect b="22310"/>
+          <a:stretch/>
+        </p:blipFill>
+        <p:spPr bwMode="auto">
+          <a:xfrm>
+            <a:off x="3221943" y="2702876"/>
+            <a:ext cx="576137" cy="297827"/>
+          </a:xfrm>
+          <a:prstGeom prst="rect">
+            <a:avLst/>
+          </a:prstGeom>
+          <a:noFill/>
+          <a:extLst>
+            <a:ext uri="{909E8E84-426E-40DD-AFC4-6F175D3DCCD1}">
+              <a14:hiddenFill xmlns:a14="http://schemas.microsoft.com/office/drawing/2010/main">
+                <a:solidFill>
+                  <a:srgbClr val="FFFFFF"/>
+                </a:solidFill>
+              </a14:hiddenFill>
+            </a:ext>
+          </a:extLst>
+        </p:spPr>
+      </p:pic>
+      <p:pic>
+        <p:nvPicPr>
+          <p:cNvPr id="3076" name="Picture 4">
+            <a:extLst>
+              <a:ext uri="{FF2B5EF4-FFF2-40B4-BE49-F238E27FC236}">
+                <a16:creationId xmlns:a16="http://schemas.microsoft.com/office/drawing/2014/main" id="{1F6BAF8A-AB30-7CDD-196B-99791D3A1465}"/>
+              </a:ext>
+            </a:extLst>
+          </p:cNvPr>
+          <p:cNvPicPr>
+            <a:picLocks noChangeAspect="1" noChangeArrowheads="1"/>
+          </p:cNvPicPr>
+          <p:nvPr/>
+        </p:nvPicPr>
+        <p:blipFill>
+          <a:blip r:embed="rId3">
+            <a:extLst>
+              <a:ext uri="{28A0092B-C50C-407E-A947-70E740481C1C}">
+                <a14:useLocalDpi xmlns:a14="http://schemas.microsoft.com/office/drawing/2010/main" val="0"/>
+              </a:ext>
+            </a:extLst>
+          </a:blip>
+          <a:srcRect/>
+          <a:stretch>
+            <a:fillRect/>
+          </a:stretch>
+        </p:blipFill>
+        <p:spPr bwMode="auto">
+          <a:xfrm>
+            <a:off x="8012390" y="2697734"/>
+            <a:ext cx="576137" cy="302969"/>
+          </a:xfrm>
+          <a:prstGeom prst="rect">
+            <a:avLst/>
+          </a:prstGeom>
+          <a:noFill/>
+          <a:extLst>
+            <a:ext uri="{909E8E84-426E-40DD-AFC4-6F175D3DCCD1}">
+              <a14:hiddenFill xmlns:a14="http://schemas.microsoft.com/office/drawing/2010/main">
+                <a:solidFill>
+                  <a:srgbClr val="FFFFFF"/>
+                </a:solidFill>
+              </a14:hiddenFill>
+            </a:ext>
+          </a:extLst>
+        </p:spPr>
+      </p:pic>
+      <p:sp>
+        <p:nvSpPr>
+          <p:cNvPr id="5" name="TextBox 4">
+            <a:extLst>
+              <a:ext uri="{FF2B5EF4-FFF2-40B4-BE49-F238E27FC236}">
+                <a16:creationId xmlns:a16="http://schemas.microsoft.com/office/drawing/2014/main" id="{A15ED7E1-96F2-CC71-E6E8-C7D213F35A43}"/>
+              </a:ext>
+            </a:extLst>
+          </p:cNvPr>
+          <p:cNvSpPr txBox="1"/>
+          <p:nvPr/>
+        </p:nvSpPr>
+        <p:spPr>
+          <a:xfrm>
+            <a:off x="6853795" y="3332991"/>
+            <a:ext cx="3469464" cy="1200329"/>
+          </a:xfrm>
+          <a:prstGeom prst="rect">
+            <a:avLst/>
+          </a:prstGeom>
+          <a:noFill/>
+        </p:spPr>
+        <p:txBody>
+          <a:bodyPr wrap="square">
+            <a:spAutoFit/>
+          </a:bodyPr>
+          <a:lstStyle/>
+          <a:p>
+            <a:r>
+              <a:rPr lang="en-US" b="0" i="0" dirty="0">
+                <a:effectLst/>
+                <a:latin typeface="Consolas" panose="020B0609020204030204" pitchFamily="49" charset="0"/>
+              </a:rPr>
+              <a:t>Unique VCs: </a:t>
+            </a:r>
+            <a:r>
+              <a:rPr lang="en-US" b="1" i="0" dirty="0">
+                <a:effectLst/>
+                <a:latin typeface="Consolas" panose="020B0609020204030204" pitchFamily="49" charset="0"/>
+              </a:rPr>
+              <a:t>11,095 </a:t>
+            </a:r>
+          </a:p>
+          <a:p>
+            <a:r>
+              <a:rPr lang="en-US" b="0" i="0" dirty="0">
+                <a:effectLst/>
+                <a:latin typeface="Consolas" panose="020B0609020204030204" pitchFamily="49" charset="0"/>
+              </a:rPr>
+              <a:t>Partnership edges: </a:t>
+            </a:r>
+            <a:r>
+              <a:rPr lang="en-US" b="1" i="0" dirty="0">
+                <a:effectLst/>
+                <a:latin typeface="Consolas" panose="020B0609020204030204" pitchFamily="49" charset="0"/>
+              </a:rPr>
+              <a:t>238,737</a:t>
+            </a:r>
+            <a:r>
+              <a:rPr lang="en-US" b="0" i="0" dirty="0">
+                <a:effectLst/>
+                <a:latin typeface="Consolas" panose="020B0609020204030204" pitchFamily="49" charset="0"/>
+              </a:rPr>
+              <a:t> </a:t>
+            </a:r>
+          </a:p>
+          <a:p>
+            <a:r>
+              <a:rPr lang="en-US" b="0" i="0" dirty="0">
+                <a:effectLst/>
+                <a:latin typeface="Consolas" panose="020B0609020204030204" pitchFamily="49" charset="0"/>
+              </a:rPr>
+              <a:t>Connected components: </a:t>
+            </a:r>
+            <a:r>
+              <a:rPr lang="en-US" b="1" i="0" dirty="0">
+                <a:effectLst/>
+                <a:latin typeface="Consolas" panose="020B0609020204030204" pitchFamily="49" charset="0"/>
+              </a:rPr>
+              <a:t>750</a:t>
+            </a:r>
+            <a:r>
+              <a:rPr lang="en-US" b="0" i="0" dirty="0">
+                <a:effectLst/>
+                <a:latin typeface="Consolas" panose="020B0609020204030204" pitchFamily="49" charset="0"/>
+              </a:rPr>
+              <a:t> </a:t>
+            </a:r>
+          </a:p>
+          <a:p>
+            <a:r>
+              <a:rPr lang="en-US" b="0" i="0" dirty="0">
+                <a:effectLst/>
+                <a:latin typeface="Consolas" panose="020B0609020204030204" pitchFamily="49" charset="0"/>
+              </a:rPr>
+              <a:t>Density: </a:t>
+            </a:r>
+            <a:r>
+              <a:rPr lang="en-US" b="1" i="0" dirty="0">
+                <a:effectLst/>
+                <a:latin typeface="Consolas" panose="020B0609020204030204" pitchFamily="49" charset="0"/>
+              </a:rPr>
+              <a:t>0.0038</a:t>
+            </a:r>
+            <a:endParaRPr lang="en-US" b="1" dirty="0"/>
+          </a:p>
+        </p:txBody>
+      </p:sp>
+      <p:sp>
+        <p:nvSpPr>
+          <p:cNvPr id="7" name="TextBox 6">
+            <a:extLst>
+              <a:ext uri="{FF2B5EF4-FFF2-40B4-BE49-F238E27FC236}">
+                <a16:creationId xmlns:a16="http://schemas.microsoft.com/office/drawing/2014/main" id="{FFB9905D-121A-D62E-8F71-3887D7289110}"/>
+              </a:ext>
+            </a:extLst>
+          </p:cNvPr>
+          <p:cNvSpPr txBox="1"/>
+          <p:nvPr/>
+        </p:nvSpPr>
+        <p:spPr>
+          <a:xfrm>
+            <a:off x="1994338" y="3332991"/>
+            <a:ext cx="3469464" cy="1200329"/>
+          </a:xfrm>
+          <a:prstGeom prst="rect">
+            <a:avLst/>
+          </a:prstGeom>
+          <a:noFill/>
+        </p:spPr>
+        <p:txBody>
+          <a:bodyPr wrap="square">
+            <a:spAutoFit/>
+          </a:bodyPr>
+          <a:lstStyle/>
+          <a:p>
+            <a:r>
+              <a:rPr lang="en-US" b="0" i="0" dirty="0">
+                <a:effectLst/>
+                <a:latin typeface="Consolas" panose="020B0609020204030204" pitchFamily="49" charset="0"/>
+              </a:rPr>
+              <a:t>Unique VCs: </a:t>
+            </a:r>
+            <a:r>
+              <a:rPr lang="en-US" b="1" i="0" dirty="0">
+                <a:effectLst/>
+                <a:latin typeface="Consolas" panose="020B0609020204030204" pitchFamily="49" charset="0"/>
+              </a:rPr>
+              <a:t>1,180 </a:t>
+            </a:r>
+          </a:p>
+          <a:p>
+            <a:r>
+              <a:rPr lang="en-US" b="0" i="0" dirty="0">
+                <a:effectLst/>
+                <a:latin typeface="Consolas" panose="020B0609020204030204" pitchFamily="49" charset="0"/>
+              </a:rPr>
+              <a:t>Partnership edges: </a:t>
+            </a:r>
+            <a:r>
+              <a:rPr lang="en-US" b="1" i="0" dirty="0">
+                <a:effectLst/>
+                <a:latin typeface="Consolas" panose="020B0609020204030204" pitchFamily="49" charset="0"/>
+              </a:rPr>
+              <a:t>7,360</a:t>
+            </a:r>
+            <a:r>
+              <a:rPr lang="en-US" b="0" i="0" dirty="0">
+                <a:effectLst/>
+                <a:latin typeface="Consolas" panose="020B0609020204030204" pitchFamily="49" charset="0"/>
+              </a:rPr>
+              <a:t> </a:t>
+            </a:r>
+          </a:p>
+          <a:p>
+            <a:r>
+              <a:rPr lang="en-US" b="0" i="0" dirty="0">
+                <a:effectLst/>
+                <a:latin typeface="Consolas" panose="020B0609020204030204" pitchFamily="49" charset="0"/>
+              </a:rPr>
+              <a:t>Connected components: </a:t>
+            </a:r>
+            <a:r>
+              <a:rPr lang="en-US" b="1" i="0" dirty="0">
+                <a:effectLst/>
+                <a:latin typeface="Consolas" panose="020B0609020204030204" pitchFamily="49" charset="0"/>
+              </a:rPr>
+              <a:t>125</a:t>
+            </a:r>
+            <a:r>
+              <a:rPr lang="en-US" b="0" i="0" dirty="0">
+                <a:effectLst/>
+                <a:latin typeface="Consolas" panose="020B0609020204030204" pitchFamily="49" charset="0"/>
+              </a:rPr>
+              <a:t> </a:t>
+            </a:r>
+          </a:p>
+          <a:p>
+            <a:r>
+              <a:rPr lang="en-US" b="0" i="0" dirty="0">
+                <a:effectLst/>
+                <a:latin typeface="Consolas" panose="020B0609020204030204" pitchFamily="49" charset="0"/>
+              </a:rPr>
+              <a:t>Density: </a:t>
+            </a:r>
+            <a:r>
+              <a:rPr lang="en-US" b="1" i="0" dirty="0">
+                <a:effectLst/>
+                <a:latin typeface="Consolas" panose="020B0609020204030204" pitchFamily="49" charset="0"/>
+              </a:rPr>
+              <a:t>0.0105</a:t>
+            </a:r>
+            <a:endParaRPr lang="en-US" b="1" dirty="0"/>
+          </a:p>
+        </p:txBody>
+      </p:sp>
+    </p:spTree>
+    <p:extLst>
+      <p:ext uri="{BB962C8B-B14F-4D97-AF65-F5344CB8AC3E}">
+        <p14:creationId xmlns:p14="http://schemas.microsoft.com/office/powerpoint/2010/main" val="2870206961"/>
+      </p:ext>
+    </p:extLst>
+  </p:cSld>
+  <p:clrMapOvr>
+    <a:masterClrMapping/>
+  </p:clrMapOvr>
+</p:sld>
+</file>
+
+<file path=ppt/slides/slide16.xml><?xml version="1.0" encoding="utf-8"?>
+<p:sld xmlns:a="http://schemas.openxmlformats.org/drawingml/2006/main" xmlns:r="http://schemas.openxmlformats.org/officeDocument/2006/relationships" xmlns:p="http://schemas.openxmlformats.org/presentationml/2006/main">
+  <p:cSld>
+    <p:spTree>
+      <p:nvGrpSpPr>
+        <p:cNvPr id="1" name="">
+          <a:extLst>
+            <a:ext uri="{FF2B5EF4-FFF2-40B4-BE49-F238E27FC236}">
+              <a16:creationId xmlns:a16="http://schemas.microsoft.com/office/drawing/2014/main" id="{5D8A7305-12A7-2D5C-746C-8D62D2EB4B37}"/>
+            </a:ext>
+          </a:extLst>
+        </p:cNvPr>
+        <p:cNvGrpSpPr/>
+        <p:nvPr/>
+      </p:nvGrpSpPr>
+      <p:grpSpPr>
+        <a:xfrm>
+          <a:off x="0" y="0"/>
+          <a:ext cx="0" cy="0"/>
+          <a:chOff x="0" y="0"/>
+          <a:chExt cx="0" cy="0"/>
+        </a:xfrm>
+      </p:grpSpPr>
+      <p:sp>
+        <p:nvSpPr>
+          <p:cNvPr id="2" name="Title 1">
+            <a:extLst>
+              <a:ext uri="{FF2B5EF4-FFF2-40B4-BE49-F238E27FC236}">
+                <a16:creationId xmlns:a16="http://schemas.microsoft.com/office/drawing/2014/main" id="{80534052-7C81-5490-FE0B-D9FF8E04E18A}"/>
+              </a:ext>
+            </a:extLst>
+          </p:cNvPr>
+          <p:cNvSpPr>
+            <a:spLocks noGrp="1"/>
+          </p:cNvSpPr>
+          <p:nvPr>
+            <p:ph type="title"/>
+          </p:nvPr>
+        </p:nvSpPr>
+        <p:spPr/>
+        <p:txBody>
+          <a:bodyPr/>
+          <a:lstStyle/>
+          <a:p>
+            <a:r>
+              <a:rPr lang="fr-FR" dirty="0"/>
+              <a:t>ACC-VC x VC-VC Networks</a:t>
+            </a:r>
+            <a:endParaRPr lang="en-US" dirty="0"/>
+          </a:p>
+        </p:txBody>
+      </p:sp>
+    </p:spTree>
+    <p:extLst>
+      <p:ext uri="{BB962C8B-B14F-4D97-AF65-F5344CB8AC3E}">
+        <p14:creationId xmlns:p14="http://schemas.microsoft.com/office/powerpoint/2010/main" val="2993764955"/>
       </p:ext>
     </p:extLst>
   </p:cSld>
@@ -3505,7 +7128,7 @@
           <p:cNvPr id="2" name="Title 1">
             <a:extLst>
               <a:ext uri="{FF2B5EF4-FFF2-40B4-BE49-F238E27FC236}">
-                <a16:creationId xmlns:a16="http://schemas.microsoft.com/office/drawing/2014/main" id="{B6041DCB-CC07-D70E-8B04-A5BE40F3BBB9}"/>
+                <a16:creationId xmlns:a16="http://schemas.microsoft.com/office/drawing/2014/main" id="{975EA70F-0E8F-5890-42A1-3B0D26A66B2C}"/>
               </a:ext>
             </a:extLst>
           </p:cNvPr>
@@ -3522,10 +7145,9 @@
           <a:lstStyle/>
           <a:p>
             <a:r>
-              <a:rPr lang="fr-FR" dirty="0"/>
-              <a:t>ACC-VC Network</a:t>
-            </a:r>
-            <a:endParaRPr lang="en-US" dirty="0"/>
+              <a:rPr lang="en-US" dirty="0"/>
+              <a:t>Outline</a:t>
+            </a:r>
           </a:p>
         </p:txBody>
       </p:sp>
@@ -3534,7 +7156,7 @@
           <p:cNvPr id="3" name="Content Placeholder 2">
             <a:extLst>
               <a:ext uri="{FF2B5EF4-FFF2-40B4-BE49-F238E27FC236}">
-                <a16:creationId xmlns:a16="http://schemas.microsoft.com/office/drawing/2014/main" id="{EC4E278E-D69D-04D7-7B28-D248E7755A7E}"/>
+                <a16:creationId xmlns:a16="http://schemas.microsoft.com/office/drawing/2014/main" id="{C3969EF2-E375-957D-EA04-4304F39CCB07}"/>
               </a:ext>
             </a:extLst>
           </p:cNvPr>
@@ -3550,14 +7172,43 @@
           <a:bodyPr/>
           <a:lstStyle/>
           <a:p>
-            <a:endParaRPr lang="en-US"/>
+            <a:r>
+              <a:rPr lang="en-US" dirty="0"/>
+              <a:t>Data Science (Math, Statistics)</a:t>
+            </a:r>
+          </a:p>
+          <a:p>
+            <a:r>
+              <a:rPr lang="en-US" dirty="0"/>
+              <a:t>Network Theory</a:t>
+            </a:r>
+          </a:p>
+          <a:p>
+            <a:r>
+              <a:rPr lang="en-US" dirty="0"/>
+              <a:t>Ecology (</a:t>
+            </a:r>
+            <a:r>
+              <a:rPr lang="en-US" dirty="0" err="1"/>
+              <a:t>polinizator</a:t>
+            </a:r>
+            <a:r>
+              <a:rPr lang="en-US" dirty="0"/>
+              <a:t>-plant bipartite networks)</a:t>
+            </a:r>
+          </a:p>
+          <a:p>
+            <a:r>
+              <a:rPr lang="en-US" dirty="0"/>
+              <a:t>Economics</a:t>
+            </a:r>
           </a:p>
         </p:txBody>
       </p:sp>
     </p:spTree>
     <p:extLst>
       <p:ext uri="{BB962C8B-B14F-4D97-AF65-F5344CB8AC3E}">
-        <p14:creationId xmlns:p14="http://schemas.microsoft.com/office/powerpoint/2010/main" val="691122038"/>
+        <p14:creationId xmlns:p14="http://schemas.microsoft.com/office/powerpoint/2010/main" val="3912039533"/>
       </p:ext>
     </p:extLst>
   </p:cSld>
@@ -3572,7 +7223,13 @@
   <p:cSld>
     <p:spTree>
       <p:nvGrpSpPr>
-        <p:cNvPr id="1" name=""/>
+        <p:cNvPr id="1" name="">
+          <a:extLst>
+            <a:ext uri="{FF2B5EF4-FFF2-40B4-BE49-F238E27FC236}">
+              <a16:creationId xmlns:a16="http://schemas.microsoft.com/office/drawing/2014/main" id="{5D920403-035C-4F73-23A7-01CF36BEFDBC}"/>
+            </a:ext>
+          </a:extLst>
+        </p:cNvPr>
         <p:cNvGrpSpPr/>
         <p:nvPr/>
       </p:nvGrpSpPr>
@@ -3589,7 +7246,7 @@
           <p:cNvPr id="2" name="Title 1">
             <a:extLst>
               <a:ext uri="{FF2B5EF4-FFF2-40B4-BE49-F238E27FC236}">
-                <a16:creationId xmlns:a16="http://schemas.microsoft.com/office/drawing/2014/main" id="{7581073E-9E6F-9CE0-4ED1-C51FD61D3F2C}"/>
+                <a16:creationId xmlns:a16="http://schemas.microsoft.com/office/drawing/2014/main" id="{F0DE1F1C-7002-D532-2E0F-979B2C8E8B05}"/>
               </a:ext>
             </a:extLst>
           </p:cNvPr>
@@ -3600,242 +7257,64 @@
             <p:ph type="title"/>
           </p:nvPr>
         </p:nvSpPr>
-        <p:spPr>
-          <a:xfrm>
-            <a:off x="510278" y="5674"/>
-            <a:ext cx="10515600" cy="1325563"/>
-          </a:xfrm>
-        </p:spPr>
-        <p:txBody>
-          <a:bodyPr>
-            <a:normAutofit/>
-          </a:bodyPr>
+        <p:spPr/>
+        <p:txBody>
+          <a:bodyPr/>
           <a:lstStyle/>
           <a:p>
             <a:r>
-              <a:rPr lang="fr-FR" sz="3200" dirty="0"/>
-              <a:t>France – Time </a:t>
-            </a:r>
-            <a:r>
-              <a:rPr lang="fr-FR" sz="3200" dirty="0" err="1"/>
-              <a:t>Series</a:t>
-            </a:r>
-            <a:r>
-              <a:rPr lang="fr-FR" sz="3200" dirty="0"/>
-              <a:t> </a:t>
-            </a:r>
-            <a:r>
-              <a:rPr lang="fr-FR" sz="3200" dirty="0" err="1"/>
-              <a:t>Analysis</a:t>
-            </a:r>
-            <a:endParaRPr lang="en-US" sz="3200" dirty="0"/>
-          </a:p>
-        </p:txBody>
-      </p:sp>
-      <p:pic>
-        <p:nvPicPr>
-          <p:cNvPr id="6" name="Picture 5">
-            <a:extLst>
-              <a:ext uri="{FF2B5EF4-FFF2-40B4-BE49-F238E27FC236}">
-                <a16:creationId xmlns:a16="http://schemas.microsoft.com/office/drawing/2014/main" id="{5DEEFB4E-7251-88CF-D224-0916B3247D28}"/>
-              </a:ext>
-            </a:extLst>
-          </p:cNvPr>
-          <p:cNvPicPr>
-            <a:picLocks noChangeAspect="1"/>
-          </p:cNvPicPr>
-          <p:nvPr/>
-        </p:nvPicPr>
-        <p:blipFill>
-          <a:blip r:embed="rId2"/>
-          <a:stretch>
-            <a:fillRect/>
-          </a:stretch>
-        </p:blipFill>
-        <p:spPr>
-          <a:xfrm>
-            <a:off x="9183175" y="205815"/>
-            <a:ext cx="1759664" cy="1482070"/>
-          </a:xfrm>
-          <a:prstGeom prst="rect">
-            <a:avLst/>
-          </a:prstGeom>
-        </p:spPr>
-      </p:pic>
-      <p:pic>
-        <p:nvPicPr>
-          <p:cNvPr id="7" name="Picture 6">
-            <a:extLst>
-              <a:ext uri="{FF2B5EF4-FFF2-40B4-BE49-F238E27FC236}">
-                <a16:creationId xmlns:a16="http://schemas.microsoft.com/office/drawing/2014/main" id="{50727DD4-FB5E-BFB7-487D-7A52AF8D6C51}"/>
-              </a:ext>
-            </a:extLst>
-          </p:cNvPr>
-          <p:cNvPicPr>
-            <a:picLocks noChangeAspect="1"/>
-          </p:cNvPicPr>
-          <p:nvPr/>
-        </p:nvPicPr>
-        <p:blipFill>
-          <a:blip r:embed="rId3"/>
-          <a:stretch>
-            <a:fillRect/>
-          </a:stretch>
-        </p:blipFill>
-        <p:spPr>
-          <a:xfrm>
-            <a:off x="7117494" y="205815"/>
-            <a:ext cx="1759664" cy="1482070"/>
-          </a:xfrm>
-          <a:prstGeom prst="rect">
-            <a:avLst/>
-          </a:prstGeom>
-        </p:spPr>
-      </p:pic>
-      <p:sp>
-        <p:nvSpPr>
-          <p:cNvPr id="8" name="TextBox 7">
-            <a:extLst>
-              <a:ext uri="{FF2B5EF4-FFF2-40B4-BE49-F238E27FC236}">
-                <a16:creationId xmlns:a16="http://schemas.microsoft.com/office/drawing/2014/main" id="{1849BB17-4142-42FD-6245-6722286E4E53}"/>
-              </a:ext>
-            </a:extLst>
-          </p:cNvPr>
-          <p:cNvSpPr txBox="1"/>
-          <p:nvPr/>
-        </p:nvSpPr>
-        <p:spPr>
-          <a:xfrm>
-            <a:off x="579643" y="3779687"/>
-            <a:ext cx="2193999" cy="369332"/>
-          </a:xfrm>
-          <a:prstGeom prst="rect">
-            <a:avLst/>
-          </a:prstGeom>
-          <a:noFill/>
-        </p:spPr>
-        <p:txBody>
-          <a:bodyPr wrap="none" rtlCol="0">
-            <a:spAutoFit/>
-          </a:bodyPr>
+              <a:rPr lang="en-US" dirty="0"/>
+              <a:t>Motivation</a:t>
+            </a:r>
+          </a:p>
+        </p:txBody>
+      </p:sp>
+      <p:sp>
+        <p:nvSpPr>
+          <p:cNvPr id="3" name="Content Placeholder 2">
+            <a:extLst>
+              <a:ext uri="{FF2B5EF4-FFF2-40B4-BE49-F238E27FC236}">
+                <a16:creationId xmlns:a16="http://schemas.microsoft.com/office/drawing/2014/main" id="{E80DD091-5535-48D4-A403-57E1751709C1}"/>
+              </a:ext>
+            </a:extLst>
+          </p:cNvPr>
+          <p:cNvSpPr>
+            <a:spLocks noGrp="1"/>
+          </p:cNvSpPr>
+          <p:nvPr>
+            <p:ph idx="1"/>
+          </p:nvPr>
+        </p:nvSpPr>
+        <p:spPr/>
+        <p:txBody>
+          <a:bodyPr/>
           <a:lstStyle/>
           <a:p>
             <a:r>
-              <a:rPr lang="fr-FR" dirty="0"/>
-              <a:t>Cumulative </a:t>
-            </a:r>
-            <a:r>
-              <a:rPr lang="fr-FR" dirty="0" err="1"/>
-              <a:t>analysis</a:t>
-            </a:r>
-            <a:endParaRPr lang="en-US" dirty="0"/>
-          </a:p>
-        </p:txBody>
-      </p:sp>
-      <p:sp>
-        <p:nvSpPr>
-          <p:cNvPr id="9" name="TextBox 8">
-            <a:extLst>
-              <a:ext uri="{FF2B5EF4-FFF2-40B4-BE49-F238E27FC236}">
-                <a16:creationId xmlns:a16="http://schemas.microsoft.com/office/drawing/2014/main" id="{A617ED22-23DF-4D74-BE5D-97701F3403C6}"/>
-              </a:ext>
-            </a:extLst>
-          </p:cNvPr>
-          <p:cNvSpPr txBox="1"/>
-          <p:nvPr/>
-        </p:nvSpPr>
-        <p:spPr>
-          <a:xfrm>
-            <a:off x="579643" y="1318553"/>
-            <a:ext cx="1996316" cy="369332"/>
-          </a:xfrm>
-          <a:prstGeom prst="rect">
-            <a:avLst/>
-          </a:prstGeom>
-          <a:noFill/>
-        </p:spPr>
-        <p:txBody>
-          <a:bodyPr wrap="none" rtlCol="0">
-            <a:spAutoFit/>
-          </a:bodyPr>
-          <a:lstStyle/>
-          <a:p>
-            <a:r>
-              <a:rPr lang="fr-FR" dirty="0"/>
-              <a:t>Snapshot </a:t>
-            </a:r>
-            <a:r>
-              <a:rPr lang="fr-FR" dirty="0" err="1"/>
-              <a:t>analysis</a:t>
-            </a:r>
-            <a:endParaRPr lang="en-US" dirty="0"/>
-          </a:p>
-        </p:txBody>
-      </p:sp>
-      <p:pic>
-        <p:nvPicPr>
-          <p:cNvPr id="11" name="Picture 10">
-            <a:extLst>
-              <a:ext uri="{FF2B5EF4-FFF2-40B4-BE49-F238E27FC236}">
-                <a16:creationId xmlns:a16="http://schemas.microsoft.com/office/drawing/2014/main" id="{A3818E1A-0B43-37C5-8F56-12DEEC7CB10B}"/>
-              </a:ext>
-            </a:extLst>
-          </p:cNvPr>
-          <p:cNvPicPr>
-            <a:picLocks noChangeAspect="1"/>
-          </p:cNvPicPr>
-          <p:nvPr/>
-        </p:nvPicPr>
-        <p:blipFill>
-          <a:blip r:embed="rId4"/>
-          <a:stretch>
-            <a:fillRect/>
-          </a:stretch>
-        </p:blipFill>
-        <p:spPr>
-          <a:xfrm>
-            <a:off x="579644" y="1728559"/>
-            <a:ext cx="10303136" cy="1707130"/>
-          </a:xfrm>
-          <a:prstGeom prst="rect">
-            <a:avLst/>
-          </a:prstGeom>
-        </p:spPr>
-      </p:pic>
-      <p:pic>
-        <p:nvPicPr>
-          <p:cNvPr id="13" name="Picture 12">
-            <a:extLst>
-              <a:ext uri="{FF2B5EF4-FFF2-40B4-BE49-F238E27FC236}">
-                <a16:creationId xmlns:a16="http://schemas.microsoft.com/office/drawing/2014/main" id="{81AC3541-D439-A263-A63E-6E219FF8E72A}"/>
-              </a:ext>
-            </a:extLst>
-          </p:cNvPr>
-          <p:cNvPicPr>
-            <a:picLocks noChangeAspect="1"/>
-          </p:cNvPicPr>
-          <p:nvPr/>
-        </p:nvPicPr>
-        <p:blipFill>
-          <a:blip r:embed="rId5"/>
-          <a:stretch>
-            <a:fillRect/>
-          </a:stretch>
-        </p:blipFill>
-        <p:spPr>
-          <a:xfrm>
-            <a:off x="579643" y="4081340"/>
-            <a:ext cx="10303135" cy="2052335"/>
-          </a:xfrm>
-          <a:prstGeom prst="rect">
-            <a:avLst/>
-          </a:prstGeom>
-        </p:spPr>
-      </p:pic>
+              <a:rPr lang="en-US" dirty="0"/>
+              <a:t>Complex network relationships between VC-VC and accelerators-VC (co-</a:t>
+            </a:r>
+            <a:r>
+              <a:rPr lang="en-US" dirty="0" err="1"/>
+              <a:t>investiment</a:t>
+            </a:r>
+            <a:r>
+              <a:rPr lang="en-US" dirty="0"/>
+              <a:t>)</a:t>
+            </a:r>
+          </a:p>
+          <a:p>
+            <a:r>
+              <a:rPr lang="en-US" dirty="0"/>
+              <a:t>Limited application of network theory to VC-VC and VC-accelerator relationships</a:t>
+            </a:r>
+          </a:p>
+        </p:txBody>
+      </p:sp>
     </p:spTree>
     <p:extLst>
       <p:ext uri="{BB962C8B-B14F-4D97-AF65-F5344CB8AC3E}">
-        <p14:creationId xmlns:p14="http://schemas.microsoft.com/office/powerpoint/2010/main" val="1561004459"/>
+        <p14:creationId xmlns:p14="http://schemas.microsoft.com/office/powerpoint/2010/main" val="3772277905"/>
       </p:ext>
     </p:extLst>
   </p:cSld>
@@ -3850,7 +7329,13 @@
   <p:cSld>
     <p:spTree>
       <p:nvGrpSpPr>
-        <p:cNvPr id="1" name=""/>
+        <p:cNvPr id="1" name="">
+          <a:extLst>
+            <a:ext uri="{FF2B5EF4-FFF2-40B4-BE49-F238E27FC236}">
+              <a16:creationId xmlns:a16="http://schemas.microsoft.com/office/drawing/2014/main" id="{EBD02FF4-690A-DB99-1B46-631305AAB4B9}"/>
+            </a:ext>
+          </a:extLst>
+        </p:cNvPr>
         <p:cNvGrpSpPr/>
         <p:nvPr/>
       </p:nvGrpSpPr>
@@ -3862,277 +7347,66 @@
           <a:chExt cx="0" cy="0"/>
         </a:xfrm>
       </p:grpSpPr>
-      <p:pic>
-        <p:nvPicPr>
-          <p:cNvPr id="7" name="Picture 6">
-            <a:extLst>
-              <a:ext uri="{FF2B5EF4-FFF2-40B4-BE49-F238E27FC236}">
-                <a16:creationId xmlns:a16="http://schemas.microsoft.com/office/drawing/2014/main" id="{3D4AF423-25F8-10AF-2DC1-AC6385ED0FE3}"/>
-              </a:ext>
-            </a:extLst>
-          </p:cNvPr>
-          <p:cNvPicPr>
-            <a:picLocks noChangeAspect="1"/>
-          </p:cNvPicPr>
-          <p:nvPr/>
-        </p:nvPicPr>
-        <p:blipFill>
-          <a:blip r:embed="rId2"/>
-          <a:stretch>
-            <a:fillRect/>
-          </a:stretch>
-        </p:blipFill>
-        <p:spPr>
-          <a:xfrm>
-            <a:off x="5768078" y="51596"/>
-            <a:ext cx="2392978" cy="2015476"/>
-          </a:xfrm>
-          <a:prstGeom prst="rect">
-            <a:avLst/>
-          </a:prstGeom>
-        </p:spPr>
-      </p:pic>
-      <p:pic>
-        <p:nvPicPr>
-          <p:cNvPr id="11" name="Picture 10">
-            <a:extLst>
-              <a:ext uri="{FF2B5EF4-FFF2-40B4-BE49-F238E27FC236}">
-                <a16:creationId xmlns:a16="http://schemas.microsoft.com/office/drawing/2014/main" id="{5053D16C-4C99-E3E5-B6BB-D388362652CB}"/>
-              </a:ext>
-            </a:extLst>
-          </p:cNvPr>
-          <p:cNvPicPr>
-            <a:picLocks noChangeAspect="1"/>
-          </p:cNvPicPr>
-          <p:nvPr/>
-        </p:nvPicPr>
-        <p:blipFill>
-          <a:blip r:embed="rId3"/>
-          <a:stretch>
-            <a:fillRect/>
-          </a:stretch>
-        </p:blipFill>
-        <p:spPr>
-          <a:xfrm>
-            <a:off x="8652501" y="51596"/>
-            <a:ext cx="2537775" cy="2137431"/>
-          </a:xfrm>
-          <a:prstGeom prst="rect">
-            <a:avLst/>
-          </a:prstGeom>
-        </p:spPr>
-      </p:pic>
-      <p:sp>
-        <p:nvSpPr>
-          <p:cNvPr id="12" name="Title 1">
-            <a:extLst>
-              <a:ext uri="{FF2B5EF4-FFF2-40B4-BE49-F238E27FC236}">
-                <a16:creationId xmlns:a16="http://schemas.microsoft.com/office/drawing/2014/main" id="{D7E0AADD-0959-A6CE-0104-2C649628B494}"/>
-              </a:ext>
-            </a:extLst>
-          </p:cNvPr>
-          <p:cNvSpPr txBox="1">
-            <a:spLocks/>
-          </p:cNvSpPr>
-          <p:nvPr/>
-        </p:nvSpPr>
-        <p:spPr>
-          <a:xfrm>
-            <a:off x="510278" y="5674"/>
-            <a:ext cx="10515600" cy="1325563"/>
-          </a:xfrm>
-          <a:prstGeom prst="rect">
-            <a:avLst/>
-          </a:prstGeom>
-        </p:spPr>
-        <p:txBody>
-          <a:bodyPr vert="horz" lIns="91440" tIns="45720" rIns="91440" bIns="45720" rtlCol="0" anchor="ctr">
-            <a:normAutofit/>
-          </a:bodyPr>
-          <a:lstStyle>
-            <a:lvl1pPr algn="l" defTabSz="914400" rtl="0" eaLnBrk="1" latinLnBrk="0" hangingPunct="1">
-              <a:lnSpc>
-                <a:spcPct val="90000"/>
-              </a:lnSpc>
-              <a:spcBef>
-                <a:spcPct val="0"/>
-              </a:spcBef>
-              <a:buNone/>
-              <a:defRPr sz="4400" kern="1200">
-                <a:solidFill>
-                  <a:schemeClr val="tx1"/>
-                </a:solidFill>
-                <a:latin typeface="+mj-lt"/>
-                <a:ea typeface="+mj-ea"/>
-                <a:cs typeface="+mj-cs"/>
-              </a:defRPr>
-            </a:lvl1pPr>
-          </a:lstStyle>
-          <a:p>
-            <a:r>
-              <a:rPr lang="fr-FR" sz="3200" dirty="0"/>
-              <a:t>US – Time </a:t>
-            </a:r>
-            <a:r>
-              <a:rPr lang="fr-FR" sz="3200" dirty="0" err="1"/>
-              <a:t>Series</a:t>
-            </a:r>
-            <a:r>
-              <a:rPr lang="fr-FR" sz="3200" dirty="0"/>
-              <a:t> </a:t>
-            </a:r>
-            <a:r>
-              <a:rPr lang="fr-FR" sz="3200" dirty="0" err="1"/>
-              <a:t>Analysis</a:t>
-            </a:r>
-            <a:endParaRPr lang="en-US" sz="3200" dirty="0"/>
-          </a:p>
-        </p:txBody>
-      </p:sp>
-      <p:sp>
-        <p:nvSpPr>
-          <p:cNvPr id="13" name="TextBox 12">
-            <a:extLst>
-              <a:ext uri="{FF2B5EF4-FFF2-40B4-BE49-F238E27FC236}">
-                <a16:creationId xmlns:a16="http://schemas.microsoft.com/office/drawing/2014/main" id="{2B18D0F4-D45B-9DA7-733C-62E4551B021B}"/>
-              </a:ext>
-            </a:extLst>
-          </p:cNvPr>
-          <p:cNvSpPr txBox="1"/>
-          <p:nvPr/>
-        </p:nvSpPr>
-        <p:spPr>
-          <a:xfrm>
-            <a:off x="510278" y="3796228"/>
-            <a:ext cx="2193999" cy="369332"/>
-          </a:xfrm>
-          <a:prstGeom prst="rect">
-            <a:avLst/>
-          </a:prstGeom>
-          <a:noFill/>
-        </p:spPr>
-        <p:txBody>
-          <a:bodyPr wrap="none" rtlCol="0">
-            <a:spAutoFit/>
-          </a:bodyPr>
+      <p:sp>
+        <p:nvSpPr>
+          <p:cNvPr id="2" name="Title 1">
+            <a:extLst>
+              <a:ext uri="{FF2B5EF4-FFF2-40B4-BE49-F238E27FC236}">
+                <a16:creationId xmlns:a16="http://schemas.microsoft.com/office/drawing/2014/main" id="{1B0A5755-A84B-F7CA-56B5-3EBA32F831C5}"/>
+              </a:ext>
+            </a:extLst>
+          </p:cNvPr>
+          <p:cNvSpPr>
+            <a:spLocks noGrp="1"/>
+          </p:cNvSpPr>
+          <p:nvPr>
+            <p:ph type="title"/>
+          </p:nvPr>
+        </p:nvSpPr>
+        <p:spPr/>
+        <p:txBody>
+          <a:bodyPr/>
           <a:lstStyle/>
           <a:p>
             <a:r>
-              <a:rPr lang="fr-FR" dirty="0"/>
-              <a:t>Cumulative </a:t>
-            </a:r>
-            <a:r>
-              <a:rPr lang="fr-FR" dirty="0" err="1"/>
-              <a:t>analysis</a:t>
-            </a:r>
-            <a:endParaRPr lang="en-US" dirty="0"/>
-          </a:p>
-        </p:txBody>
-      </p:sp>
-      <p:sp>
-        <p:nvSpPr>
-          <p:cNvPr id="14" name="TextBox 13">
-            <a:extLst>
-              <a:ext uri="{FF2B5EF4-FFF2-40B4-BE49-F238E27FC236}">
-                <a16:creationId xmlns:a16="http://schemas.microsoft.com/office/drawing/2014/main" id="{8319D96B-8985-558C-23C2-6AF300784500}"/>
-              </a:ext>
-            </a:extLst>
-          </p:cNvPr>
-          <p:cNvSpPr txBox="1"/>
-          <p:nvPr/>
-        </p:nvSpPr>
-        <p:spPr>
-          <a:xfrm>
-            <a:off x="510278" y="1080871"/>
-            <a:ext cx="1996316" cy="369332"/>
-          </a:xfrm>
-          <a:prstGeom prst="rect">
-            <a:avLst/>
-          </a:prstGeom>
-          <a:noFill/>
-        </p:spPr>
-        <p:txBody>
-          <a:bodyPr wrap="none" rtlCol="0">
-            <a:spAutoFit/>
-          </a:bodyPr>
+              <a:rPr lang="en-US" dirty="0"/>
+              <a:t>Macro RQ</a:t>
+            </a:r>
+          </a:p>
+        </p:txBody>
+      </p:sp>
+      <p:sp>
+        <p:nvSpPr>
+          <p:cNvPr id="3" name="Content Placeholder 2">
+            <a:extLst>
+              <a:ext uri="{FF2B5EF4-FFF2-40B4-BE49-F238E27FC236}">
+                <a16:creationId xmlns:a16="http://schemas.microsoft.com/office/drawing/2014/main" id="{22C97C3A-1BAA-7502-B819-5BCB78A77DEB}"/>
+              </a:ext>
+            </a:extLst>
+          </p:cNvPr>
+          <p:cNvSpPr>
+            <a:spLocks noGrp="1"/>
+          </p:cNvSpPr>
+          <p:nvPr>
+            <p:ph idx="1"/>
+          </p:nvPr>
+        </p:nvSpPr>
+        <p:spPr/>
+        <p:txBody>
+          <a:bodyPr/>
           <a:lstStyle/>
           <a:p>
             <a:r>
-              <a:rPr lang="fr-FR" dirty="0"/>
-              <a:t>Snapshot </a:t>
-            </a:r>
-            <a:r>
-              <a:rPr lang="fr-FR" dirty="0" err="1"/>
-              <a:t>analysis</a:t>
-            </a:r>
-            <a:endParaRPr lang="en-US" dirty="0"/>
-          </a:p>
-        </p:txBody>
-      </p:sp>
-      <p:pic>
-        <p:nvPicPr>
-          <p:cNvPr id="18" name="Picture 17">
-            <a:extLst>
-              <a:ext uri="{FF2B5EF4-FFF2-40B4-BE49-F238E27FC236}">
-                <a16:creationId xmlns:a16="http://schemas.microsoft.com/office/drawing/2014/main" id="{2CD0A148-9D72-E039-06E7-64761D6587E6}"/>
-              </a:ext>
-            </a:extLst>
-          </p:cNvPr>
-          <p:cNvPicPr>
-            <a:picLocks noChangeAspect="1"/>
-          </p:cNvPicPr>
-          <p:nvPr/>
-        </p:nvPicPr>
-        <p:blipFill>
-          <a:blip r:embed="rId4"/>
-          <a:stretch>
-            <a:fillRect/>
-          </a:stretch>
-        </p:blipFill>
-        <p:spPr>
-          <a:xfrm>
-            <a:off x="510278" y="1408903"/>
-            <a:ext cx="11171444" cy="1851001"/>
-          </a:xfrm>
-          <a:prstGeom prst="rect">
-            <a:avLst/>
-          </a:prstGeom>
-        </p:spPr>
-      </p:pic>
-      <p:pic>
-        <p:nvPicPr>
-          <p:cNvPr id="20" name="Picture 19">
-            <a:extLst>
-              <a:ext uri="{FF2B5EF4-FFF2-40B4-BE49-F238E27FC236}">
-                <a16:creationId xmlns:a16="http://schemas.microsoft.com/office/drawing/2014/main" id="{98920B1D-0231-1669-A57A-5F21E583CBD5}"/>
-              </a:ext>
-            </a:extLst>
-          </p:cNvPr>
-          <p:cNvPicPr>
-            <a:picLocks noChangeAspect="1"/>
-          </p:cNvPicPr>
-          <p:nvPr/>
-        </p:nvPicPr>
-        <p:blipFill>
-          <a:blip r:embed="rId5"/>
-          <a:stretch>
-            <a:fillRect/>
-          </a:stretch>
-        </p:blipFill>
-        <p:spPr>
-          <a:xfrm>
-            <a:off x="447741" y="4236303"/>
-            <a:ext cx="11171444" cy="1851001"/>
-          </a:xfrm>
-          <a:prstGeom prst="rect">
-            <a:avLst/>
-          </a:prstGeom>
-        </p:spPr>
-      </p:pic>
+              <a:rPr lang="en-US" dirty="0"/>
+              <a:t>How do network structures emerge between venture capitalists and accelerators, and what patterns govern their investment relationships?</a:t>
+            </a:r>
+          </a:p>
+        </p:txBody>
+      </p:sp>
     </p:spTree>
     <p:extLst>
       <p:ext uri="{BB962C8B-B14F-4D97-AF65-F5344CB8AC3E}">
-        <p14:creationId xmlns:p14="http://schemas.microsoft.com/office/powerpoint/2010/main" val="1839769766"/>
+        <p14:creationId xmlns:p14="http://schemas.microsoft.com/office/powerpoint/2010/main" val="360350092"/>
       </p:ext>
     </p:extLst>
   </p:cSld>
@@ -4150,7 +7424,7 @@
         <p:cNvPr id="1" name="">
           <a:extLst>
             <a:ext uri="{FF2B5EF4-FFF2-40B4-BE49-F238E27FC236}">
-              <a16:creationId xmlns:a16="http://schemas.microsoft.com/office/drawing/2014/main" id="{CC18DB18-ED12-BBB6-4A6C-45B31B44CF3C}"/>
+              <a16:creationId xmlns:a16="http://schemas.microsoft.com/office/drawing/2014/main" id="{6FC43ADA-CF0A-6586-9420-6D4FCF87732F}"/>
             </a:ext>
           </a:extLst>
         </p:cNvPr>
@@ -4165,226 +7439,92 @@
           <a:chExt cx="0" cy="0"/>
         </a:xfrm>
       </p:grpSpPr>
-      <p:pic>
-        <p:nvPicPr>
-          <p:cNvPr id="12" name="Picture 11">
-            <a:extLst>
-              <a:ext uri="{FF2B5EF4-FFF2-40B4-BE49-F238E27FC236}">
-                <a16:creationId xmlns:a16="http://schemas.microsoft.com/office/drawing/2014/main" id="{47A7850F-6FFD-B8FE-85C3-CCF264016B45}"/>
-              </a:ext>
-            </a:extLst>
-          </p:cNvPr>
-          <p:cNvPicPr>
-            <a:picLocks noChangeAspect="1"/>
-          </p:cNvPicPr>
-          <p:nvPr/>
-        </p:nvPicPr>
-        <p:blipFill>
-          <a:blip r:embed="rId2"/>
-          <a:stretch>
-            <a:fillRect/>
-          </a:stretch>
-        </p:blipFill>
-        <p:spPr>
-          <a:xfrm>
-            <a:off x="1620652" y="476534"/>
-            <a:ext cx="8212664" cy="1360759"/>
-          </a:xfrm>
-          <a:prstGeom prst="rect">
-            <a:avLst/>
-          </a:prstGeom>
-        </p:spPr>
-      </p:pic>
-      <p:pic>
-        <p:nvPicPr>
-          <p:cNvPr id="13" name="Picture 12">
-            <a:extLst>
-              <a:ext uri="{FF2B5EF4-FFF2-40B4-BE49-F238E27FC236}">
-                <a16:creationId xmlns:a16="http://schemas.microsoft.com/office/drawing/2014/main" id="{FD5B64F8-A95F-1216-6FE1-5EA55249F167}"/>
-              </a:ext>
-            </a:extLst>
-          </p:cNvPr>
-          <p:cNvPicPr>
-            <a:picLocks noChangeAspect="1"/>
-          </p:cNvPicPr>
-          <p:nvPr/>
-        </p:nvPicPr>
-        <p:blipFill>
-          <a:blip r:embed="rId3"/>
-          <a:stretch>
-            <a:fillRect/>
-          </a:stretch>
-        </p:blipFill>
-        <p:spPr>
-          <a:xfrm>
-            <a:off x="1620651" y="3471302"/>
-            <a:ext cx="8212663" cy="1635923"/>
-          </a:xfrm>
-          <a:prstGeom prst="rect">
-            <a:avLst/>
-          </a:prstGeom>
-        </p:spPr>
-      </p:pic>
-      <p:pic>
-        <p:nvPicPr>
-          <p:cNvPr id="14" name="Picture 13">
-            <a:extLst>
-              <a:ext uri="{FF2B5EF4-FFF2-40B4-BE49-F238E27FC236}">
-                <a16:creationId xmlns:a16="http://schemas.microsoft.com/office/drawing/2014/main" id="{AF5E76CA-E763-9714-1D57-2447B5E2AEB2}"/>
-              </a:ext>
-            </a:extLst>
-          </p:cNvPr>
-          <p:cNvPicPr>
-            <a:picLocks noChangeAspect="1"/>
-          </p:cNvPicPr>
-          <p:nvPr/>
-        </p:nvPicPr>
-        <p:blipFill>
-          <a:blip r:embed="rId4"/>
-          <a:stretch>
-            <a:fillRect/>
-          </a:stretch>
-        </p:blipFill>
-        <p:spPr>
-          <a:xfrm>
-            <a:off x="1690991" y="1943161"/>
-            <a:ext cx="8212663" cy="1360759"/>
-          </a:xfrm>
-          <a:prstGeom prst="rect">
-            <a:avLst/>
-          </a:prstGeom>
-        </p:spPr>
-      </p:pic>
-      <p:pic>
-        <p:nvPicPr>
-          <p:cNvPr id="15" name="Picture 14">
-            <a:extLst>
-              <a:ext uri="{FF2B5EF4-FFF2-40B4-BE49-F238E27FC236}">
-                <a16:creationId xmlns:a16="http://schemas.microsoft.com/office/drawing/2014/main" id="{9F8AD9A3-03B1-5EFE-3010-47D542FFADD9}"/>
-              </a:ext>
-            </a:extLst>
-          </p:cNvPr>
-          <p:cNvPicPr>
-            <a:picLocks noChangeAspect="1"/>
-          </p:cNvPicPr>
-          <p:nvPr/>
-        </p:nvPicPr>
-        <p:blipFill>
-          <a:blip r:embed="rId5"/>
-          <a:stretch>
-            <a:fillRect/>
-          </a:stretch>
-        </p:blipFill>
-        <p:spPr>
-          <a:xfrm>
-            <a:off x="1620652" y="4914839"/>
-            <a:ext cx="8212663" cy="1360759"/>
-          </a:xfrm>
-          <a:prstGeom prst="rect">
-            <a:avLst/>
-          </a:prstGeom>
-        </p:spPr>
-      </p:pic>
-      <p:sp>
-        <p:nvSpPr>
-          <p:cNvPr id="16" name="TextBox 15">
-            <a:extLst>
-              <a:ext uri="{FF2B5EF4-FFF2-40B4-BE49-F238E27FC236}">
-                <a16:creationId xmlns:a16="http://schemas.microsoft.com/office/drawing/2014/main" id="{D6C2382E-E6BB-9628-9538-B16EB98F65A9}"/>
-              </a:ext>
-            </a:extLst>
-          </p:cNvPr>
-          <p:cNvSpPr txBox="1"/>
-          <p:nvPr/>
-        </p:nvSpPr>
-        <p:spPr>
-          <a:xfrm>
-            <a:off x="822960" y="932145"/>
-            <a:ext cx="471604" cy="5078313"/>
-          </a:xfrm>
-          <a:prstGeom prst="rect">
-            <a:avLst/>
-          </a:prstGeom>
-          <a:noFill/>
-        </p:spPr>
-        <p:txBody>
-          <a:bodyPr wrap="none" rtlCol="0">
-            <a:spAutoFit/>
-          </a:bodyPr>
+      <p:sp>
+        <p:nvSpPr>
+          <p:cNvPr id="2" name="Title 1">
+            <a:extLst>
+              <a:ext uri="{FF2B5EF4-FFF2-40B4-BE49-F238E27FC236}">
+                <a16:creationId xmlns:a16="http://schemas.microsoft.com/office/drawing/2014/main" id="{6C03646C-8FA4-1EC7-1478-162124F5B1BB}"/>
+              </a:ext>
+            </a:extLst>
+          </p:cNvPr>
+          <p:cNvSpPr>
+            <a:spLocks noGrp="1"/>
+          </p:cNvSpPr>
+          <p:nvPr>
+            <p:ph type="title"/>
+          </p:nvPr>
+        </p:nvSpPr>
+        <p:spPr/>
+        <p:txBody>
+          <a:bodyPr/>
           <a:lstStyle/>
           <a:p>
             <a:r>
-              <a:rPr lang="fr-FR" dirty="0"/>
-              <a:t>FR</a:t>
-            </a:r>
-          </a:p>
-          <a:p>
-            <a:endParaRPr lang="fr-FR" dirty="0"/>
-          </a:p>
-          <a:p>
-            <a:endParaRPr lang="fr-FR" dirty="0"/>
-          </a:p>
-          <a:p>
-            <a:endParaRPr lang="fr-FR" dirty="0"/>
-          </a:p>
-          <a:p>
-            <a:endParaRPr lang="fr-FR" dirty="0"/>
-          </a:p>
-          <a:p>
-            <a:endParaRPr lang="fr-FR" dirty="0"/>
-          </a:p>
-          <a:p>
-            <a:r>
-              <a:rPr lang="fr-FR" dirty="0"/>
-              <a:t>US</a:t>
-            </a:r>
-          </a:p>
-          <a:p>
-            <a:endParaRPr lang="fr-FR" dirty="0"/>
-          </a:p>
-          <a:p>
-            <a:endParaRPr lang="fr-FR" dirty="0"/>
-          </a:p>
-          <a:p>
-            <a:endParaRPr lang="fr-FR" dirty="0"/>
-          </a:p>
-          <a:p>
-            <a:endParaRPr lang="fr-FR" dirty="0"/>
-          </a:p>
-          <a:p>
-            <a:endParaRPr lang="fr-FR" dirty="0"/>
-          </a:p>
-          <a:p>
-            <a:r>
-              <a:rPr lang="fr-FR" dirty="0"/>
-              <a:t>FR</a:t>
-            </a:r>
-          </a:p>
-          <a:p>
-            <a:endParaRPr lang="fr-FR" dirty="0"/>
-          </a:p>
-          <a:p>
-            <a:endParaRPr lang="fr-FR" dirty="0"/>
-          </a:p>
-          <a:p>
-            <a:endParaRPr lang="fr-FR" dirty="0"/>
-          </a:p>
-          <a:p>
-            <a:endParaRPr lang="fr-FR" dirty="0"/>
-          </a:p>
-          <a:p>
-            <a:r>
-              <a:rPr lang="fr-FR" dirty="0"/>
-              <a:t>US</a:t>
-            </a:r>
-            <a:endParaRPr lang="en-US" dirty="0"/>
+              <a:rPr lang="en-US" dirty="0"/>
+              <a:t>Relevant Topics</a:t>
+            </a:r>
+          </a:p>
+        </p:txBody>
+      </p:sp>
+      <p:sp>
+        <p:nvSpPr>
+          <p:cNvPr id="3" name="Content Placeholder 2">
+            <a:extLst>
+              <a:ext uri="{FF2B5EF4-FFF2-40B4-BE49-F238E27FC236}">
+                <a16:creationId xmlns:a16="http://schemas.microsoft.com/office/drawing/2014/main" id="{CBF2C48F-093D-DDEE-9D70-C7996CAE5C67}"/>
+              </a:ext>
+            </a:extLst>
+          </p:cNvPr>
+          <p:cNvSpPr>
+            <a:spLocks noGrp="1"/>
+          </p:cNvSpPr>
+          <p:nvPr>
+            <p:ph idx="1"/>
+          </p:nvPr>
+        </p:nvSpPr>
+        <p:spPr/>
+        <p:txBody>
+          <a:bodyPr/>
+          <a:lstStyle/>
+          <a:p>
+            <a:r>
+              <a:rPr lang="en-US" dirty="0"/>
+              <a:t>Data Science (Math, Statistics)</a:t>
+            </a:r>
+          </a:p>
+          <a:p>
+            <a:r>
+              <a:rPr lang="en-US" dirty="0"/>
+              <a:t>Network Theory</a:t>
+            </a:r>
+          </a:p>
+          <a:p>
+            <a:r>
+              <a:rPr lang="en-US" dirty="0"/>
+              <a:t>Ecology (</a:t>
+            </a:r>
+            <a:r>
+              <a:rPr lang="en-US" dirty="0" err="1"/>
+              <a:t>polinizator</a:t>
+            </a:r>
+            <a:r>
+              <a:rPr lang="en-US" dirty="0"/>
+              <a:t>-plant bipartite networks)</a:t>
+            </a:r>
+          </a:p>
+          <a:p>
+            <a:r>
+              <a:rPr lang="en-US" dirty="0"/>
+              <a:t>Economics</a:t>
+            </a:r>
           </a:p>
         </p:txBody>
       </p:sp>
     </p:spTree>
     <p:extLst>
       <p:ext uri="{BB962C8B-B14F-4D97-AF65-F5344CB8AC3E}">
-        <p14:creationId xmlns:p14="http://schemas.microsoft.com/office/powerpoint/2010/main" val="3759488024"/>
+        <p14:creationId xmlns:p14="http://schemas.microsoft.com/office/powerpoint/2010/main" val="3477185845"/>
       </p:ext>
     </p:extLst>
   </p:cSld>
@@ -4402,7 +7542,7 @@
         <p:cNvPr id="1" name="">
           <a:extLst>
             <a:ext uri="{FF2B5EF4-FFF2-40B4-BE49-F238E27FC236}">
-              <a16:creationId xmlns:a16="http://schemas.microsoft.com/office/drawing/2014/main" id="{4B1F349B-0380-BC14-A4BC-680C566BBAF9}"/>
+              <a16:creationId xmlns:a16="http://schemas.microsoft.com/office/drawing/2014/main" id="{5F217670-5B54-94B5-E674-C7CA5D685CEE}"/>
             </a:ext>
           </a:extLst>
         </p:cNvPr>
@@ -4422,7 +7562,7 @@
           <p:cNvPr id="2" name="Title 1">
             <a:extLst>
               <a:ext uri="{FF2B5EF4-FFF2-40B4-BE49-F238E27FC236}">
-                <a16:creationId xmlns:a16="http://schemas.microsoft.com/office/drawing/2014/main" id="{C1932BBA-5984-D596-BFCB-F1C2739D9397}"/>
+                <a16:creationId xmlns:a16="http://schemas.microsoft.com/office/drawing/2014/main" id="{C8E235BB-ABF2-C796-8E63-C3FFD1590335}"/>
               </a:ext>
             </a:extLst>
           </p:cNvPr>
@@ -4439,10 +7579,9 @@
           <a:lstStyle/>
           <a:p>
             <a:r>
-              <a:rPr lang="fr-FR" dirty="0"/>
-              <a:t>VC-VC Network</a:t>
-            </a:r>
-            <a:endParaRPr lang="en-US" dirty="0"/>
+              <a:rPr lang="en-US" dirty="0"/>
+              <a:t>Methodology</a:t>
+            </a:r>
           </a:p>
         </p:txBody>
       </p:sp>
@@ -4451,7 +7590,7 @@
           <p:cNvPr id="3" name="Content Placeholder 2">
             <a:extLst>
               <a:ext uri="{FF2B5EF4-FFF2-40B4-BE49-F238E27FC236}">
-                <a16:creationId xmlns:a16="http://schemas.microsoft.com/office/drawing/2014/main" id="{6135FC92-923A-9B80-269D-08F45DB046BD}"/>
+                <a16:creationId xmlns:a16="http://schemas.microsoft.com/office/drawing/2014/main" id="{ACF049FF-E86D-C9F1-1082-EE9640B0EFDA}"/>
               </a:ext>
             </a:extLst>
           </p:cNvPr>
@@ -4462,19 +7601,254 @@
             <p:ph idx="1"/>
           </p:nvPr>
         </p:nvSpPr>
-        <p:spPr/>
+        <p:spPr>
+          <a:xfrm>
+            <a:off x="838200" y="1718945"/>
+            <a:ext cx="10515600" cy="4351338"/>
+          </a:xfrm>
+        </p:spPr>
         <p:txBody>
           <a:bodyPr/>
           <a:lstStyle/>
           <a:p>
+            <a:r>
+              <a:rPr lang="fr-FR" dirty="0"/>
+              <a:t>G</a:t>
+            </a:r>
+            <a:r>
+              <a:rPr lang="en-US" dirty="0"/>
+              <a:t>et data from Crunchbase</a:t>
+            </a:r>
+          </a:p>
+          <a:p>
+            <a:r>
+              <a:rPr lang="en-US" dirty="0"/>
+              <a:t>Clean data (Matthijs and Theo methods)</a:t>
+            </a:r>
+          </a:p>
+          <a:p>
+            <a:r>
+              <a:rPr lang="en-US" dirty="0"/>
+              <a:t>Build network (Acc-VC and VC-VC) and get metrics</a:t>
+            </a:r>
+          </a:p>
+          <a:p>
+            <a:r>
+              <a:rPr lang="en-US" dirty="0"/>
+              <a:t>Analyze results through economics and ecology lenses</a:t>
+            </a:r>
+          </a:p>
+        </p:txBody>
+      </p:sp>
+      <p:sp>
+        <p:nvSpPr>
+          <p:cNvPr id="4" name="Left Brace 3">
+            <a:extLst>
+              <a:ext uri="{FF2B5EF4-FFF2-40B4-BE49-F238E27FC236}">
+                <a16:creationId xmlns:a16="http://schemas.microsoft.com/office/drawing/2014/main" id="{3E1891D5-B20B-D063-3541-54194E9A7C6F}"/>
+              </a:ext>
+            </a:extLst>
+          </p:cNvPr>
+          <p:cNvSpPr/>
+          <p:nvPr/>
+        </p:nvSpPr>
+        <p:spPr>
+          <a:xfrm rot="19845562">
+            <a:off x="8552084" y="1370302"/>
+            <a:ext cx="184039" cy="1682688"/>
+          </a:xfrm>
+          <a:prstGeom prst="leftBrace">
+            <a:avLst>
+              <a:gd name="adj1" fmla="val 8333"/>
+              <a:gd name="adj2" fmla="val 93299"/>
+            </a:avLst>
+          </a:prstGeom>
+        </p:spPr>
+        <p:style>
+          <a:lnRef idx="2">
+            <a:schemeClr val="accent1"/>
+          </a:lnRef>
+          <a:fillRef idx="0">
+            <a:schemeClr val="accent1"/>
+          </a:fillRef>
+          <a:effectRef idx="1">
+            <a:schemeClr val="accent1"/>
+          </a:effectRef>
+          <a:fontRef idx="minor">
+            <a:schemeClr val="tx1"/>
+          </a:fontRef>
+        </p:style>
+        <p:txBody>
+          <a:bodyPr rtlCol="0" anchor="ctr"/>
+          <a:lstStyle/>
+          <a:p>
+            <a:pPr algn="ctr"/>
             <a:endParaRPr lang="en-US"/>
           </a:p>
         </p:txBody>
       </p:sp>
+      <p:sp>
+        <p:nvSpPr>
+          <p:cNvPr id="5" name="TextBox 4">
+            <a:extLst>
+              <a:ext uri="{FF2B5EF4-FFF2-40B4-BE49-F238E27FC236}">
+                <a16:creationId xmlns:a16="http://schemas.microsoft.com/office/drawing/2014/main" id="{50F0F4B4-69B8-4A08-1A75-D1D25A350F16}"/>
+              </a:ext>
+            </a:extLst>
+          </p:cNvPr>
+          <p:cNvSpPr txBox="1"/>
+          <p:nvPr/>
+        </p:nvSpPr>
+        <p:spPr>
+          <a:xfrm>
+            <a:off x="8447906" y="1350035"/>
+            <a:ext cx="3483454" cy="1477328"/>
+          </a:xfrm>
+          <a:prstGeom prst="rect">
+            <a:avLst/>
+          </a:prstGeom>
+          <a:noFill/>
+        </p:spPr>
+        <p:txBody>
+          <a:bodyPr wrap="none" rtlCol="0">
+            <a:spAutoFit/>
+          </a:bodyPr>
+          <a:lstStyle/>
+          <a:p>
+            <a:r>
+              <a:rPr lang="fr-FR" dirty="0" err="1"/>
+              <a:t>Number</a:t>
+            </a:r>
+            <a:r>
+              <a:rPr lang="fr-FR" dirty="0"/>
+              <a:t> of </a:t>
+            </a:r>
+            <a:r>
+              <a:rPr lang="fr-FR" dirty="0" err="1"/>
+              <a:t>edges</a:t>
+            </a:r>
+            <a:endParaRPr lang="fr-FR" dirty="0"/>
+          </a:p>
+          <a:p>
+            <a:r>
+              <a:rPr lang="fr-FR" dirty="0"/>
+              <a:t>   </a:t>
+            </a:r>
+            <a:r>
+              <a:rPr lang="fr-FR" dirty="0" err="1"/>
+              <a:t>Number</a:t>
+            </a:r>
+            <a:r>
+              <a:rPr lang="fr-FR" dirty="0"/>
+              <a:t> of </a:t>
+            </a:r>
+            <a:r>
+              <a:rPr lang="fr-FR" dirty="0" err="1"/>
+              <a:t>nodes</a:t>
+            </a:r>
+            <a:endParaRPr lang="fr-FR" dirty="0"/>
+          </a:p>
+          <a:p>
+            <a:r>
+              <a:rPr lang="fr-FR" dirty="0"/>
+              <a:t>      </a:t>
+            </a:r>
+            <a:r>
+              <a:rPr lang="fr-FR" dirty="0" err="1"/>
+              <a:t>Connectance</a:t>
+            </a:r>
+            <a:r>
+              <a:rPr lang="fr-FR" dirty="0"/>
+              <a:t> / </a:t>
+            </a:r>
+            <a:r>
+              <a:rPr lang="fr-FR" dirty="0" err="1"/>
+              <a:t>density</a:t>
+            </a:r>
+            <a:endParaRPr lang="fr-FR" dirty="0"/>
+          </a:p>
+          <a:p>
+            <a:r>
+              <a:rPr lang="fr-FR" dirty="0"/>
+              <a:t>         </a:t>
+            </a:r>
+            <a:r>
+              <a:rPr lang="fr-FR" dirty="0" err="1"/>
+              <a:t>Modularity</a:t>
+            </a:r>
+            <a:r>
+              <a:rPr lang="fr-FR" dirty="0"/>
+              <a:t> / components</a:t>
+            </a:r>
+          </a:p>
+          <a:p>
+            <a:r>
+              <a:rPr lang="fr-FR" dirty="0"/>
+              <a:t>            </a:t>
+            </a:r>
+            <a:r>
+              <a:rPr lang="fr-FR" dirty="0" err="1"/>
+              <a:t>Nestedness</a:t>
+            </a:r>
+            <a:r>
+              <a:rPr lang="fr-FR" dirty="0"/>
+              <a:t> (bipartite case)</a:t>
+            </a:r>
+            <a:endParaRPr lang="en-US" dirty="0"/>
+          </a:p>
+        </p:txBody>
+      </p:sp>
+      <p:pic>
+        <p:nvPicPr>
+          <p:cNvPr id="1032" name="Picture 8">
+            <a:extLst>
+              <a:ext uri="{FF2B5EF4-FFF2-40B4-BE49-F238E27FC236}">
+                <a16:creationId xmlns:a16="http://schemas.microsoft.com/office/drawing/2014/main" id="{C3E92E23-71BC-3797-D171-63A75B00FF60}"/>
+              </a:ext>
+            </a:extLst>
+          </p:cNvPr>
+          <p:cNvPicPr>
+            <a:picLocks noChangeAspect="1" noChangeArrowheads="1"/>
+          </p:cNvPicPr>
+          <p:nvPr/>
+        </p:nvPicPr>
+        <p:blipFill>
+          <a:blip r:embed="rId2">
+            <a:extLst>
+              <a:ext uri="{28A0092B-C50C-407E-A947-70E740481C1C}">
+                <a14:useLocalDpi xmlns:a14="http://schemas.microsoft.com/office/drawing/2010/main" val="0"/>
+              </a:ext>
+            </a:extLst>
+          </a:blip>
+          <a:srcRect/>
+          <a:stretch>
+            <a:fillRect/>
+          </a:stretch>
+        </p:blipFill>
+        <p:spPr bwMode="auto">
+          <a:xfrm>
+            <a:off x="2194116" y="4129088"/>
+            <a:ext cx="7465341" cy="2101024"/>
+          </a:xfrm>
+          <a:prstGeom prst="rect">
+            <a:avLst/>
+          </a:prstGeom>
+          <a:noFill/>
+          <a:extLst>
+            <a:ext uri="{909E8E84-426E-40DD-AFC4-6F175D3DCCD1}">
+              <a14:hiddenFill xmlns:a14="http://schemas.microsoft.com/office/drawing/2010/main">
+                <a:solidFill>
+                  <a:srgbClr val="FFFFFF"/>
+                </a:solidFill>
+              </a14:hiddenFill>
+            </a:ext>
+          </a:extLst>
+        </p:spPr>
+      </p:pic>
     </p:spTree>
     <p:extLst>
       <p:ext uri="{BB962C8B-B14F-4D97-AF65-F5344CB8AC3E}">
-        <p14:creationId xmlns:p14="http://schemas.microsoft.com/office/powerpoint/2010/main" val="838521924"/>
+        <p14:creationId xmlns:p14="http://schemas.microsoft.com/office/powerpoint/2010/main" val="2159086700"/>
       </p:ext>
     </p:extLst>
   </p:cSld>
@@ -4489,13 +7863,7 @@
   <p:cSld>
     <p:spTree>
       <p:nvGrpSpPr>
-        <p:cNvPr id="1" name="">
-          <a:extLst>
-            <a:ext uri="{FF2B5EF4-FFF2-40B4-BE49-F238E27FC236}">
-              <a16:creationId xmlns:a16="http://schemas.microsoft.com/office/drawing/2014/main" id="{CA8FE13A-E626-7555-F8EF-2F8566F55177}"/>
-            </a:ext>
-          </a:extLst>
-        </p:cNvPr>
+        <p:cNvPr id="1" name=""/>
         <p:cNvGrpSpPr/>
         <p:nvPr/>
       </p:nvGrpSpPr>
@@ -4512,7 +7880,7 @@
           <p:cNvPr id="2" name="Title 1">
             <a:extLst>
               <a:ext uri="{FF2B5EF4-FFF2-40B4-BE49-F238E27FC236}">
-                <a16:creationId xmlns:a16="http://schemas.microsoft.com/office/drawing/2014/main" id="{AF502636-7BF3-B9DB-CFF0-D03094FE1F25}"/>
+                <a16:creationId xmlns:a16="http://schemas.microsoft.com/office/drawing/2014/main" id="{B6041DCB-CC07-D70E-8B04-A5BE40F3BBB9}"/>
               </a:ext>
             </a:extLst>
           </p:cNvPr>
@@ -4523,242 +7891,118 @@
             <p:ph type="title"/>
           </p:nvPr>
         </p:nvSpPr>
-        <p:spPr>
+        <p:spPr/>
+        <p:txBody>
+          <a:bodyPr/>
+          <a:lstStyle/>
+          <a:p>
+            <a:r>
+              <a:rPr lang="fr-FR" dirty="0" err="1"/>
+              <a:t>Metodology</a:t>
+            </a:r>
+            <a:endParaRPr lang="en-US" dirty="0"/>
+          </a:p>
+        </p:txBody>
+      </p:sp>
+      <p:pic>
+        <p:nvPicPr>
+          <p:cNvPr id="2062" name="Picture 14">
+            <a:extLst>
+              <a:ext uri="{FF2B5EF4-FFF2-40B4-BE49-F238E27FC236}">
+                <a16:creationId xmlns:a16="http://schemas.microsoft.com/office/drawing/2014/main" id="{D2262F50-CD46-F8AF-B1ED-C256099A997A}"/>
+              </a:ext>
+            </a:extLst>
+          </p:cNvPr>
+          <p:cNvPicPr>
+            <a:picLocks noChangeAspect="1" noChangeArrowheads="1"/>
+          </p:cNvPicPr>
+          <p:nvPr/>
+        </p:nvPicPr>
+        <p:blipFill>
+          <a:blip r:embed="rId2">
+            <a:extLst>
+              <a:ext uri="{28A0092B-C50C-407E-A947-70E740481C1C}">
+                <a14:useLocalDpi xmlns:a14="http://schemas.microsoft.com/office/drawing/2010/main" val="0"/>
+              </a:ext>
+            </a:extLst>
+          </a:blip>
+          <a:srcRect/>
+          <a:stretch>
+            <a:fillRect/>
+          </a:stretch>
+        </p:blipFill>
+        <p:spPr bwMode="auto">
           <a:xfrm>
-            <a:off x="510278" y="5674"/>
-            <a:ext cx="10515600" cy="1325563"/>
-          </a:xfrm>
-        </p:spPr>
-        <p:txBody>
-          <a:bodyPr>
-            <a:normAutofit/>
-          </a:bodyPr>
-          <a:lstStyle/>
-          <a:p>
-            <a:r>
-              <a:rPr lang="fr-FR" sz="3200" dirty="0"/>
-              <a:t>France – Time </a:t>
-            </a:r>
-            <a:r>
-              <a:rPr lang="fr-FR" sz="3200" dirty="0" err="1"/>
-              <a:t>Series</a:t>
-            </a:r>
-            <a:r>
-              <a:rPr lang="fr-FR" sz="3200" dirty="0"/>
-              <a:t> </a:t>
-            </a:r>
-            <a:r>
-              <a:rPr lang="fr-FR" sz="3200" dirty="0" err="1"/>
-              <a:t>Analysis</a:t>
-            </a:r>
-            <a:endParaRPr lang="en-US" sz="3200" dirty="0"/>
-          </a:p>
-        </p:txBody>
-      </p:sp>
-      <p:sp>
-        <p:nvSpPr>
-          <p:cNvPr id="8" name="TextBox 7">
-            <a:extLst>
-              <a:ext uri="{FF2B5EF4-FFF2-40B4-BE49-F238E27FC236}">
-                <a16:creationId xmlns:a16="http://schemas.microsoft.com/office/drawing/2014/main" id="{5BDA2F71-1867-C5D0-8A5C-D4ADF8C3CA0E}"/>
-              </a:ext>
-            </a:extLst>
-          </p:cNvPr>
-          <p:cNvSpPr txBox="1"/>
-          <p:nvPr/>
-        </p:nvSpPr>
-        <p:spPr>
-          <a:xfrm>
-            <a:off x="579643" y="3779687"/>
-            <a:ext cx="2193999" cy="369332"/>
+            <a:off x="938674" y="2031222"/>
+            <a:ext cx="10110807" cy="4291012"/>
           </a:xfrm>
           <a:prstGeom prst="rect">
             <a:avLst/>
           </a:prstGeom>
           <a:noFill/>
+          <a:extLst>
+            <a:ext uri="{909E8E84-426E-40DD-AFC4-6F175D3DCCD1}">
+              <a14:hiddenFill xmlns:a14="http://schemas.microsoft.com/office/drawing/2010/main">
+                <a:solidFill>
+                  <a:srgbClr val="FFFFFF"/>
+                </a:solidFill>
+              </a14:hiddenFill>
+            </a:ext>
+          </a:extLst>
         </p:spPr>
-        <p:txBody>
-          <a:bodyPr wrap="none" rtlCol="0">
-            <a:spAutoFit/>
+      </p:pic>
+      <p:sp>
+        <p:nvSpPr>
+          <p:cNvPr id="18" name="Content Placeholder 2">
+            <a:extLst>
+              <a:ext uri="{FF2B5EF4-FFF2-40B4-BE49-F238E27FC236}">
+                <a16:creationId xmlns:a16="http://schemas.microsoft.com/office/drawing/2014/main" id="{68FD160D-BC19-F1A3-4B0A-B1A931740493}"/>
+              </a:ext>
+            </a:extLst>
+          </p:cNvPr>
+          <p:cNvSpPr>
+            <a:spLocks noGrp="1"/>
+          </p:cNvSpPr>
+          <p:nvPr>
+            <p:ph idx="1"/>
+          </p:nvPr>
+        </p:nvSpPr>
+        <p:spPr>
+          <a:xfrm>
+            <a:off x="838200" y="1554983"/>
+            <a:ext cx="10515600" cy="475616"/>
+          </a:xfrm>
+        </p:spPr>
+        <p:txBody>
+          <a:bodyPr>
+            <a:normAutofit lnSpcReduction="10000"/>
           </a:bodyPr>
           <a:lstStyle/>
           <a:p>
-            <a:r>
-              <a:rPr lang="fr-FR" dirty="0"/>
-              <a:t>Cumulative </a:t>
-            </a:r>
-            <a:r>
-              <a:rPr lang="fr-FR" dirty="0" err="1"/>
-              <a:t>analysis</a:t>
+            <a:pPr>
+              <a:buFont typeface="Wingdings" panose="05000000000000000000" pitchFamily="2" charset="2"/>
+              <a:buChar char="Ø"/>
+            </a:pPr>
+            <a:r>
+              <a:rPr lang="fr-FR" dirty="0"/>
+              <a:t> 3 distinct </a:t>
+            </a:r>
+            <a:r>
+              <a:rPr lang="fr-FR" dirty="0" err="1"/>
+              <a:t>approaches</a:t>
+            </a:r>
+            <a:r>
+              <a:rPr lang="fr-FR" dirty="0"/>
+              <a:t>…</a:t>
             </a:r>
             <a:endParaRPr lang="en-US" dirty="0"/>
           </a:p>
         </p:txBody>
       </p:sp>
-      <p:sp>
-        <p:nvSpPr>
-          <p:cNvPr id="9" name="TextBox 8">
-            <a:extLst>
-              <a:ext uri="{FF2B5EF4-FFF2-40B4-BE49-F238E27FC236}">
-                <a16:creationId xmlns:a16="http://schemas.microsoft.com/office/drawing/2014/main" id="{4F30CA45-2B7C-0743-EDA5-9FDD94EDF59C}"/>
-              </a:ext>
-            </a:extLst>
-          </p:cNvPr>
-          <p:cNvSpPr txBox="1"/>
-          <p:nvPr/>
-        </p:nvSpPr>
-        <p:spPr>
-          <a:xfrm>
-            <a:off x="579643" y="1318553"/>
-            <a:ext cx="1996316" cy="369332"/>
-          </a:xfrm>
-          <a:prstGeom prst="rect">
-            <a:avLst/>
-          </a:prstGeom>
-          <a:noFill/>
-        </p:spPr>
-        <p:txBody>
-          <a:bodyPr wrap="none" rtlCol="0">
-            <a:spAutoFit/>
-          </a:bodyPr>
-          <a:lstStyle/>
-          <a:p>
-            <a:r>
-              <a:rPr lang="fr-FR" dirty="0"/>
-              <a:t>Snapshot </a:t>
-            </a:r>
-            <a:r>
-              <a:rPr lang="fr-FR" dirty="0" err="1"/>
-              <a:t>analysis</a:t>
-            </a:r>
-            <a:endParaRPr lang="en-US" dirty="0"/>
-          </a:p>
-        </p:txBody>
-      </p:sp>
-      <p:pic>
-        <p:nvPicPr>
-          <p:cNvPr id="4" name="Picture 3">
-            <a:extLst>
-              <a:ext uri="{FF2B5EF4-FFF2-40B4-BE49-F238E27FC236}">
-                <a16:creationId xmlns:a16="http://schemas.microsoft.com/office/drawing/2014/main" id="{B68177EB-8C05-7AB9-E71F-47E508F98070}"/>
-              </a:ext>
-            </a:extLst>
-          </p:cNvPr>
-          <p:cNvPicPr>
-            <a:picLocks noChangeAspect="1"/>
-          </p:cNvPicPr>
-          <p:nvPr/>
-        </p:nvPicPr>
-        <p:blipFill>
-          <a:blip r:embed="rId2"/>
-          <a:stretch>
-            <a:fillRect/>
-          </a:stretch>
-        </p:blipFill>
-        <p:spPr>
-          <a:xfrm>
-            <a:off x="510278" y="1803547"/>
-            <a:ext cx="8380949" cy="2087331"/>
-          </a:xfrm>
-          <a:prstGeom prst="rect">
-            <a:avLst/>
-          </a:prstGeom>
-        </p:spPr>
-      </p:pic>
-      <p:pic>
-        <p:nvPicPr>
-          <p:cNvPr id="10" name="Picture 9">
-            <a:extLst>
-              <a:ext uri="{FF2B5EF4-FFF2-40B4-BE49-F238E27FC236}">
-                <a16:creationId xmlns:a16="http://schemas.microsoft.com/office/drawing/2014/main" id="{13FF64A2-96FF-5B80-D2CF-6D2F306CCEA9}"/>
-              </a:ext>
-            </a:extLst>
-          </p:cNvPr>
-          <p:cNvPicPr>
-            <a:picLocks noChangeAspect="1"/>
-          </p:cNvPicPr>
-          <p:nvPr/>
-        </p:nvPicPr>
-        <p:blipFill>
-          <a:blip r:embed="rId3"/>
-          <a:stretch>
-            <a:fillRect/>
-          </a:stretch>
-        </p:blipFill>
-        <p:spPr>
-          <a:xfrm>
-            <a:off x="9162392" y="1830474"/>
-            <a:ext cx="2721130" cy="2227530"/>
-          </a:xfrm>
-          <a:prstGeom prst="rect">
-            <a:avLst/>
-          </a:prstGeom>
-        </p:spPr>
-      </p:pic>
-      <p:pic>
-        <p:nvPicPr>
-          <p:cNvPr id="14" name="Picture 13">
-            <a:extLst>
-              <a:ext uri="{FF2B5EF4-FFF2-40B4-BE49-F238E27FC236}">
-                <a16:creationId xmlns:a16="http://schemas.microsoft.com/office/drawing/2014/main" id="{BB6EB89D-93DD-0CE0-6DE2-F6A27A3DC375}"/>
-              </a:ext>
-            </a:extLst>
-          </p:cNvPr>
-          <p:cNvPicPr>
-            <a:picLocks noChangeAspect="1"/>
-          </p:cNvPicPr>
-          <p:nvPr/>
-        </p:nvPicPr>
-        <p:blipFill>
-          <a:blip r:embed="rId4"/>
-          <a:stretch>
-            <a:fillRect/>
-          </a:stretch>
-        </p:blipFill>
-        <p:spPr>
-          <a:xfrm>
-            <a:off x="671086" y="4408008"/>
-            <a:ext cx="8059332" cy="2007230"/>
-          </a:xfrm>
-          <a:prstGeom prst="rect">
-            <a:avLst/>
-          </a:prstGeom>
-        </p:spPr>
-      </p:pic>
-      <p:pic>
-        <p:nvPicPr>
-          <p:cNvPr id="16" name="Picture 15">
-            <a:extLst>
-              <a:ext uri="{FF2B5EF4-FFF2-40B4-BE49-F238E27FC236}">
-                <a16:creationId xmlns:a16="http://schemas.microsoft.com/office/drawing/2014/main" id="{71CBAA55-F60A-AF79-7D0B-7413FFC213A7}"/>
-              </a:ext>
-            </a:extLst>
-          </p:cNvPr>
-          <p:cNvPicPr>
-            <a:picLocks noChangeAspect="1"/>
-          </p:cNvPicPr>
-          <p:nvPr/>
-        </p:nvPicPr>
-        <p:blipFill>
-          <a:blip r:embed="rId5"/>
-          <a:stretch>
-            <a:fillRect/>
-          </a:stretch>
-        </p:blipFill>
-        <p:spPr>
-          <a:xfrm>
-            <a:off x="9086716" y="4377294"/>
-            <a:ext cx="2642829" cy="2163432"/>
-          </a:xfrm>
-          <a:prstGeom prst="rect">
-            <a:avLst/>
-          </a:prstGeom>
-        </p:spPr>
-      </p:pic>
     </p:spTree>
     <p:extLst>
       <p:ext uri="{BB962C8B-B14F-4D97-AF65-F5344CB8AC3E}">
-        <p14:creationId xmlns:p14="http://schemas.microsoft.com/office/powerpoint/2010/main" val="445781507"/>
+        <p14:creationId xmlns:p14="http://schemas.microsoft.com/office/powerpoint/2010/main" val="691122038"/>
       </p:ext>
     </p:extLst>
   </p:cSld>
@@ -4776,7 +8020,7 @@
         <p:cNvPr id="1" name="">
           <a:extLst>
             <a:ext uri="{FF2B5EF4-FFF2-40B4-BE49-F238E27FC236}">
-              <a16:creationId xmlns:a16="http://schemas.microsoft.com/office/drawing/2014/main" id="{8407AB0E-0CD1-FF44-0E52-87DA1C69522D}"/>
+              <a16:creationId xmlns:a16="http://schemas.microsoft.com/office/drawing/2014/main" id="{EBFCAC7C-BCD3-433E-D578-F12612AC16EF}"/>
             </a:ext>
           </a:extLst>
         </p:cNvPr>
@@ -4796,7 +8040,7 @@
           <p:cNvPr id="2" name="Title 1">
             <a:extLst>
               <a:ext uri="{FF2B5EF4-FFF2-40B4-BE49-F238E27FC236}">
-                <a16:creationId xmlns:a16="http://schemas.microsoft.com/office/drawing/2014/main" id="{E4086016-9F03-1D9A-8F75-BED9A8E3F801}"/>
+                <a16:creationId xmlns:a16="http://schemas.microsoft.com/office/drawing/2014/main" id="{558ED60F-3443-CFBE-8202-298D3A16DCE3}"/>
               </a:ext>
             </a:extLst>
           </p:cNvPr>
@@ -4807,242 +8051,27 @@
             <p:ph type="title"/>
           </p:nvPr>
         </p:nvSpPr>
-        <p:spPr>
-          <a:xfrm>
-            <a:off x="510278" y="5674"/>
-            <a:ext cx="10515600" cy="1325563"/>
-          </a:xfrm>
-        </p:spPr>
-        <p:txBody>
-          <a:bodyPr>
-            <a:normAutofit/>
-          </a:bodyPr>
+        <p:spPr/>
+        <p:txBody>
+          <a:bodyPr/>
           <a:lstStyle/>
           <a:p>
             <a:r>
-              <a:rPr lang="fr-FR" sz="3200" dirty="0"/>
-              <a:t>US – Time </a:t>
-            </a:r>
-            <a:r>
-              <a:rPr lang="fr-FR" sz="3200" dirty="0" err="1"/>
-              <a:t>Series</a:t>
-            </a:r>
-            <a:r>
-              <a:rPr lang="fr-FR" sz="3200" dirty="0"/>
-              <a:t> </a:t>
-            </a:r>
-            <a:r>
-              <a:rPr lang="fr-FR" sz="3200" dirty="0" err="1"/>
-              <a:t>Analysis</a:t>
-            </a:r>
-            <a:endParaRPr lang="en-US" sz="3200" dirty="0"/>
-          </a:p>
-        </p:txBody>
-      </p:sp>
-      <p:sp>
-        <p:nvSpPr>
-          <p:cNvPr id="8" name="TextBox 7">
-            <a:extLst>
-              <a:ext uri="{FF2B5EF4-FFF2-40B4-BE49-F238E27FC236}">
-                <a16:creationId xmlns:a16="http://schemas.microsoft.com/office/drawing/2014/main" id="{FE8CA1CC-F2EF-EDB7-40D7-B47496B60DCE}"/>
-              </a:ext>
-            </a:extLst>
-          </p:cNvPr>
-          <p:cNvSpPr txBox="1"/>
-          <p:nvPr/>
-        </p:nvSpPr>
-        <p:spPr>
-          <a:xfrm>
-            <a:off x="579643" y="3779687"/>
-            <a:ext cx="2193999" cy="369332"/>
-          </a:xfrm>
-          <a:prstGeom prst="rect">
-            <a:avLst/>
-          </a:prstGeom>
-          <a:noFill/>
-        </p:spPr>
-        <p:txBody>
-          <a:bodyPr wrap="none" rtlCol="0">
-            <a:spAutoFit/>
-          </a:bodyPr>
-          <a:lstStyle/>
-          <a:p>
-            <a:r>
-              <a:rPr lang="fr-FR" dirty="0"/>
-              <a:t>Cumulative </a:t>
-            </a:r>
-            <a:r>
-              <a:rPr lang="fr-FR" dirty="0" err="1"/>
-              <a:t>analysis</a:t>
+              <a:rPr lang="fr-FR" dirty="0" err="1"/>
+              <a:t>Results</a:t>
+            </a:r>
+            <a:r>
+              <a:rPr lang="fr-FR" dirty="0"/>
+              <a:t> – ACC-VC Network</a:t>
             </a:r>
             <a:endParaRPr lang="en-US" dirty="0"/>
           </a:p>
         </p:txBody>
       </p:sp>
-      <p:sp>
-        <p:nvSpPr>
-          <p:cNvPr id="9" name="TextBox 8">
-            <a:extLst>
-              <a:ext uri="{FF2B5EF4-FFF2-40B4-BE49-F238E27FC236}">
-                <a16:creationId xmlns:a16="http://schemas.microsoft.com/office/drawing/2014/main" id="{B85352B2-05C2-A517-FF87-1D16CAB58EDE}"/>
-              </a:ext>
-            </a:extLst>
-          </p:cNvPr>
-          <p:cNvSpPr txBox="1"/>
-          <p:nvPr/>
-        </p:nvSpPr>
-        <p:spPr>
-          <a:xfrm>
-            <a:off x="579643" y="1318553"/>
-            <a:ext cx="1996316" cy="369332"/>
-          </a:xfrm>
-          <a:prstGeom prst="rect">
-            <a:avLst/>
-          </a:prstGeom>
-          <a:noFill/>
-        </p:spPr>
-        <p:txBody>
-          <a:bodyPr wrap="none" rtlCol="0">
-            <a:spAutoFit/>
-          </a:bodyPr>
-          <a:lstStyle/>
-          <a:p>
-            <a:r>
-              <a:rPr lang="fr-FR" dirty="0"/>
-              <a:t>Snapshot </a:t>
-            </a:r>
-            <a:r>
-              <a:rPr lang="fr-FR" dirty="0" err="1"/>
-              <a:t>analysis</a:t>
-            </a:r>
-            <a:endParaRPr lang="en-US" dirty="0"/>
-          </a:p>
-        </p:txBody>
-      </p:sp>
-      <p:pic>
-        <p:nvPicPr>
-          <p:cNvPr id="5" name="Picture 4">
-            <a:extLst>
-              <a:ext uri="{FF2B5EF4-FFF2-40B4-BE49-F238E27FC236}">
-                <a16:creationId xmlns:a16="http://schemas.microsoft.com/office/drawing/2014/main" id="{EB0D9C49-D2CB-D052-9CB4-174F9111B834}"/>
-              </a:ext>
-            </a:extLst>
-          </p:cNvPr>
-          <p:cNvPicPr>
-            <a:picLocks noChangeAspect="1"/>
-          </p:cNvPicPr>
-          <p:nvPr/>
-        </p:nvPicPr>
-        <p:blipFill>
-          <a:blip r:embed="rId2"/>
-          <a:stretch>
-            <a:fillRect/>
-          </a:stretch>
-        </p:blipFill>
-        <p:spPr>
-          <a:xfrm>
-            <a:off x="407373" y="2114944"/>
-            <a:ext cx="7113401" cy="1771639"/>
-          </a:xfrm>
-          <a:prstGeom prst="rect">
-            <a:avLst/>
-          </a:prstGeom>
-        </p:spPr>
-      </p:pic>
-      <p:pic>
-        <p:nvPicPr>
-          <p:cNvPr id="7" name="Picture 6">
-            <a:extLst>
-              <a:ext uri="{FF2B5EF4-FFF2-40B4-BE49-F238E27FC236}">
-                <a16:creationId xmlns:a16="http://schemas.microsoft.com/office/drawing/2014/main" id="{7066C900-BB8B-27D8-BD32-E3A4898B05D9}"/>
-              </a:ext>
-            </a:extLst>
-          </p:cNvPr>
-          <p:cNvPicPr>
-            <a:picLocks noChangeAspect="1"/>
-          </p:cNvPicPr>
-          <p:nvPr/>
-        </p:nvPicPr>
-        <p:blipFill>
-          <a:blip r:embed="rId3"/>
-          <a:stretch>
-            <a:fillRect/>
-          </a:stretch>
-        </p:blipFill>
-        <p:spPr>
-          <a:xfrm>
-            <a:off x="8189033" y="1404054"/>
-            <a:ext cx="3149327" cy="2610431"/>
-          </a:xfrm>
-          <a:prstGeom prst="rect">
-            <a:avLst/>
-          </a:prstGeom>
-        </p:spPr>
-      </p:pic>
-      <p:pic>
-        <p:nvPicPr>
-          <p:cNvPr id="12" name="Picture 11">
-            <a:extLst>
-              <a:ext uri="{FF2B5EF4-FFF2-40B4-BE49-F238E27FC236}">
-                <a16:creationId xmlns:a16="http://schemas.microsoft.com/office/drawing/2014/main" id="{0C83AA4A-EA50-407F-ED03-AE6A11F83F00}"/>
-              </a:ext>
-            </a:extLst>
-          </p:cNvPr>
-          <p:cNvPicPr>
-            <a:picLocks noChangeAspect="1"/>
-          </p:cNvPicPr>
-          <p:nvPr/>
-        </p:nvPicPr>
-        <p:blipFill>
-          <a:blip r:embed="rId4"/>
-          <a:stretch>
-            <a:fillRect/>
-          </a:stretch>
-        </p:blipFill>
-        <p:spPr>
-          <a:xfrm>
-            <a:off x="176047" y="4363993"/>
-            <a:ext cx="8230128" cy="2049768"/>
-          </a:xfrm>
-          <a:prstGeom prst="rect">
-            <a:avLst/>
-          </a:prstGeom>
-        </p:spPr>
-      </p:pic>
-      <p:pic>
-        <p:nvPicPr>
-          <p:cNvPr id="15" name="Picture 14">
-            <a:extLst>
-              <a:ext uri="{FF2B5EF4-FFF2-40B4-BE49-F238E27FC236}">
-                <a16:creationId xmlns:a16="http://schemas.microsoft.com/office/drawing/2014/main" id="{7DECD30B-2298-A400-8596-CBA8D2B4E45E}"/>
-              </a:ext>
-            </a:extLst>
-          </p:cNvPr>
-          <p:cNvPicPr>
-            <a:picLocks noChangeAspect="1"/>
-          </p:cNvPicPr>
-          <p:nvPr/>
-        </p:nvPicPr>
-        <p:blipFill>
-          <a:blip r:embed="rId5"/>
-          <a:stretch>
-            <a:fillRect/>
-          </a:stretch>
-        </p:blipFill>
-        <p:spPr>
-          <a:xfrm>
-            <a:off x="8504291" y="3613456"/>
-            <a:ext cx="3744465" cy="3118419"/>
-          </a:xfrm>
-          <a:prstGeom prst="rect">
-            <a:avLst/>
-          </a:prstGeom>
-        </p:spPr>
-      </p:pic>
     </p:spTree>
     <p:extLst>
       <p:ext uri="{BB962C8B-B14F-4D97-AF65-F5344CB8AC3E}">
-        <p14:creationId xmlns:p14="http://schemas.microsoft.com/office/powerpoint/2010/main" val="2486683279"/>
+        <p14:creationId xmlns:p14="http://schemas.microsoft.com/office/powerpoint/2010/main" val="1435695266"/>
       </p:ext>
     </p:extLst>
   </p:cSld>
@@ -5060,7 +8089,7 @@
         <p:cNvPr id="1" name="">
           <a:extLst>
             <a:ext uri="{FF2B5EF4-FFF2-40B4-BE49-F238E27FC236}">
-              <a16:creationId xmlns:a16="http://schemas.microsoft.com/office/drawing/2014/main" id="{9D4E3D0D-4D68-90F5-4042-534209BC7F56}"/>
+              <a16:creationId xmlns:a16="http://schemas.microsoft.com/office/drawing/2014/main" id="{C9D2344C-BA17-DD66-CEF6-DF07715D9BDF}"/>
             </a:ext>
           </a:extLst>
         </p:cNvPr>
@@ -5077,95 +8106,33 @@
       </p:grpSpPr>
       <p:sp>
         <p:nvSpPr>
-          <p:cNvPr id="16" name="TextBox 15">
-            <a:extLst>
-              <a:ext uri="{FF2B5EF4-FFF2-40B4-BE49-F238E27FC236}">
-                <a16:creationId xmlns:a16="http://schemas.microsoft.com/office/drawing/2014/main" id="{94D7090B-9951-D565-84B0-681891B044AA}"/>
-              </a:ext>
-            </a:extLst>
-          </p:cNvPr>
-          <p:cNvSpPr txBox="1"/>
-          <p:nvPr/>
+          <p:cNvPr id="2" name="Title 1">
+            <a:extLst>
+              <a:ext uri="{FF2B5EF4-FFF2-40B4-BE49-F238E27FC236}">
+                <a16:creationId xmlns:a16="http://schemas.microsoft.com/office/drawing/2014/main" id="{89259CC8-2148-EB83-B1F7-C5FE1EB3FF7C}"/>
+              </a:ext>
+            </a:extLst>
+          </p:cNvPr>
+          <p:cNvSpPr>
+            <a:spLocks noGrp="1"/>
+          </p:cNvSpPr>
+          <p:nvPr>
+            <p:ph type="title"/>
+          </p:nvPr>
         </p:nvSpPr>
         <p:spPr>
           <a:xfrm>
-            <a:off x="822960" y="932145"/>
-            <a:ext cx="471604" cy="5078313"/>
+            <a:off x="768834" y="365125"/>
+            <a:ext cx="10515600" cy="1325563"/>
           </a:xfrm>
-          <a:prstGeom prst="rect">
-            <a:avLst/>
-          </a:prstGeom>
-          <a:noFill/>
         </p:spPr>
         <p:txBody>
-          <a:bodyPr wrap="none" rtlCol="0">
-            <a:spAutoFit/>
-          </a:bodyPr>
+          <a:bodyPr/>
           <a:lstStyle/>
           <a:p>
             <a:r>
               <a:rPr lang="fr-FR" dirty="0"/>
-              <a:t>FR</a:t>
-            </a:r>
-          </a:p>
-          <a:p>
-            <a:endParaRPr lang="fr-FR" dirty="0"/>
-          </a:p>
-          <a:p>
-            <a:endParaRPr lang="fr-FR" dirty="0"/>
-          </a:p>
-          <a:p>
-            <a:endParaRPr lang="fr-FR" dirty="0"/>
-          </a:p>
-          <a:p>
-            <a:endParaRPr lang="fr-FR" dirty="0"/>
-          </a:p>
-          <a:p>
-            <a:endParaRPr lang="fr-FR" dirty="0"/>
-          </a:p>
-          <a:p>
-            <a:r>
-              <a:rPr lang="fr-FR" dirty="0"/>
-              <a:t>US</a:t>
-            </a:r>
-          </a:p>
-          <a:p>
-            <a:endParaRPr lang="fr-FR" dirty="0"/>
-          </a:p>
-          <a:p>
-            <a:endParaRPr lang="fr-FR" dirty="0"/>
-          </a:p>
-          <a:p>
-            <a:endParaRPr lang="fr-FR" dirty="0"/>
-          </a:p>
-          <a:p>
-            <a:endParaRPr lang="fr-FR" dirty="0"/>
-          </a:p>
-          <a:p>
-            <a:endParaRPr lang="fr-FR" dirty="0"/>
-          </a:p>
-          <a:p>
-            <a:r>
-              <a:rPr lang="fr-FR" dirty="0"/>
-              <a:t>FR</a:t>
-            </a:r>
-          </a:p>
-          <a:p>
-            <a:endParaRPr lang="fr-FR" dirty="0"/>
-          </a:p>
-          <a:p>
-            <a:endParaRPr lang="fr-FR" dirty="0"/>
-          </a:p>
-          <a:p>
-            <a:endParaRPr lang="fr-FR" dirty="0"/>
-          </a:p>
-          <a:p>
-            <a:endParaRPr lang="fr-FR" dirty="0"/>
-          </a:p>
-          <a:p>
-            <a:r>
-              <a:rPr lang="fr-FR" dirty="0"/>
-              <a:t>US</a:t>
+              <a:t>ACC-VC - Snapshots</a:t>
             </a:r>
             <a:endParaRPr lang="en-US" dirty="0"/>
           </a:p>
@@ -5173,10 +8140,10 @@
       </p:sp>
       <p:pic>
         <p:nvPicPr>
-          <p:cNvPr id="2" name="Picture 1">
-            <a:extLst>
-              <a:ext uri="{FF2B5EF4-FFF2-40B4-BE49-F238E27FC236}">
-                <a16:creationId xmlns:a16="http://schemas.microsoft.com/office/drawing/2014/main" id="{9625301D-5CBB-F5AF-13B5-82F3D21A526D}"/>
+          <p:cNvPr id="3" name="Picture 2">
+            <a:extLst>
+              <a:ext uri="{FF2B5EF4-FFF2-40B4-BE49-F238E27FC236}">
+                <a16:creationId xmlns:a16="http://schemas.microsoft.com/office/drawing/2014/main" id="{F22746E2-F33E-2F4F-4AB9-C166C22FFFFC}"/>
               </a:ext>
             </a:extLst>
           </p:cNvPr>
@@ -5186,45 +8153,20 @@
           <p:nvPr/>
         </p:nvPicPr>
         <p:blipFill>
-          <a:blip r:embed="rId2"/>
-          <a:stretch>
-            <a:fillRect/>
-          </a:stretch>
+          <a:blip r:embed="rId3">
+            <a:extLst>
+              <a:ext uri="{28A0092B-C50C-407E-A947-70E740481C1C}">
+                <a14:useLocalDpi xmlns:a14="http://schemas.microsoft.com/office/drawing/2010/main" val="0"/>
+              </a:ext>
+            </a:extLst>
+          </a:blip>
+          <a:srcRect/>
+          <a:stretch/>
         </p:blipFill>
         <p:spPr>
           <a:xfrm>
-            <a:off x="1784132" y="580143"/>
-            <a:ext cx="6155101" cy="1532969"/>
-          </a:xfrm>
-          <a:prstGeom prst="rect">
-            <a:avLst/>
-          </a:prstGeom>
-        </p:spPr>
-      </p:pic>
-      <p:pic>
-        <p:nvPicPr>
-          <p:cNvPr id="3" name="Picture 2">
-            <a:extLst>
-              <a:ext uri="{FF2B5EF4-FFF2-40B4-BE49-F238E27FC236}">
-                <a16:creationId xmlns:a16="http://schemas.microsoft.com/office/drawing/2014/main" id="{D16A00E5-B888-32F0-900F-C84DA124440B}"/>
-              </a:ext>
-            </a:extLst>
-          </p:cNvPr>
-          <p:cNvPicPr>
-            <a:picLocks noChangeAspect="1"/>
-          </p:cNvPicPr>
-          <p:nvPr/>
-        </p:nvPicPr>
-        <p:blipFill>
-          <a:blip r:embed="rId3"/>
-          <a:stretch>
-            <a:fillRect/>
-          </a:stretch>
-        </p:blipFill>
-        <p:spPr>
-          <a:xfrm>
-            <a:off x="1784132" y="3701713"/>
-            <a:ext cx="5918900" cy="1474141"/>
+            <a:off x="1530268" y="2516117"/>
+            <a:ext cx="9649932" cy="1598901"/>
           </a:xfrm>
           <a:prstGeom prst="rect">
             <a:avLst/>
@@ -5236,7 +8178,7 @@
           <p:cNvPr id="4" name="Picture 3">
             <a:extLst>
               <a:ext uri="{FF2B5EF4-FFF2-40B4-BE49-F238E27FC236}">
-                <a16:creationId xmlns:a16="http://schemas.microsoft.com/office/drawing/2014/main" id="{B286081D-A7D2-D06D-5EA1-08F57EABDFD4}"/>
+                <a16:creationId xmlns:a16="http://schemas.microsoft.com/office/drawing/2014/main" id="{D7550624-90B8-D5AE-0045-BA2AFF90DE05}"/>
               </a:ext>
             </a:extLst>
           </p:cNvPr>
@@ -5246,15 +8188,20 @@
           <p:nvPr/>
         </p:nvPicPr>
         <p:blipFill>
-          <a:blip r:embed="rId4"/>
-          <a:stretch>
-            <a:fillRect/>
-          </a:stretch>
+          <a:blip r:embed="rId4">
+            <a:extLst>
+              <a:ext uri="{28A0092B-C50C-407E-A947-70E740481C1C}">
+                <a14:useLocalDpi xmlns:a14="http://schemas.microsoft.com/office/drawing/2010/main" val="0"/>
+              </a:ext>
+            </a:extLst>
+          </a:blip>
+          <a:srcRect/>
+          <a:stretch/>
         </p:blipFill>
         <p:spPr>
           <a:xfrm>
-            <a:off x="1995870" y="2113112"/>
-            <a:ext cx="5707162" cy="1421406"/>
+            <a:off x="1530267" y="4625882"/>
+            <a:ext cx="9649932" cy="1598901"/>
           </a:xfrm>
           <a:prstGeom prst="rect">
             <a:avLst/>
@@ -5263,10 +8210,143 @@
       </p:pic>
       <p:pic>
         <p:nvPicPr>
-          <p:cNvPr id="5" name="Picture 4">
-            <a:extLst>
-              <a:ext uri="{FF2B5EF4-FFF2-40B4-BE49-F238E27FC236}">
-                <a16:creationId xmlns:a16="http://schemas.microsoft.com/office/drawing/2014/main" id="{3666DB98-7025-3277-BE4C-C931D02647D7}"/>
+          <p:cNvPr id="3074" name="Picture 2">
+            <a:extLst>
+              <a:ext uri="{FF2B5EF4-FFF2-40B4-BE49-F238E27FC236}">
+                <a16:creationId xmlns:a16="http://schemas.microsoft.com/office/drawing/2014/main" id="{A2282B71-7496-50FC-E903-72A59AF899C4}"/>
+              </a:ext>
+            </a:extLst>
+          </p:cNvPr>
+          <p:cNvPicPr>
+            <a:picLocks noChangeAspect="1" noChangeArrowheads="1"/>
+          </p:cNvPicPr>
+          <p:nvPr/>
+        </p:nvPicPr>
+        <p:blipFill rotWithShape="1">
+          <a:blip r:embed="rId5">
+            <a:extLst>
+              <a:ext uri="{28A0092B-C50C-407E-A947-70E740481C1C}">
+                <a14:useLocalDpi xmlns:a14="http://schemas.microsoft.com/office/drawing/2010/main" val="0"/>
+              </a:ext>
+            </a:extLst>
+          </a:blip>
+          <a:srcRect b="22310"/>
+          <a:stretch/>
+        </p:blipFill>
+        <p:spPr bwMode="auto">
+          <a:xfrm>
+            <a:off x="838199" y="3166653"/>
+            <a:ext cx="576137" cy="297827"/>
+          </a:xfrm>
+          <a:prstGeom prst="rect">
+            <a:avLst/>
+          </a:prstGeom>
+          <a:noFill/>
+          <a:extLst>
+            <a:ext uri="{909E8E84-426E-40DD-AFC4-6F175D3DCCD1}">
+              <a14:hiddenFill xmlns:a14="http://schemas.microsoft.com/office/drawing/2010/main">
+                <a:solidFill>
+                  <a:srgbClr val="FFFFFF"/>
+                </a:solidFill>
+              </a14:hiddenFill>
+            </a:ext>
+          </a:extLst>
+        </p:spPr>
+      </p:pic>
+      <p:pic>
+        <p:nvPicPr>
+          <p:cNvPr id="3076" name="Picture 4">
+            <a:extLst>
+              <a:ext uri="{FF2B5EF4-FFF2-40B4-BE49-F238E27FC236}">
+                <a16:creationId xmlns:a16="http://schemas.microsoft.com/office/drawing/2014/main" id="{74D4EF1C-0EDB-BDAB-78D6-AA60214C2243}"/>
+              </a:ext>
+            </a:extLst>
+          </p:cNvPr>
+          <p:cNvPicPr>
+            <a:picLocks noChangeAspect="1" noChangeArrowheads="1"/>
+          </p:cNvPicPr>
+          <p:nvPr/>
+        </p:nvPicPr>
+        <p:blipFill>
+          <a:blip r:embed="rId6">
+            <a:extLst>
+              <a:ext uri="{28A0092B-C50C-407E-A947-70E740481C1C}">
+                <a14:useLocalDpi xmlns:a14="http://schemas.microsoft.com/office/drawing/2010/main" val="0"/>
+              </a:ext>
+            </a:extLst>
+          </a:blip>
+          <a:srcRect/>
+          <a:stretch>
+            <a:fillRect/>
+          </a:stretch>
+        </p:blipFill>
+        <p:spPr bwMode="auto">
+          <a:xfrm>
+            <a:off x="838198" y="5273847"/>
+            <a:ext cx="576137" cy="302969"/>
+          </a:xfrm>
+          <a:prstGeom prst="rect">
+            <a:avLst/>
+          </a:prstGeom>
+          <a:noFill/>
+          <a:extLst>
+            <a:ext uri="{909E8E84-426E-40DD-AFC4-6F175D3DCCD1}">
+              <a14:hiddenFill xmlns:a14="http://schemas.microsoft.com/office/drawing/2010/main">
+                <a:solidFill>
+                  <a:srgbClr val="FFFFFF"/>
+                </a:solidFill>
+              </a14:hiddenFill>
+            </a:ext>
+          </a:extLst>
+        </p:spPr>
+      </p:pic>
+      <p:cxnSp>
+        <p:nvCxnSpPr>
+          <p:cNvPr id="8" name="Straight Connector 7">
+            <a:extLst>
+              <a:ext uri="{FF2B5EF4-FFF2-40B4-BE49-F238E27FC236}">
+                <a16:creationId xmlns:a16="http://schemas.microsoft.com/office/drawing/2014/main" id="{55E2F2B7-2E28-BAD0-F90A-AA19FCD3E203}"/>
+              </a:ext>
+            </a:extLst>
+          </p:cNvPr>
+          <p:cNvCxnSpPr>
+            <a:cxnSpLocks/>
+          </p:cNvCxnSpPr>
+          <p:nvPr/>
+        </p:nvCxnSpPr>
+        <p:spPr>
+          <a:xfrm>
+            <a:off x="825503" y="4353833"/>
+            <a:ext cx="10354697" cy="0"/>
+          </a:xfrm>
+          <a:prstGeom prst="line">
+            <a:avLst/>
+          </a:prstGeom>
+          <a:ln w="3175">
+            <a:prstDash val="lgDashDot"/>
+          </a:ln>
+        </p:spPr>
+        <p:style>
+          <a:lnRef idx="2">
+            <a:schemeClr val="accent1"/>
+          </a:lnRef>
+          <a:fillRef idx="0">
+            <a:schemeClr val="accent1"/>
+          </a:fillRef>
+          <a:effectRef idx="1">
+            <a:schemeClr val="accent1"/>
+          </a:effectRef>
+          <a:fontRef idx="minor">
+            <a:schemeClr val="tx1"/>
+          </a:fontRef>
+        </p:style>
+      </p:cxnSp>
+      <p:pic>
+        <p:nvPicPr>
+          <p:cNvPr id="11" name="Picture 10">
+            <a:extLst>
+              <a:ext uri="{FF2B5EF4-FFF2-40B4-BE49-F238E27FC236}">
+                <a16:creationId xmlns:a16="http://schemas.microsoft.com/office/drawing/2014/main" id="{55A0E482-7FB2-D608-8563-2E781563211E}"/>
               </a:ext>
             </a:extLst>
           </p:cNvPr>
@@ -5276,25 +8356,152 @@
           <p:nvPr/>
         </p:nvPicPr>
         <p:blipFill>
-          <a:blip r:embed="rId5"/>
+          <a:blip r:embed="rId7"/>
           <a:stretch>
             <a:fillRect/>
           </a:stretch>
         </p:blipFill>
         <p:spPr>
           <a:xfrm>
-            <a:off x="1784132" y="5175854"/>
-            <a:ext cx="6603125" cy="1644552"/>
+            <a:off x="6231321" y="323379"/>
+            <a:ext cx="2319896" cy="1953923"/>
           </a:xfrm>
           <a:prstGeom prst="rect">
             <a:avLst/>
           </a:prstGeom>
         </p:spPr>
       </p:pic>
+      <p:pic>
+        <p:nvPicPr>
+          <p:cNvPr id="12" name="Picture 2">
+            <a:extLst>
+              <a:ext uri="{FF2B5EF4-FFF2-40B4-BE49-F238E27FC236}">
+                <a16:creationId xmlns:a16="http://schemas.microsoft.com/office/drawing/2014/main" id="{53225863-451D-24E6-4A59-55F94802DB08}"/>
+              </a:ext>
+            </a:extLst>
+          </p:cNvPr>
+          <p:cNvPicPr>
+            <a:picLocks noChangeAspect="1" noChangeArrowheads="1"/>
+          </p:cNvPicPr>
+          <p:nvPr/>
+        </p:nvPicPr>
+        <p:blipFill rotWithShape="1">
+          <a:blip r:embed="rId5">
+            <a:extLst>
+              <a:ext uri="{28A0092B-C50C-407E-A947-70E740481C1C}">
+                <a14:useLocalDpi xmlns:a14="http://schemas.microsoft.com/office/drawing/2010/main" val="0"/>
+              </a:ext>
+            </a:extLst>
+          </a:blip>
+          <a:srcRect b="22310"/>
+          <a:stretch/>
+        </p:blipFill>
+        <p:spPr bwMode="auto">
+          <a:xfrm>
+            <a:off x="6083388" y="1852867"/>
+            <a:ext cx="576137" cy="297827"/>
+          </a:xfrm>
+          <a:prstGeom prst="rect">
+            <a:avLst/>
+          </a:prstGeom>
+          <a:noFill/>
+          <a:extLst>
+            <a:ext uri="{909E8E84-426E-40DD-AFC4-6F175D3DCCD1}">
+              <a14:hiddenFill xmlns:a14="http://schemas.microsoft.com/office/drawing/2010/main">
+                <a:solidFill>
+                  <a:srgbClr val="FFFFFF"/>
+                </a:solidFill>
+              </a14:hiddenFill>
+            </a:ext>
+          </a:extLst>
+        </p:spPr>
+      </p:pic>
+      <p:pic>
+        <p:nvPicPr>
+          <p:cNvPr id="13" name="Picture 12">
+            <a:extLst>
+              <a:ext uri="{FF2B5EF4-FFF2-40B4-BE49-F238E27FC236}">
+                <a16:creationId xmlns:a16="http://schemas.microsoft.com/office/drawing/2014/main" id="{46C6EFBF-E160-C66F-E02B-FCC778E4C463}"/>
+              </a:ext>
+            </a:extLst>
+          </p:cNvPr>
+          <p:cNvPicPr>
+            <a:picLocks noChangeAspect="1"/>
+          </p:cNvPicPr>
+          <p:nvPr/>
+        </p:nvPicPr>
+        <p:blipFill>
+          <a:blip r:embed="rId8">
+            <a:extLst>
+              <a:ext uri="{28A0092B-C50C-407E-A947-70E740481C1C}">
+                <a14:useLocalDpi xmlns:a14="http://schemas.microsoft.com/office/drawing/2010/main" val="0"/>
+              </a:ext>
+            </a:extLst>
+          </a:blip>
+          <a:srcRect/>
+          <a:stretch/>
+        </p:blipFill>
+        <p:spPr>
+          <a:xfrm>
+            <a:off x="8911459" y="323379"/>
+            <a:ext cx="2319895" cy="1953923"/>
+          </a:xfrm>
+          <a:prstGeom prst="rect">
+            <a:avLst/>
+          </a:prstGeom>
+        </p:spPr>
+      </p:pic>
+      <p:pic>
+        <p:nvPicPr>
+          <p:cNvPr id="14" name="Picture 4">
+            <a:extLst>
+              <a:ext uri="{FF2B5EF4-FFF2-40B4-BE49-F238E27FC236}">
+                <a16:creationId xmlns:a16="http://schemas.microsoft.com/office/drawing/2014/main" id="{5A364E28-7A7A-6752-93CC-E623FBD928DF}"/>
+              </a:ext>
+            </a:extLst>
+          </p:cNvPr>
+          <p:cNvPicPr>
+            <a:picLocks noChangeAspect="1" noChangeArrowheads="1"/>
+          </p:cNvPicPr>
+          <p:nvPr/>
+        </p:nvPicPr>
+        <p:blipFill>
+          <a:blip r:embed="rId6">
+            <a:extLst>
+              <a:ext uri="{28A0092B-C50C-407E-A947-70E740481C1C}">
+                <a14:useLocalDpi xmlns:a14="http://schemas.microsoft.com/office/drawing/2010/main" val="0"/>
+              </a:ext>
+            </a:extLst>
+          </a:blip>
+          <a:srcRect/>
+          <a:stretch>
+            <a:fillRect/>
+          </a:stretch>
+        </p:blipFill>
+        <p:spPr bwMode="auto">
+          <a:xfrm>
+            <a:off x="8764490" y="1847725"/>
+            <a:ext cx="576137" cy="302969"/>
+          </a:xfrm>
+          <a:prstGeom prst="rect">
+            <a:avLst/>
+          </a:prstGeom>
+          <a:noFill/>
+          <a:extLst>
+            <a:ext uri="{909E8E84-426E-40DD-AFC4-6F175D3DCCD1}">
+              <a14:hiddenFill xmlns:a14="http://schemas.microsoft.com/office/drawing/2010/main">
+                <a:solidFill>
+                  <a:srgbClr val="FFFFFF"/>
+                </a:solidFill>
+              </a14:hiddenFill>
+            </a:ext>
+          </a:extLst>
+        </p:spPr>
+      </p:pic>
     </p:spTree>
     <p:extLst>
       <p:ext uri="{BB962C8B-B14F-4D97-AF65-F5344CB8AC3E}">
-        <p14:creationId xmlns:p14="http://schemas.microsoft.com/office/powerpoint/2010/main" val="1328523164"/>
+        <p14:creationId xmlns:p14="http://schemas.microsoft.com/office/powerpoint/2010/main" val="2194253191"/>
       </p:ext>
     </p:extLst>
   </p:cSld>
@@ -5617,4 +8824,319 @@
     </a:ext>
   </a:extLst>
 </a:theme>
+</file>
+
+<file path=ppt/theme/theme2.xml><?xml version="1.0" encoding="utf-8"?>
+<a:theme xmlns:a="http://schemas.openxmlformats.org/drawingml/2006/main" name="Office Theme">
+  <a:themeElements>
+    <a:clrScheme name="Office">
+      <a:dk1>
+        <a:sysClr val="windowText" lastClr="000000"/>
+      </a:dk1>
+      <a:lt1>
+        <a:sysClr val="window" lastClr="FFFFFF"/>
+      </a:lt1>
+      <a:dk2>
+        <a:srgbClr val="0E2841"/>
+      </a:dk2>
+      <a:lt2>
+        <a:srgbClr val="E8E8E8"/>
+      </a:lt2>
+      <a:accent1>
+        <a:srgbClr val="156082"/>
+      </a:accent1>
+      <a:accent2>
+        <a:srgbClr val="E97132"/>
+      </a:accent2>
+      <a:accent3>
+        <a:srgbClr val="196B24"/>
+      </a:accent3>
+      <a:accent4>
+        <a:srgbClr val="0F9ED5"/>
+      </a:accent4>
+      <a:accent5>
+        <a:srgbClr val="A02B93"/>
+      </a:accent5>
+      <a:accent6>
+        <a:srgbClr val="4EA72E"/>
+      </a:accent6>
+      <a:hlink>
+        <a:srgbClr val="467886"/>
+      </a:hlink>
+      <a:folHlink>
+        <a:srgbClr val="96607D"/>
+      </a:folHlink>
+    </a:clrScheme>
+    <a:fontScheme name="Office">
+      <a:majorFont>
+        <a:latin typeface="Aptos Display" panose="02110004020202020204"/>
+        <a:ea typeface=""/>
+        <a:cs typeface=""/>
+        <a:font script="Jpan" typeface="游ゴシック Light"/>
+        <a:font script="Hang" typeface="맑은 고딕"/>
+        <a:font script="Hans" typeface="等线 Light"/>
+        <a:font script="Hant" typeface="新細明體"/>
+        <a:font script="Arab" typeface="Times New Roman"/>
+        <a:font script="Hebr" typeface="Times New Roman"/>
+        <a:font script="Thai" typeface="Angsana New"/>
+        <a:font script="Ethi" typeface="Nyala"/>
+        <a:font script="Beng" typeface="Vrinda"/>
+        <a:font script="Gujr" typeface="Shruti"/>
+        <a:font script="Khmr" typeface="MoolBoran"/>
+        <a:font script="Knda" typeface="Tunga"/>
+        <a:font script="Guru" typeface="Raavi"/>
+        <a:font script="Cans" typeface="Euphemia"/>
+        <a:font script="Cher" typeface="Plantagenet Cherokee"/>
+        <a:font script="Yiii" typeface="Microsoft Yi Baiti"/>
+        <a:font script="Tibt" typeface="Microsoft Himalaya"/>
+        <a:font script="Thaa" typeface="MV Boli"/>
+        <a:font script="Deva" typeface="Mangal"/>
+        <a:font script="Telu" typeface="Gautami"/>
+        <a:font script="Taml" typeface="Latha"/>
+        <a:font script="Syrc" typeface="Estrangelo Edessa"/>
+        <a:font script="Orya" typeface="Kalinga"/>
+        <a:font script="Mlym" typeface="Kartika"/>
+        <a:font script="Laoo" typeface="DokChampa"/>
+        <a:font script="Sinh" typeface="Iskoola Pota"/>
+        <a:font script="Mong" typeface="Mongolian Baiti"/>
+        <a:font script="Viet" typeface="Times New Roman"/>
+        <a:font script="Uigh" typeface="Microsoft Uighur"/>
+        <a:font script="Geor" typeface="Sylfaen"/>
+        <a:font script="Armn" typeface="Arial"/>
+        <a:font script="Bugi" typeface="Leelawadee UI"/>
+        <a:font script="Bopo" typeface="Microsoft JhengHei"/>
+        <a:font script="Java" typeface="Javanese Text"/>
+        <a:font script="Lisu" typeface="Segoe UI"/>
+        <a:font script="Mymr" typeface="Myanmar Text"/>
+        <a:font script="Nkoo" typeface="Ebrima"/>
+        <a:font script="Olck" typeface="Nirmala UI"/>
+        <a:font script="Osma" typeface="Ebrima"/>
+        <a:font script="Phag" typeface="Phagspa"/>
+        <a:font script="Syrn" typeface="Estrangelo Edessa"/>
+        <a:font script="Syrj" typeface="Estrangelo Edessa"/>
+        <a:font script="Syre" typeface="Estrangelo Edessa"/>
+        <a:font script="Sora" typeface="Nirmala UI"/>
+        <a:font script="Tale" typeface="Microsoft Tai Le"/>
+        <a:font script="Talu" typeface="Microsoft New Tai Lue"/>
+        <a:font script="Tfng" typeface="Ebrima"/>
+      </a:majorFont>
+      <a:minorFont>
+        <a:latin typeface="Aptos" panose="02110004020202020204"/>
+        <a:ea typeface=""/>
+        <a:cs typeface=""/>
+        <a:font script="Jpan" typeface="游ゴシック"/>
+        <a:font script="Hang" typeface="맑은 고딕"/>
+        <a:font script="Hans" typeface="等线"/>
+        <a:font script="Hant" typeface="新細明體"/>
+        <a:font script="Arab" typeface="Arial"/>
+        <a:font script="Hebr" typeface="Arial"/>
+        <a:font script="Thai" typeface="Cordia New"/>
+        <a:font script="Ethi" typeface="Nyala"/>
+        <a:font script="Beng" typeface="Vrinda"/>
+        <a:font script="Gujr" typeface="Shruti"/>
+        <a:font script="Khmr" typeface="DaunPenh"/>
+        <a:font script="Knda" typeface="Tunga"/>
+        <a:font script="Guru" typeface="Raavi"/>
+        <a:font script="Cans" typeface="Euphemia"/>
+        <a:font script="Cher" typeface="Plantagenet Cherokee"/>
+        <a:font script="Yiii" typeface="Microsoft Yi Baiti"/>
+        <a:font script="Tibt" typeface="Microsoft Himalaya"/>
+        <a:font script="Thaa" typeface="MV Boli"/>
+        <a:font script="Deva" typeface="Mangal"/>
+        <a:font script="Telu" typeface="Gautami"/>
+        <a:font script="Taml" typeface="Latha"/>
+        <a:font script="Syrc" typeface="Estrangelo Edessa"/>
+        <a:font script="Orya" typeface="Kalinga"/>
+        <a:font script="Mlym" typeface="Kartika"/>
+        <a:font script="Laoo" typeface="DokChampa"/>
+        <a:font script="Sinh" typeface="Iskoola Pota"/>
+        <a:font script="Mong" typeface="Mongolian Baiti"/>
+        <a:font script="Viet" typeface="Arial"/>
+        <a:font script="Uigh" typeface="Microsoft Uighur"/>
+        <a:font script="Geor" typeface="Sylfaen"/>
+        <a:font script="Armn" typeface="Arial"/>
+        <a:font script="Bugi" typeface="Leelawadee UI"/>
+        <a:font script="Bopo" typeface="Microsoft JhengHei"/>
+        <a:font script="Java" typeface="Javanese Text"/>
+        <a:font script="Lisu" typeface="Segoe UI"/>
+        <a:font script="Mymr" typeface="Myanmar Text"/>
+        <a:font script="Nkoo" typeface="Ebrima"/>
+        <a:font script="Olck" typeface="Nirmala UI"/>
+        <a:font script="Osma" typeface="Ebrima"/>
+        <a:font script="Phag" typeface="Phagspa"/>
+        <a:font script="Syrn" typeface="Estrangelo Edessa"/>
+        <a:font script="Syrj" typeface="Estrangelo Edessa"/>
+        <a:font script="Syre" typeface="Estrangelo Edessa"/>
+        <a:font script="Sora" typeface="Nirmala UI"/>
+        <a:font script="Tale" typeface="Microsoft Tai Le"/>
+        <a:font script="Talu" typeface="Microsoft New Tai Lue"/>
+        <a:font script="Tfng" typeface="Ebrima"/>
+      </a:minorFont>
+    </a:fontScheme>
+    <a:fmtScheme name="Office">
+      <a:fillStyleLst>
+        <a:solidFill>
+          <a:schemeClr val="phClr"/>
+        </a:solidFill>
+        <a:gradFill rotWithShape="1">
+          <a:gsLst>
+            <a:gs pos="0">
+              <a:schemeClr val="phClr">
+                <a:lumMod val="110000"/>
+                <a:satMod val="105000"/>
+                <a:tint val="67000"/>
+              </a:schemeClr>
+            </a:gs>
+            <a:gs pos="50000">
+              <a:schemeClr val="phClr">
+                <a:lumMod val="105000"/>
+                <a:satMod val="103000"/>
+                <a:tint val="73000"/>
+              </a:schemeClr>
+            </a:gs>
+            <a:gs pos="100000">
+              <a:schemeClr val="phClr">
+                <a:lumMod val="105000"/>
+                <a:satMod val="109000"/>
+                <a:tint val="81000"/>
+              </a:schemeClr>
+            </a:gs>
+          </a:gsLst>
+          <a:lin ang="5400000" scaled="0"/>
+        </a:gradFill>
+        <a:gradFill rotWithShape="1">
+          <a:gsLst>
+            <a:gs pos="0">
+              <a:schemeClr val="phClr">
+                <a:satMod val="103000"/>
+                <a:lumMod val="102000"/>
+                <a:tint val="94000"/>
+              </a:schemeClr>
+            </a:gs>
+            <a:gs pos="50000">
+              <a:schemeClr val="phClr">
+                <a:satMod val="110000"/>
+                <a:lumMod val="100000"/>
+                <a:shade val="100000"/>
+              </a:schemeClr>
+            </a:gs>
+            <a:gs pos="100000">
+              <a:schemeClr val="phClr">
+                <a:lumMod val="99000"/>
+                <a:satMod val="120000"/>
+                <a:shade val="78000"/>
+              </a:schemeClr>
+            </a:gs>
+          </a:gsLst>
+          <a:lin ang="5400000" scaled="0"/>
+        </a:gradFill>
+      </a:fillStyleLst>
+      <a:lnStyleLst>
+        <a:ln w="12700" cap="flat" cmpd="sng" algn="ctr">
+          <a:solidFill>
+            <a:schemeClr val="phClr"/>
+          </a:solidFill>
+          <a:prstDash val="solid"/>
+          <a:miter lim="800000"/>
+        </a:ln>
+        <a:ln w="19050" cap="flat" cmpd="sng" algn="ctr">
+          <a:solidFill>
+            <a:schemeClr val="phClr"/>
+          </a:solidFill>
+          <a:prstDash val="solid"/>
+          <a:miter lim="800000"/>
+        </a:ln>
+        <a:ln w="25400" cap="flat" cmpd="sng" algn="ctr">
+          <a:solidFill>
+            <a:schemeClr val="phClr"/>
+          </a:solidFill>
+          <a:prstDash val="solid"/>
+          <a:miter lim="800000"/>
+        </a:ln>
+      </a:lnStyleLst>
+      <a:effectStyleLst>
+        <a:effectStyle>
+          <a:effectLst/>
+        </a:effectStyle>
+        <a:effectStyle>
+          <a:effectLst/>
+        </a:effectStyle>
+        <a:effectStyle>
+          <a:effectLst>
+            <a:outerShdw blurRad="57150" dist="19050" dir="5400000" algn="ctr" rotWithShape="0">
+              <a:srgbClr val="000000">
+                <a:alpha val="63000"/>
+              </a:srgbClr>
+            </a:outerShdw>
+          </a:effectLst>
+        </a:effectStyle>
+      </a:effectStyleLst>
+      <a:bgFillStyleLst>
+        <a:solidFill>
+          <a:schemeClr val="phClr"/>
+        </a:solidFill>
+        <a:solidFill>
+          <a:schemeClr val="phClr">
+            <a:tint val="95000"/>
+            <a:satMod val="170000"/>
+          </a:schemeClr>
+        </a:solidFill>
+        <a:gradFill rotWithShape="1">
+          <a:gsLst>
+            <a:gs pos="0">
+              <a:schemeClr val="phClr">
+                <a:tint val="93000"/>
+                <a:satMod val="150000"/>
+                <a:shade val="98000"/>
+                <a:lumMod val="102000"/>
+              </a:schemeClr>
+            </a:gs>
+            <a:gs pos="50000">
+              <a:schemeClr val="phClr">
+                <a:tint val="98000"/>
+                <a:satMod val="130000"/>
+                <a:shade val="90000"/>
+                <a:lumMod val="103000"/>
+              </a:schemeClr>
+            </a:gs>
+            <a:gs pos="100000">
+              <a:schemeClr val="phClr">
+                <a:shade val="63000"/>
+                <a:satMod val="120000"/>
+              </a:schemeClr>
+            </a:gs>
+          </a:gsLst>
+          <a:lin ang="5400000" scaled="0"/>
+        </a:gradFill>
+      </a:bgFillStyleLst>
+    </a:fmtScheme>
+  </a:themeElements>
+  <a:objectDefaults>
+    <a:lnDef>
+      <a:spPr/>
+      <a:bodyPr/>
+      <a:lstStyle/>
+      <a:style>
+        <a:lnRef idx="2">
+          <a:schemeClr val="accent1"/>
+        </a:lnRef>
+        <a:fillRef idx="0">
+          <a:schemeClr val="accent1"/>
+        </a:fillRef>
+        <a:effectRef idx="1">
+          <a:schemeClr val="accent1"/>
+        </a:effectRef>
+        <a:fontRef idx="minor">
+          <a:schemeClr val="tx1"/>
+        </a:fontRef>
+      </a:style>
+    </a:lnDef>
+  </a:objectDefaults>
+  <a:extraClrSchemeLst/>
+  <a:extLst>
+    <a:ext uri="{05A4C25C-085E-4340-85A3-A5531E510DB2}">
+      <thm15:themeFamily xmlns:thm15="http://schemas.microsoft.com/office/thememl/2012/main" name="Office Theme" id="{2E142A2C-CD16-42D6-873A-C26D2A0506FA}" vid="{1BDDFF52-6CD6-40A5-AB3C-68EB2F1E4D0A}"/>
+    </a:ext>
+  </a:extLst>
+</a:theme>
 </file>